--- a/navi_flow_chart.pptx
+++ b/navi_flow_chart.pptx
@@ -7,6 +7,11 @@
   <p:sldIdLst>
     <p:sldId id="256" r:id="rId2"/>
     <p:sldId id="257" r:id="rId3"/>
+    <p:sldId id="258" r:id="rId4"/>
+    <p:sldId id="259" r:id="rId5"/>
+    <p:sldId id="262" r:id="rId6"/>
+    <p:sldId id="260" r:id="rId7"/>
+    <p:sldId id="261" r:id="rId8"/>
   </p:sldIdLst>
   <p:sldSz cx="12192000" cy="6858000"/>
   <p:notesSz cx="6858000" cy="9144000"/>
@@ -105,6 +110,11 @@
       </a:defRPr>
     </a:lvl9pPr>
   </p:defaultTextStyle>
+  <p:extLst>
+    <p:ext uri="{EFAFB233-063F-42B5-8137-9DF3F51BA10A}">
+      <p15:sldGuideLst xmlns:p15="http://schemas.microsoft.com/office/powerpoint/2012/main"/>
+    </p:ext>
+  </p:extLst>
 </p:presentation>
 </file>
 
@@ -150,10 +160,9 @@
           </a:lstStyle>
           <a:p>
             <a:r>
-              <a:rPr lang="zh-TW" altLang="en-US" smtClean="0"/>
+              <a:rPr lang="zh-TW" altLang="en-US"/>
               <a:t>按一下以編輯母片標題樣式</a:t>
             </a:r>
-            <a:endParaRPr lang="zh-TW" altLang="en-US"/>
           </a:p>
         </p:txBody>
       </p:sp>
@@ -215,10 +224,9 @@
           </a:lstStyle>
           <a:p>
             <a:r>
-              <a:rPr lang="zh-TW" altLang="en-US" smtClean="0"/>
+              <a:rPr lang="zh-TW" altLang="en-US"/>
               <a:t>按一下以編輯母片副標題樣式</a:t>
             </a:r>
-            <a:endParaRPr lang="zh-TW" altLang="en-US"/>
           </a:p>
         </p:txBody>
       </p:sp>
@@ -239,7 +247,7 @@
           <a:p>
             <a:fld id="{C18EC2BB-DB2E-4DF2-BB99-893DF2986BCF}" type="datetimeFigureOut">
               <a:rPr lang="zh-TW" altLang="en-US" smtClean="0"/>
-              <a:t>2020/8/26</a:t>
+              <a:t>2020/8/29</a:t>
             </a:fld>
             <a:endParaRPr lang="zh-TW" altLang="en-US"/>
           </a:p>
@@ -333,10 +341,9 @@
           <a:lstStyle/>
           <a:p>
             <a:r>
-              <a:rPr lang="zh-TW" altLang="en-US" smtClean="0"/>
+              <a:rPr lang="zh-TW" altLang="en-US"/>
               <a:t>按一下以編輯母片標題樣式</a:t>
             </a:r>
-            <a:endParaRPr lang="zh-TW" altLang="en-US"/>
           </a:p>
         </p:txBody>
       </p:sp>
@@ -357,38 +364,37 @@
           <a:p>
             <a:pPr lvl="0"/>
             <a:r>
-              <a:rPr lang="zh-TW" altLang="en-US" smtClean="0"/>
+              <a:rPr lang="zh-TW" altLang="en-US"/>
               <a:t>按一下以編輯母片文字樣式</a:t>
             </a:r>
           </a:p>
           <a:p>
             <a:pPr lvl="1"/>
             <a:r>
-              <a:rPr lang="zh-TW" altLang="en-US" smtClean="0"/>
+              <a:rPr lang="zh-TW" altLang="en-US"/>
               <a:t>第二層</a:t>
             </a:r>
           </a:p>
           <a:p>
             <a:pPr lvl="2"/>
             <a:r>
-              <a:rPr lang="zh-TW" altLang="en-US" smtClean="0"/>
+              <a:rPr lang="zh-TW" altLang="en-US"/>
               <a:t>第三層</a:t>
             </a:r>
           </a:p>
           <a:p>
             <a:pPr lvl="3"/>
             <a:r>
-              <a:rPr lang="zh-TW" altLang="en-US" smtClean="0"/>
+              <a:rPr lang="zh-TW" altLang="en-US"/>
               <a:t>第四層</a:t>
             </a:r>
           </a:p>
           <a:p>
             <a:pPr lvl="4"/>
             <a:r>
-              <a:rPr lang="zh-TW" altLang="en-US" smtClean="0"/>
+              <a:rPr lang="zh-TW" altLang="en-US"/>
               <a:t>第五層</a:t>
             </a:r>
-            <a:endParaRPr lang="zh-TW" altLang="en-US"/>
           </a:p>
         </p:txBody>
       </p:sp>
@@ -409,7 +415,7 @@
           <a:p>
             <a:fld id="{C18EC2BB-DB2E-4DF2-BB99-893DF2986BCF}" type="datetimeFigureOut">
               <a:rPr lang="zh-TW" altLang="en-US" smtClean="0"/>
-              <a:t>2020/8/26</a:t>
+              <a:t>2020/8/29</a:t>
             </a:fld>
             <a:endParaRPr lang="zh-TW" altLang="en-US"/>
           </a:p>
@@ -508,10 +514,9 @@
           <a:lstStyle/>
           <a:p>
             <a:r>
-              <a:rPr lang="zh-TW" altLang="en-US" smtClean="0"/>
+              <a:rPr lang="zh-TW" altLang="en-US"/>
               <a:t>按一下以編輯母片標題樣式</a:t>
             </a:r>
-            <a:endParaRPr lang="zh-TW" altLang="en-US"/>
           </a:p>
         </p:txBody>
       </p:sp>
@@ -537,38 +542,37 @@
           <a:p>
             <a:pPr lvl="0"/>
             <a:r>
-              <a:rPr lang="zh-TW" altLang="en-US" smtClean="0"/>
+              <a:rPr lang="zh-TW" altLang="en-US"/>
               <a:t>按一下以編輯母片文字樣式</a:t>
             </a:r>
           </a:p>
           <a:p>
             <a:pPr lvl="1"/>
             <a:r>
-              <a:rPr lang="zh-TW" altLang="en-US" smtClean="0"/>
+              <a:rPr lang="zh-TW" altLang="en-US"/>
               <a:t>第二層</a:t>
             </a:r>
           </a:p>
           <a:p>
             <a:pPr lvl="2"/>
             <a:r>
-              <a:rPr lang="zh-TW" altLang="en-US" smtClean="0"/>
+              <a:rPr lang="zh-TW" altLang="en-US"/>
               <a:t>第三層</a:t>
             </a:r>
           </a:p>
           <a:p>
             <a:pPr lvl="3"/>
             <a:r>
-              <a:rPr lang="zh-TW" altLang="en-US" smtClean="0"/>
+              <a:rPr lang="zh-TW" altLang="en-US"/>
               <a:t>第四層</a:t>
             </a:r>
           </a:p>
           <a:p>
             <a:pPr lvl="4"/>
             <a:r>
-              <a:rPr lang="zh-TW" altLang="en-US" smtClean="0"/>
+              <a:rPr lang="zh-TW" altLang="en-US"/>
               <a:t>第五層</a:t>
             </a:r>
-            <a:endParaRPr lang="zh-TW" altLang="en-US"/>
           </a:p>
         </p:txBody>
       </p:sp>
@@ -589,7 +593,7 @@
           <a:p>
             <a:fld id="{C18EC2BB-DB2E-4DF2-BB99-893DF2986BCF}" type="datetimeFigureOut">
               <a:rPr lang="zh-TW" altLang="en-US" smtClean="0"/>
-              <a:t>2020/8/26</a:t>
+              <a:t>2020/8/29</a:t>
             </a:fld>
             <a:endParaRPr lang="zh-TW" altLang="en-US"/>
           </a:p>
@@ -683,10 +687,9 @@
           <a:lstStyle/>
           <a:p>
             <a:r>
-              <a:rPr lang="zh-TW" altLang="en-US" smtClean="0"/>
+              <a:rPr lang="zh-TW" altLang="en-US"/>
               <a:t>按一下以編輯母片標題樣式</a:t>
             </a:r>
-            <a:endParaRPr lang="zh-TW" altLang="en-US"/>
           </a:p>
         </p:txBody>
       </p:sp>
@@ -707,38 +710,37 @@
           <a:p>
             <a:pPr lvl="0"/>
             <a:r>
-              <a:rPr lang="zh-TW" altLang="en-US" smtClean="0"/>
+              <a:rPr lang="zh-TW" altLang="en-US"/>
               <a:t>按一下以編輯母片文字樣式</a:t>
             </a:r>
           </a:p>
           <a:p>
             <a:pPr lvl="1"/>
             <a:r>
-              <a:rPr lang="zh-TW" altLang="en-US" smtClean="0"/>
+              <a:rPr lang="zh-TW" altLang="en-US"/>
               <a:t>第二層</a:t>
             </a:r>
           </a:p>
           <a:p>
             <a:pPr lvl="2"/>
             <a:r>
-              <a:rPr lang="zh-TW" altLang="en-US" smtClean="0"/>
+              <a:rPr lang="zh-TW" altLang="en-US"/>
               <a:t>第三層</a:t>
             </a:r>
           </a:p>
           <a:p>
             <a:pPr lvl="3"/>
             <a:r>
-              <a:rPr lang="zh-TW" altLang="en-US" smtClean="0"/>
+              <a:rPr lang="zh-TW" altLang="en-US"/>
               <a:t>第四層</a:t>
             </a:r>
           </a:p>
           <a:p>
             <a:pPr lvl="4"/>
             <a:r>
-              <a:rPr lang="zh-TW" altLang="en-US" smtClean="0"/>
+              <a:rPr lang="zh-TW" altLang="en-US"/>
               <a:t>第五層</a:t>
             </a:r>
-            <a:endParaRPr lang="zh-TW" altLang="en-US"/>
           </a:p>
         </p:txBody>
       </p:sp>
@@ -759,7 +761,7 @@
           <a:p>
             <a:fld id="{C18EC2BB-DB2E-4DF2-BB99-893DF2986BCF}" type="datetimeFigureOut">
               <a:rPr lang="zh-TW" altLang="en-US" smtClean="0"/>
-              <a:t>2020/8/26</a:t>
+              <a:t>2020/8/29</a:t>
             </a:fld>
             <a:endParaRPr lang="zh-TW" altLang="en-US"/>
           </a:p>
@@ -862,10 +864,9 @@
           </a:lstStyle>
           <a:p>
             <a:r>
-              <a:rPr lang="zh-TW" altLang="en-US" smtClean="0"/>
+              <a:rPr lang="zh-TW" altLang="en-US"/>
               <a:t>按一下以編輯母片標題樣式</a:t>
             </a:r>
-            <a:endParaRPr lang="zh-TW" altLang="en-US"/>
           </a:p>
         </p:txBody>
       </p:sp>
@@ -982,7 +983,7 @@
           <a:p>
             <a:pPr lvl="0"/>
             <a:r>
-              <a:rPr lang="zh-TW" altLang="en-US" smtClean="0"/>
+              <a:rPr lang="zh-TW" altLang="en-US"/>
               <a:t>按一下以編輯母片文字樣式</a:t>
             </a:r>
           </a:p>
@@ -1005,7 +1006,7 @@
           <a:p>
             <a:fld id="{C18EC2BB-DB2E-4DF2-BB99-893DF2986BCF}" type="datetimeFigureOut">
               <a:rPr lang="zh-TW" altLang="en-US" smtClean="0"/>
-              <a:t>2020/8/26</a:t>
+              <a:t>2020/8/29</a:t>
             </a:fld>
             <a:endParaRPr lang="zh-TW" altLang="en-US"/>
           </a:p>
@@ -1099,10 +1100,9 @@
           <a:lstStyle/>
           <a:p>
             <a:r>
-              <a:rPr lang="zh-TW" altLang="en-US" smtClean="0"/>
+              <a:rPr lang="zh-TW" altLang="en-US"/>
               <a:t>按一下以編輯母片標題樣式</a:t>
             </a:r>
-            <a:endParaRPr lang="zh-TW" altLang="en-US"/>
           </a:p>
         </p:txBody>
       </p:sp>
@@ -1128,38 +1128,37 @@
           <a:p>
             <a:pPr lvl="0"/>
             <a:r>
-              <a:rPr lang="zh-TW" altLang="en-US" smtClean="0"/>
+              <a:rPr lang="zh-TW" altLang="en-US"/>
               <a:t>按一下以編輯母片文字樣式</a:t>
             </a:r>
           </a:p>
           <a:p>
             <a:pPr lvl="1"/>
             <a:r>
-              <a:rPr lang="zh-TW" altLang="en-US" smtClean="0"/>
+              <a:rPr lang="zh-TW" altLang="en-US"/>
               <a:t>第二層</a:t>
             </a:r>
           </a:p>
           <a:p>
             <a:pPr lvl="2"/>
             <a:r>
-              <a:rPr lang="zh-TW" altLang="en-US" smtClean="0"/>
+              <a:rPr lang="zh-TW" altLang="en-US"/>
               <a:t>第三層</a:t>
             </a:r>
           </a:p>
           <a:p>
             <a:pPr lvl="3"/>
             <a:r>
-              <a:rPr lang="zh-TW" altLang="en-US" smtClean="0"/>
+              <a:rPr lang="zh-TW" altLang="en-US"/>
               <a:t>第四層</a:t>
             </a:r>
           </a:p>
           <a:p>
             <a:pPr lvl="4"/>
             <a:r>
-              <a:rPr lang="zh-TW" altLang="en-US" smtClean="0"/>
+              <a:rPr lang="zh-TW" altLang="en-US"/>
               <a:t>第五層</a:t>
             </a:r>
-            <a:endParaRPr lang="zh-TW" altLang="en-US"/>
           </a:p>
         </p:txBody>
       </p:sp>
@@ -1185,38 +1184,37 @@
           <a:p>
             <a:pPr lvl="0"/>
             <a:r>
-              <a:rPr lang="zh-TW" altLang="en-US" smtClean="0"/>
+              <a:rPr lang="zh-TW" altLang="en-US"/>
               <a:t>按一下以編輯母片文字樣式</a:t>
             </a:r>
           </a:p>
           <a:p>
             <a:pPr lvl="1"/>
             <a:r>
-              <a:rPr lang="zh-TW" altLang="en-US" smtClean="0"/>
+              <a:rPr lang="zh-TW" altLang="en-US"/>
               <a:t>第二層</a:t>
             </a:r>
           </a:p>
           <a:p>
             <a:pPr lvl="2"/>
             <a:r>
-              <a:rPr lang="zh-TW" altLang="en-US" smtClean="0"/>
+              <a:rPr lang="zh-TW" altLang="en-US"/>
               <a:t>第三層</a:t>
             </a:r>
           </a:p>
           <a:p>
             <a:pPr lvl="3"/>
             <a:r>
-              <a:rPr lang="zh-TW" altLang="en-US" smtClean="0"/>
+              <a:rPr lang="zh-TW" altLang="en-US"/>
               <a:t>第四層</a:t>
             </a:r>
           </a:p>
           <a:p>
             <a:pPr lvl="4"/>
             <a:r>
-              <a:rPr lang="zh-TW" altLang="en-US" smtClean="0"/>
+              <a:rPr lang="zh-TW" altLang="en-US"/>
               <a:t>第五層</a:t>
             </a:r>
-            <a:endParaRPr lang="zh-TW" altLang="en-US"/>
           </a:p>
         </p:txBody>
       </p:sp>
@@ -1237,7 +1235,7 @@
           <a:p>
             <a:fld id="{C18EC2BB-DB2E-4DF2-BB99-893DF2986BCF}" type="datetimeFigureOut">
               <a:rPr lang="zh-TW" altLang="en-US" smtClean="0"/>
-              <a:t>2020/8/26</a:t>
+              <a:t>2020/8/29</a:t>
             </a:fld>
             <a:endParaRPr lang="zh-TW" altLang="en-US"/>
           </a:p>
@@ -1336,10 +1334,9 @@
           <a:lstStyle/>
           <a:p>
             <a:r>
-              <a:rPr lang="zh-TW" altLang="en-US" smtClean="0"/>
+              <a:rPr lang="zh-TW" altLang="en-US"/>
               <a:t>按一下以編輯母片標題樣式</a:t>
             </a:r>
-            <a:endParaRPr lang="zh-TW" altLang="en-US"/>
           </a:p>
         </p:txBody>
       </p:sp>
@@ -1402,7 +1399,7 @@
           <a:p>
             <a:pPr lvl="0"/>
             <a:r>
-              <a:rPr lang="zh-TW" altLang="en-US" smtClean="0"/>
+              <a:rPr lang="zh-TW" altLang="en-US"/>
               <a:t>按一下以編輯母片文字樣式</a:t>
             </a:r>
           </a:p>
@@ -1430,38 +1427,37 @@
           <a:p>
             <a:pPr lvl="0"/>
             <a:r>
-              <a:rPr lang="zh-TW" altLang="en-US" smtClean="0"/>
+              <a:rPr lang="zh-TW" altLang="en-US"/>
               <a:t>按一下以編輯母片文字樣式</a:t>
             </a:r>
           </a:p>
           <a:p>
             <a:pPr lvl="1"/>
             <a:r>
-              <a:rPr lang="zh-TW" altLang="en-US" smtClean="0"/>
+              <a:rPr lang="zh-TW" altLang="en-US"/>
               <a:t>第二層</a:t>
             </a:r>
           </a:p>
           <a:p>
             <a:pPr lvl="2"/>
             <a:r>
-              <a:rPr lang="zh-TW" altLang="en-US" smtClean="0"/>
+              <a:rPr lang="zh-TW" altLang="en-US"/>
               <a:t>第三層</a:t>
             </a:r>
           </a:p>
           <a:p>
             <a:pPr lvl="3"/>
             <a:r>
-              <a:rPr lang="zh-TW" altLang="en-US" smtClean="0"/>
+              <a:rPr lang="zh-TW" altLang="en-US"/>
               <a:t>第四層</a:t>
             </a:r>
           </a:p>
           <a:p>
             <a:pPr lvl="4"/>
             <a:r>
-              <a:rPr lang="zh-TW" altLang="en-US" smtClean="0"/>
+              <a:rPr lang="zh-TW" altLang="en-US"/>
               <a:t>第五層</a:t>
             </a:r>
-            <a:endParaRPr lang="zh-TW" altLang="en-US"/>
           </a:p>
         </p:txBody>
       </p:sp>
@@ -1524,7 +1520,7 @@
           <a:p>
             <a:pPr lvl="0"/>
             <a:r>
-              <a:rPr lang="zh-TW" altLang="en-US" smtClean="0"/>
+              <a:rPr lang="zh-TW" altLang="en-US"/>
               <a:t>按一下以編輯母片文字樣式</a:t>
             </a:r>
           </a:p>
@@ -1552,38 +1548,37 @@
           <a:p>
             <a:pPr lvl="0"/>
             <a:r>
-              <a:rPr lang="zh-TW" altLang="en-US" smtClean="0"/>
+              <a:rPr lang="zh-TW" altLang="en-US"/>
               <a:t>按一下以編輯母片文字樣式</a:t>
             </a:r>
           </a:p>
           <a:p>
             <a:pPr lvl="1"/>
             <a:r>
-              <a:rPr lang="zh-TW" altLang="en-US" smtClean="0"/>
+              <a:rPr lang="zh-TW" altLang="en-US"/>
               <a:t>第二層</a:t>
             </a:r>
           </a:p>
           <a:p>
             <a:pPr lvl="2"/>
             <a:r>
-              <a:rPr lang="zh-TW" altLang="en-US" smtClean="0"/>
+              <a:rPr lang="zh-TW" altLang="en-US"/>
               <a:t>第三層</a:t>
             </a:r>
           </a:p>
           <a:p>
             <a:pPr lvl="3"/>
             <a:r>
-              <a:rPr lang="zh-TW" altLang="en-US" smtClean="0"/>
+              <a:rPr lang="zh-TW" altLang="en-US"/>
               <a:t>第四層</a:t>
             </a:r>
           </a:p>
           <a:p>
             <a:pPr lvl="4"/>
             <a:r>
-              <a:rPr lang="zh-TW" altLang="en-US" smtClean="0"/>
+              <a:rPr lang="zh-TW" altLang="en-US"/>
               <a:t>第五層</a:t>
             </a:r>
-            <a:endParaRPr lang="zh-TW" altLang="en-US"/>
           </a:p>
         </p:txBody>
       </p:sp>
@@ -1604,7 +1599,7 @@
           <a:p>
             <a:fld id="{C18EC2BB-DB2E-4DF2-BB99-893DF2986BCF}" type="datetimeFigureOut">
               <a:rPr lang="zh-TW" altLang="en-US" smtClean="0"/>
-              <a:t>2020/8/26</a:t>
+              <a:t>2020/8/29</a:t>
             </a:fld>
             <a:endParaRPr lang="zh-TW" altLang="en-US"/>
           </a:p>
@@ -1698,10 +1693,9 @@
           <a:lstStyle/>
           <a:p>
             <a:r>
-              <a:rPr lang="zh-TW" altLang="en-US" smtClean="0"/>
+              <a:rPr lang="zh-TW" altLang="en-US"/>
               <a:t>按一下以編輯母片標題樣式</a:t>
             </a:r>
-            <a:endParaRPr lang="zh-TW" altLang="en-US"/>
           </a:p>
         </p:txBody>
       </p:sp>
@@ -1722,7 +1716,7 @@
           <a:p>
             <a:fld id="{C18EC2BB-DB2E-4DF2-BB99-893DF2986BCF}" type="datetimeFigureOut">
               <a:rPr lang="zh-TW" altLang="en-US" smtClean="0"/>
-              <a:t>2020/8/26</a:t>
+              <a:t>2020/8/29</a:t>
             </a:fld>
             <a:endParaRPr lang="zh-TW" altLang="en-US"/>
           </a:p>
@@ -1817,7 +1811,7 @@
           <a:p>
             <a:fld id="{C18EC2BB-DB2E-4DF2-BB99-893DF2986BCF}" type="datetimeFigureOut">
               <a:rPr lang="zh-TW" altLang="en-US" smtClean="0"/>
-              <a:t>2020/8/26</a:t>
+              <a:t>2020/8/29</a:t>
             </a:fld>
             <a:endParaRPr lang="zh-TW" altLang="en-US"/>
           </a:p>
@@ -1920,10 +1914,9 @@
           </a:lstStyle>
           <a:p>
             <a:r>
-              <a:rPr lang="zh-TW" altLang="en-US" smtClean="0"/>
+              <a:rPr lang="zh-TW" altLang="en-US"/>
               <a:t>按一下以編輯母片標題樣式</a:t>
             </a:r>
-            <a:endParaRPr lang="zh-TW" altLang="en-US"/>
           </a:p>
         </p:txBody>
       </p:sp>
@@ -1977,38 +1970,37 @@
           <a:p>
             <a:pPr lvl="0"/>
             <a:r>
-              <a:rPr lang="zh-TW" altLang="en-US" smtClean="0"/>
+              <a:rPr lang="zh-TW" altLang="en-US"/>
               <a:t>按一下以編輯母片文字樣式</a:t>
             </a:r>
           </a:p>
           <a:p>
             <a:pPr lvl="1"/>
             <a:r>
-              <a:rPr lang="zh-TW" altLang="en-US" smtClean="0"/>
+              <a:rPr lang="zh-TW" altLang="en-US"/>
               <a:t>第二層</a:t>
             </a:r>
           </a:p>
           <a:p>
             <a:pPr lvl="2"/>
             <a:r>
-              <a:rPr lang="zh-TW" altLang="en-US" smtClean="0"/>
+              <a:rPr lang="zh-TW" altLang="en-US"/>
               <a:t>第三層</a:t>
             </a:r>
           </a:p>
           <a:p>
             <a:pPr lvl="3"/>
             <a:r>
-              <a:rPr lang="zh-TW" altLang="en-US" smtClean="0"/>
+              <a:rPr lang="zh-TW" altLang="en-US"/>
               <a:t>第四層</a:t>
             </a:r>
           </a:p>
           <a:p>
             <a:pPr lvl="4"/>
             <a:r>
-              <a:rPr lang="zh-TW" altLang="en-US" smtClean="0"/>
+              <a:rPr lang="zh-TW" altLang="en-US"/>
               <a:t>第五層</a:t>
             </a:r>
-            <a:endParaRPr lang="zh-TW" altLang="en-US"/>
           </a:p>
         </p:txBody>
       </p:sp>
@@ -2071,7 +2063,7 @@
           <a:p>
             <a:pPr lvl="0"/>
             <a:r>
-              <a:rPr lang="zh-TW" altLang="en-US" smtClean="0"/>
+              <a:rPr lang="zh-TW" altLang="en-US"/>
               <a:t>按一下以編輯母片文字樣式</a:t>
             </a:r>
           </a:p>
@@ -2094,7 +2086,7 @@
           <a:p>
             <a:fld id="{C18EC2BB-DB2E-4DF2-BB99-893DF2986BCF}" type="datetimeFigureOut">
               <a:rPr lang="zh-TW" altLang="en-US" smtClean="0"/>
-              <a:t>2020/8/26</a:t>
+              <a:t>2020/8/29</a:t>
             </a:fld>
             <a:endParaRPr lang="zh-TW" altLang="en-US"/>
           </a:p>
@@ -2197,10 +2189,9 @@
           </a:lstStyle>
           <a:p>
             <a:r>
-              <a:rPr lang="zh-TW" altLang="en-US" smtClean="0"/>
+              <a:rPr lang="zh-TW" altLang="en-US"/>
               <a:t>按一下以編輯母片標題樣式</a:t>
             </a:r>
-            <a:endParaRPr lang="zh-TW" altLang="en-US"/>
           </a:p>
         </p:txBody>
       </p:sp>
@@ -2324,7 +2315,7 @@
           <a:p>
             <a:pPr lvl="0"/>
             <a:r>
-              <a:rPr lang="zh-TW" altLang="en-US" smtClean="0"/>
+              <a:rPr lang="zh-TW" altLang="en-US"/>
               <a:t>按一下以編輯母片文字樣式</a:t>
             </a:r>
           </a:p>
@@ -2347,7 +2338,7 @@
           <a:p>
             <a:fld id="{C18EC2BB-DB2E-4DF2-BB99-893DF2986BCF}" type="datetimeFigureOut">
               <a:rPr lang="zh-TW" altLang="en-US" smtClean="0"/>
-              <a:t>2020/8/26</a:t>
+              <a:t>2020/8/29</a:t>
             </a:fld>
             <a:endParaRPr lang="zh-TW" altLang="en-US"/>
           </a:p>
@@ -2456,10 +2447,9 @@
           <a:lstStyle/>
           <a:p>
             <a:r>
-              <a:rPr lang="zh-TW" altLang="en-US" smtClean="0"/>
+              <a:rPr lang="zh-TW" altLang="en-US"/>
               <a:t>按一下以編輯母片標題樣式</a:t>
             </a:r>
-            <a:endParaRPr lang="zh-TW" altLang="en-US"/>
           </a:p>
         </p:txBody>
       </p:sp>
@@ -2490,38 +2480,37 @@
           <a:p>
             <a:pPr lvl="0"/>
             <a:r>
-              <a:rPr lang="zh-TW" altLang="en-US" smtClean="0"/>
+              <a:rPr lang="zh-TW" altLang="en-US"/>
               <a:t>按一下以編輯母片文字樣式</a:t>
             </a:r>
           </a:p>
           <a:p>
             <a:pPr lvl="1"/>
             <a:r>
-              <a:rPr lang="zh-TW" altLang="en-US" smtClean="0"/>
+              <a:rPr lang="zh-TW" altLang="en-US"/>
               <a:t>第二層</a:t>
             </a:r>
           </a:p>
           <a:p>
             <a:pPr lvl="2"/>
             <a:r>
-              <a:rPr lang="zh-TW" altLang="en-US" smtClean="0"/>
+              <a:rPr lang="zh-TW" altLang="en-US"/>
               <a:t>第三層</a:t>
             </a:r>
           </a:p>
           <a:p>
             <a:pPr lvl="3"/>
             <a:r>
-              <a:rPr lang="zh-TW" altLang="en-US" smtClean="0"/>
+              <a:rPr lang="zh-TW" altLang="en-US"/>
               <a:t>第四層</a:t>
             </a:r>
           </a:p>
           <a:p>
             <a:pPr lvl="4"/>
             <a:r>
-              <a:rPr lang="zh-TW" altLang="en-US" smtClean="0"/>
+              <a:rPr lang="zh-TW" altLang="en-US"/>
               <a:t>第五層</a:t>
             </a:r>
-            <a:endParaRPr lang="zh-TW" altLang="en-US"/>
           </a:p>
         </p:txBody>
       </p:sp>
@@ -2560,7 +2549,7 @@
           <a:p>
             <a:fld id="{C18EC2BB-DB2E-4DF2-BB99-893DF2986BCF}" type="datetimeFigureOut">
               <a:rPr lang="zh-TW" altLang="en-US" smtClean="0"/>
-              <a:t>2020/8/26</a:t>
+              <a:t>2020/8/29</a:t>
             </a:fld>
             <a:endParaRPr lang="zh-TW" altLang="en-US"/>
           </a:p>
@@ -3152,7 +3141,7 @@
           <a:p>
             <a:pPr algn="ctr"/>
             <a:r>
-              <a:rPr lang="en-US" altLang="zh-TW" dirty="0" smtClean="0"/>
+              <a:rPr lang="en-US" altLang="zh-TW" dirty="0"/>
               <a:t>Start</a:t>
             </a:r>
           </a:p>
@@ -3195,7 +3184,7 @@
           <a:p>
             <a:pPr algn="ctr"/>
             <a:r>
-              <a:rPr lang="en-US" altLang="zh-TW" dirty="0" smtClean="0"/>
+              <a:rPr lang="en-US" altLang="zh-TW" dirty="0"/>
               <a:t>Go straight</a:t>
             </a:r>
             <a:endParaRPr lang="zh-TW" altLang="en-US" dirty="0"/>
@@ -3239,7 +3228,7 @@
           <a:p>
             <a:pPr algn="ctr"/>
             <a:r>
-              <a:rPr lang="en-US" altLang="zh-TW" dirty="0" smtClean="0"/>
+              <a:rPr lang="en-US" altLang="zh-TW" dirty="0"/>
               <a:t>Crush check</a:t>
             </a:r>
             <a:endParaRPr lang="zh-TW" altLang="en-US" dirty="0"/>
@@ -3283,7 +3272,7 @@
           <a:p>
             <a:pPr algn="ctr"/>
             <a:r>
-              <a:rPr lang="en-US" altLang="zh-TW" dirty="0" smtClean="0"/>
+              <a:rPr lang="en-US" altLang="zh-TW" dirty="0"/>
               <a:t>Go straight to turn right point</a:t>
             </a:r>
             <a:endParaRPr lang="zh-TW" altLang="en-US" dirty="0"/>
@@ -3327,7 +3316,7 @@
           <a:p>
             <a:pPr algn="ctr"/>
             <a:r>
-              <a:rPr lang="en-US" altLang="zh-TW" dirty="0" smtClean="0"/>
+              <a:rPr lang="en-US" altLang="zh-TW" dirty="0"/>
               <a:t>Turn right check</a:t>
             </a:r>
             <a:endParaRPr lang="zh-TW" altLang="en-US" dirty="0"/>
@@ -3371,7 +3360,7 @@
           <a:p>
             <a:pPr algn="ctr"/>
             <a:r>
-              <a:rPr lang="en-US" altLang="zh-TW" dirty="0" smtClean="0"/>
+              <a:rPr lang="en-US" altLang="zh-TW" dirty="0"/>
               <a:t>Turn check</a:t>
             </a:r>
             <a:endParaRPr lang="zh-TW" altLang="en-US" dirty="0"/>
@@ -3415,7 +3404,7 @@
           <a:p>
             <a:pPr algn="ctr"/>
             <a:r>
-              <a:rPr lang="en-US" altLang="zh-TW" dirty="0" smtClean="0"/>
+              <a:rPr lang="en-US" altLang="zh-TW" dirty="0"/>
               <a:t>Go straight for a distance(for loop)</a:t>
             </a:r>
             <a:endParaRPr lang="zh-TW" altLang="en-US" dirty="0"/>
@@ -3459,7 +3448,7 @@
           <a:p>
             <a:pPr algn="ctr"/>
             <a:r>
-              <a:rPr lang="en-US" altLang="zh-TW" dirty="0" smtClean="0"/>
+              <a:rPr lang="en-US" altLang="zh-TW" dirty="0"/>
               <a:t>Turn left a large angle</a:t>
             </a:r>
             <a:endParaRPr lang="zh-TW" altLang="en-US" dirty="0"/>
@@ -3503,7 +3492,7 @@
           <a:p>
             <a:pPr algn="ctr"/>
             <a:r>
-              <a:rPr lang="en-US" altLang="zh-TW" dirty="0" smtClean="0"/>
+              <a:rPr lang="en-US" altLang="zh-TW" dirty="0"/>
               <a:t>Turn right a small angle</a:t>
             </a:r>
             <a:endParaRPr lang="zh-TW" altLang="en-US" dirty="0"/>
@@ -3547,7 +3536,7 @@
           <a:p>
             <a:pPr algn="ctr"/>
             <a:r>
-              <a:rPr lang="en-US" altLang="zh-TW" dirty="0" smtClean="0"/>
+              <a:rPr lang="en-US" altLang="zh-TW" dirty="0"/>
               <a:t>Turn right check</a:t>
             </a:r>
             <a:endParaRPr lang="zh-TW" altLang="en-US" dirty="0"/>
@@ -3735,7 +3724,7 @@
           <a:p>
             <a:pPr algn="ctr"/>
             <a:r>
-              <a:rPr lang="en-US" altLang="zh-TW" dirty="0" smtClean="0"/>
+              <a:rPr lang="en-US" altLang="zh-TW" dirty="0"/>
               <a:t>Crush check</a:t>
             </a:r>
             <a:endParaRPr lang="zh-TW" altLang="en-US" dirty="0"/>
@@ -3959,7 +3948,7 @@
           <a:p>
             <a:pPr algn="ctr"/>
             <a:r>
-              <a:rPr lang="en-US" altLang="zh-TW" dirty="0" smtClean="0"/>
+              <a:rPr lang="en-US" altLang="zh-TW" dirty="0"/>
               <a:t>Turn right a small angle</a:t>
             </a:r>
             <a:endParaRPr lang="zh-TW" altLang="en-US" dirty="0"/>
@@ -4324,7 +4313,7 @@
           <a:lstStyle/>
           <a:p>
             <a:r>
-              <a:rPr lang="en-US" altLang="zh-TW" dirty="0" smtClean="0"/>
+              <a:rPr lang="en-US" altLang="zh-TW" dirty="0"/>
               <a:t>True</a:t>
             </a:r>
             <a:endParaRPr lang="zh-TW" altLang="en-US" dirty="0"/>
@@ -4354,7 +4343,7 @@
           <a:lstStyle/>
           <a:p>
             <a:r>
-              <a:rPr lang="en-US" altLang="zh-TW" dirty="0" smtClean="0"/>
+              <a:rPr lang="en-US" altLang="zh-TW" dirty="0"/>
               <a:t>True</a:t>
             </a:r>
             <a:endParaRPr lang="zh-TW" altLang="en-US" dirty="0"/>
@@ -4384,7 +4373,7 @@
           <a:lstStyle/>
           <a:p>
             <a:r>
-              <a:rPr lang="en-US" altLang="zh-TW" dirty="0" smtClean="0"/>
+              <a:rPr lang="en-US" altLang="zh-TW" dirty="0"/>
               <a:t>True</a:t>
             </a:r>
             <a:endParaRPr lang="zh-TW" altLang="en-US" dirty="0"/>
@@ -4414,7 +4403,7 @@
           <a:lstStyle/>
           <a:p>
             <a:r>
-              <a:rPr lang="en-US" altLang="zh-TW" dirty="0" smtClean="0"/>
+              <a:rPr lang="en-US" altLang="zh-TW" dirty="0"/>
               <a:t>True</a:t>
             </a:r>
             <a:endParaRPr lang="zh-TW" altLang="en-US" dirty="0"/>
@@ -4444,7 +4433,7 @@
           <a:lstStyle/>
           <a:p>
             <a:r>
-              <a:rPr lang="en-US" altLang="zh-TW" dirty="0" smtClean="0"/>
+              <a:rPr lang="en-US" altLang="zh-TW" dirty="0"/>
               <a:t>True</a:t>
             </a:r>
             <a:endParaRPr lang="zh-TW" altLang="en-US" dirty="0"/>
@@ -4474,7 +4463,7 @@
           <a:lstStyle/>
           <a:p>
             <a:r>
-              <a:rPr lang="en-US" altLang="zh-TW" dirty="0" smtClean="0"/>
+              <a:rPr lang="en-US" altLang="zh-TW" dirty="0"/>
               <a:t>False</a:t>
             </a:r>
             <a:endParaRPr lang="zh-TW" altLang="en-US" dirty="0"/>
@@ -4504,7 +4493,7 @@
           <a:lstStyle/>
           <a:p>
             <a:r>
-              <a:rPr lang="en-US" altLang="zh-TW" dirty="0" smtClean="0"/>
+              <a:rPr lang="en-US" altLang="zh-TW" dirty="0"/>
               <a:t>False</a:t>
             </a:r>
             <a:endParaRPr lang="zh-TW" altLang="en-US" dirty="0"/>
@@ -4534,7 +4523,7 @@
           <a:lstStyle/>
           <a:p>
             <a:r>
-              <a:rPr lang="en-US" altLang="zh-TW" dirty="0" smtClean="0"/>
+              <a:rPr lang="en-US" altLang="zh-TW" dirty="0"/>
               <a:t>False</a:t>
             </a:r>
             <a:endParaRPr lang="zh-TW" altLang="en-US" dirty="0"/>
@@ -4564,7 +4553,7 @@
           <a:lstStyle/>
           <a:p>
             <a:r>
-              <a:rPr lang="en-US" altLang="zh-TW" dirty="0" smtClean="0"/>
+              <a:rPr lang="en-US" altLang="zh-TW" dirty="0"/>
               <a:t>False</a:t>
             </a:r>
             <a:endParaRPr lang="zh-TW" altLang="en-US" dirty="0"/>
@@ -4594,7 +4583,7 @@
           <a:lstStyle/>
           <a:p>
             <a:r>
-              <a:rPr lang="en-US" altLang="zh-TW" dirty="0" smtClean="0"/>
+              <a:rPr lang="en-US" altLang="zh-TW" dirty="0"/>
               <a:t>False</a:t>
             </a:r>
             <a:endParaRPr lang="zh-TW" altLang="en-US" dirty="0"/>
@@ -4625,11 +4614,7 @@
           <a:p>
             <a:r>
               <a:rPr lang="en-US" altLang="zh-TW" dirty="0"/>
-              <a:t>f</a:t>
-            </a:r>
-            <a:r>
-              <a:rPr lang="en-US" altLang="zh-TW" dirty="0" smtClean="0"/>
-              <a:t>or loop end</a:t>
+              <a:t>for loop end</a:t>
             </a:r>
             <a:endParaRPr lang="zh-TW" altLang="en-US" dirty="0"/>
           </a:p>
@@ -4639,6 +4624,5037 @@
     <p:extLst>
       <p:ext uri="{BB962C8B-B14F-4D97-AF65-F5344CB8AC3E}">
         <p14:creationId xmlns:p14="http://schemas.microsoft.com/office/powerpoint/2010/main" val="2829901875"/>
+      </p:ext>
+    </p:extLst>
+  </p:cSld>
+  <p:clrMapOvr>
+    <a:masterClrMapping/>
+  </p:clrMapOvr>
+</p:sld>
+</file>
+
+<file path=ppt/slides/slide3.xml><?xml version="1.0" encoding="utf-8"?>
+<p:sld xmlns:a="http://schemas.openxmlformats.org/drawingml/2006/main" xmlns:r="http://schemas.openxmlformats.org/officeDocument/2006/relationships" xmlns:p="http://schemas.openxmlformats.org/presentationml/2006/main">
+  <p:cSld>
+    <p:spTree>
+      <p:nvGrpSpPr>
+        <p:cNvPr id="1" name=""/>
+        <p:cNvGrpSpPr/>
+        <p:nvPr/>
+      </p:nvGrpSpPr>
+      <p:grpSpPr>
+        <a:xfrm>
+          <a:off x="0" y="0"/>
+          <a:ext cx="0" cy="0"/>
+          <a:chOff x="0" y="0"/>
+          <a:chExt cx="0" cy="0"/>
+        </a:xfrm>
+      </p:grpSpPr>
+      <p:grpSp>
+        <p:nvGrpSpPr>
+          <p:cNvPr id="2" name="群組 1">
+            <a:extLst>
+              <a:ext uri="{FF2B5EF4-FFF2-40B4-BE49-F238E27FC236}">
+                <a16:creationId xmlns:a16="http://schemas.microsoft.com/office/drawing/2014/main" id="{62A37D1B-28E3-44D8-9142-ECCAF4AD2A72}"/>
+              </a:ext>
+            </a:extLst>
+          </p:cNvPr>
+          <p:cNvGrpSpPr/>
+          <p:nvPr/>
+        </p:nvGrpSpPr>
+        <p:grpSpPr>
+          <a:xfrm>
+            <a:off x="-2427477" y="573118"/>
+            <a:ext cx="6700453" cy="5564454"/>
+            <a:chOff x="480887" y="1727133"/>
+            <a:chExt cx="6700453" cy="5564454"/>
+          </a:xfrm>
+        </p:grpSpPr>
+        <p:pic>
+          <p:nvPicPr>
+            <p:cNvPr id="5" name="圖片 4">
+              <a:extLst>
+                <a:ext uri="{FF2B5EF4-FFF2-40B4-BE49-F238E27FC236}">
+                  <a16:creationId xmlns:a16="http://schemas.microsoft.com/office/drawing/2014/main" id="{4C88B9BE-29F3-4349-9335-D86B79641279}"/>
+                </a:ext>
+              </a:extLst>
+            </p:cNvPr>
+            <p:cNvPicPr>
+              <a:picLocks noChangeAspect="1"/>
+            </p:cNvPicPr>
+            <p:nvPr/>
+          </p:nvPicPr>
+          <p:blipFill>
+            <a:blip r:embed="rId2" cstate="print">
+              <a:extLst>
+                <a:ext uri="{BEBA8EAE-BF5A-486C-A8C5-ECC9F3942E4B}">
+                  <a14:imgProps xmlns:a14="http://schemas.microsoft.com/office/drawing/2010/main">
+                    <a14:imgLayer r:embed="rId3">
+                      <a14:imgEffect>
+                        <a14:backgroundRemoval t="4331" b="96588" l="3791" r="97778">
+                          <a14:foregroundMark x1="9020" y1="23622" x2="6667" y2="36745"/>
+                          <a14:foregroundMark x1="5752" y1="33465" x2="6667" y2="55774"/>
+                          <a14:foregroundMark x1="6667" y1="55774" x2="6013" y2="56693"/>
+                          <a14:foregroundMark x1="3137" y1="35039" x2="392" y2="42913"/>
+                          <a14:foregroundMark x1="392" y1="42913" x2="654" y2="52100"/>
+                          <a14:foregroundMark x1="654" y1="52100" x2="3791" y2="58399"/>
+                          <a14:foregroundMark x1="3791" y1="58399" x2="3791" y2="58530"/>
+                          <a14:foregroundMark x1="15425" y1="87664" x2="29542" y2="92520"/>
+                          <a14:foregroundMark x1="29542" y1="92520" x2="30327" y2="92388"/>
+                          <a14:foregroundMark x1="31373" y1="94751" x2="40654" y2="95013"/>
+                          <a14:foregroundMark x1="40654" y1="95013" x2="49020" y2="94357"/>
+                          <a14:foregroundMark x1="49020" y1="94357" x2="55556" y2="94488"/>
+                          <a14:foregroundMark x1="40000" y1="96850" x2="47582" y2="96063"/>
+                          <a14:foregroundMark x1="47582" y1="96063" x2="56078" y2="96719"/>
+                          <a14:foregroundMark x1="56078" y1="96719" x2="57516" y2="96457"/>
+                          <a14:foregroundMark x1="90196" y1="84908" x2="93595" y2="71522"/>
+                          <a14:foregroundMark x1="95425" y1="64829" x2="95948" y2="49081"/>
+                          <a14:foregroundMark x1="95948" y1="49081" x2="96209" y2="48819"/>
+                          <a14:foregroundMark x1="97778" y1="45801" x2="91634" y2="31496"/>
+                          <a14:foregroundMark x1="91634" y1="31496" x2="91765" y2="29265"/>
+                          <a14:foregroundMark x1="83791" y1="9974" x2="68889" y2="9974"/>
+                          <a14:foregroundMark x1="67451" y1="3412" x2="52288" y2="5381"/>
+                          <a14:foregroundMark x1="52288" y1="5381" x2="51765" y2="5906"/>
+                          <a14:foregroundMark x1="48235" y1="4331" x2="32157" y2="8005"/>
+                        </a14:backgroundRemoval>
+                      </a14:imgEffect>
+                    </a14:imgLayer>
+                  </a14:imgProps>
+                </a:ext>
+                <a:ext uri="{28A0092B-C50C-407E-A947-70E740481C1C}">
+                  <a14:useLocalDpi xmlns:a14="http://schemas.microsoft.com/office/drawing/2010/main" val="0"/>
+                </a:ext>
+              </a:extLst>
+            </a:blip>
+            <a:stretch>
+              <a:fillRect/>
+            </a:stretch>
+          </p:blipFill>
+          <p:spPr>
+            <a:xfrm>
+              <a:off x="3750890" y="4492555"/>
+              <a:ext cx="1798640" cy="1791587"/>
+            </a:xfrm>
+            <a:prstGeom prst="rect">
+              <a:avLst/>
+            </a:prstGeom>
+          </p:spPr>
+        </p:pic>
+        <p:grpSp>
+          <p:nvGrpSpPr>
+            <p:cNvPr id="8" name="群組 7">
+              <a:extLst>
+                <a:ext uri="{FF2B5EF4-FFF2-40B4-BE49-F238E27FC236}">
+                  <a16:creationId xmlns:a16="http://schemas.microsoft.com/office/drawing/2014/main" id="{67BE6677-EF2D-430E-AD5C-46F3D6E9A6D2}"/>
+                </a:ext>
+              </a:extLst>
+            </p:cNvPr>
+            <p:cNvGrpSpPr/>
+            <p:nvPr/>
+          </p:nvGrpSpPr>
+          <p:grpSpPr>
+            <a:xfrm>
+              <a:off x="480887" y="1782618"/>
+              <a:ext cx="2530763" cy="4368799"/>
+              <a:chOff x="480887" y="1782618"/>
+              <a:chExt cx="2530763" cy="4368799"/>
+            </a:xfrm>
+          </p:grpSpPr>
+          <p:sp>
+            <p:nvSpPr>
+              <p:cNvPr id="6" name="矩形 5">
+                <a:extLst>
+                  <a:ext uri="{FF2B5EF4-FFF2-40B4-BE49-F238E27FC236}">
+                    <a16:creationId xmlns:a16="http://schemas.microsoft.com/office/drawing/2014/main" id="{6701B0B1-31BC-45DF-83F1-ED632A36225B}"/>
+                  </a:ext>
+                </a:extLst>
+              </p:cNvPr>
+              <p:cNvSpPr/>
+              <p:nvPr/>
+            </p:nvSpPr>
+            <p:spPr>
+              <a:xfrm>
+                <a:off x="480887" y="1782618"/>
+                <a:ext cx="2530763" cy="45719"/>
+              </a:xfrm>
+              <a:prstGeom prst="rect">
+                <a:avLst/>
+              </a:prstGeom>
+              <a:solidFill>
+                <a:schemeClr val="tx1"/>
+              </a:solidFill>
+              <a:ln>
+                <a:noFill/>
+              </a:ln>
+            </p:spPr>
+            <p:style>
+              <a:lnRef idx="2">
+                <a:schemeClr val="accent1">
+                  <a:shade val="50000"/>
+                </a:schemeClr>
+              </a:lnRef>
+              <a:fillRef idx="1">
+                <a:schemeClr val="accent1"/>
+              </a:fillRef>
+              <a:effectRef idx="0">
+                <a:schemeClr val="accent1"/>
+              </a:effectRef>
+              <a:fontRef idx="minor">
+                <a:schemeClr val="lt1"/>
+              </a:fontRef>
+            </p:style>
+            <p:txBody>
+              <a:bodyPr rtlCol="0" anchor="ctr"/>
+              <a:lstStyle/>
+              <a:p>
+                <a:pPr algn="ctr"/>
+                <a:endParaRPr lang="zh-TW" altLang="en-US"/>
+              </a:p>
+            </p:txBody>
+          </p:sp>
+          <p:sp>
+            <p:nvSpPr>
+              <p:cNvPr id="7" name="矩形 6">
+                <a:extLst>
+                  <a:ext uri="{FF2B5EF4-FFF2-40B4-BE49-F238E27FC236}">
+                    <a16:creationId xmlns:a16="http://schemas.microsoft.com/office/drawing/2014/main" id="{6E692BBA-87DA-4E20-A040-7AF3E80EC76D}"/>
+                  </a:ext>
+                </a:extLst>
+              </p:cNvPr>
+              <p:cNvSpPr/>
+              <p:nvPr/>
+            </p:nvSpPr>
+            <p:spPr>
+              <a:xfrm rot="16200000">
+                <a:off x="798944" y="3939306"/>
+                <a:ext cx="4359564" cy="64657"/>
+              </a:xfrm>
+              <a:prstGeom prst="rect">
+                <a:avLst/>
+              </a:prstGeom>
+              <a:solidFill>
+                <a:schemeClr val="tx1"/>
+              </a:solidFill>
+              <a:ln>
+                <a:noFill/>
+              </a:ln>
+            </p:spPr>
+            <p:style>
+              <a:lnRef idx="2">
+                <a:schemeClr val="accent1">
+                  <a:shade val="50000"/>
+                </a:schemeClr>
+              </a:lnRef>
+              <a:fillRef idx="1">
+                <a:schemeClr val="accent1"/>
+              </a:fillRef>
+              <a:effectRef idx="0">
+                <a:schemeClr val="accent1"/>
+              </a:effectRef>
+              <a:fontRef idx="minor">
+                <a:schemeClr val="lt1"/>
+              </a:fontRef>
+            </p:style>
+            <p:txBody>
+              <a:bodyPr rtlCol="0" anchor="ctr"/>
+              <a:lstStyle/>
+              <a:p>
+                <a:endParaRPr lang="zh-TW" altLang="en-US" dirty="0"/>
+              </a:p>
+            </p:txBody>
+          </p:sp>
+        </p:grpSp>
+        <p:grpSp>
+          <p:nvGrpSpPr>
+            <p:cNvPr id="13" name="群組 12">
+              <a:extLst>
+                <a:ext uri="{FF2B5EF4-FFF2-40B4-BE49-F238E27FC236}">
+                  <a16:creationId xmlns:a16="http://schemas.microsoft.com/office/drawing/2014/main" id="{47D7C5A2-8018-492C-AF9F-FC9C86B89E05}"/>
+                </a:ext>
+              </a:extLst>
+            </p:cNvPr>
+            <p:cNvGrpSpPr/>
+            <p:nvPr/>
+          </p:nvGrpSpPr>
+          <p:grpSpPr>
+            <a:xfrm>
+              <a:off x="2141340" y="2251587"/>
+              <a:ext cx="5040000" cy="5040000"/>
+              <a:chOff x="1813190" y="1787649"/>
+              <a:chExt cx="5400000" cy="5400000"/>
+            </a:xfrm>
+          </p:grpSpPr>
+          <p:cxnSp>
+            <p:nvCxnSpPr>
+              <p:cNvPr id="10" name="直線接點 9">
+                <a:extLst>
+                  <a:ext uri="{FF2B5EF4-FFF2-40B4-BE49-F238E27FC236}">
+                    <a16:creationId xmlns:a16="http://schemas.microsoft.com/office/drawing/2014/main" id="{D8ADFAEB-8771-4D36-B191-31F6270295CC}"/>
+                  </a:ext>
+                </a:extLst>
+              </p:cNvPr>
+              <p:cNvCxnSpPr>
+                <a:cxnSpLocks/>
+              </p:cNvCxnSpPr>
+              <p:nvPr/>
+            </p:nvCxnSpPr>
+            <p:spPr>
+              <a:xfrm flipV="1">
+                <a:off x="4497873" y="3746073"/>
+                <a:ext cx="3392" cy="766885"/>
+              </a:xfrm>
+              <a:prstGeom prst="line">
+                <a:avLst/>
+              </a:prstGeom>
+              <a:ln>
+                <a:solidFill>
+                  <a:schemeClr val="tx1"/>
+                </a:solidFill>
+                <a:prstDash val="lgDash"/>
+              </a:ln>
+            </p:spPr>
+            <p:style>
+              <a:lnRef idx="1">
+                <a:schemeClr val="accent1"/>
+              </a:lnRef>
+              <a:fillRef idx="0">
+                <a:schemeClr val="accent1"/>
+              </a:fillRef>
+              <a:effectRef idx="0">
+                <a:schemeClr val="accent1"/>
+              </a:effectRef>
+              <a:fontRef idx="minor">
+                <a:schemeClr val="tx1"/>
+              </a:fontRef>
+            </p:style>
+          </p:cxnSp>
+          <p:sp>
+            <p:nvSpPr>
+              <p:cNvPr id="11" name="局部圓 10">
+                <a:extLst>
+                  <a:ext uri="{FF2B5EF4-FFF2-40B4-BE49-F238E27FC236}">
+                    <a16:creationId xmlns:a16="http://schemas.microsoft.com/office/drawing/2014/main" id="{3212D547-BB13-47A0-AC21-44C76E7A83AC}"/>
+                  </a:ext>
+                </a:extLst>
+              </p:cNvPr>
+              <p:cNvSpPr/>
+              <p:nvPr/>
+            </p:nvSpPr>
+            <p:spPr>
+              <a:xfrm rot="4166908">
+                <a:off x="1813190" y="1787649"/>
+                <a:ext cx="5400000" cy="5400000"/>
+              </a:xfrm>
+              <a:prstGeom prst="pie">
+                <a:avLst>
+                  <a:gd name="adj1" fmla="val 9530196"/>
+                  <a:gd name="adj2" fmla="val 14612134"/>
+                </a:avLst>
+              </a:prstGeom>
+              <a:noFill/>
+              <a:ln>
+                <a:solidFill>
+                  <a:schemeClr val="tx1"/>
+                </a:solidFill>
+              </a:ln>
+            </p:spPr>
+            <p:style>
+              <a:lnRef idx="2">
+                <a:schemeClr val="accent1">
+                  <a:shade val="50000"/>
+                </a:schemeClr>
+              </a:lnRef>
+              <a:fillRef idx="1">
+                <a:schemeClr val="accent1"/>
+              </a:fillRef>
+              <a:effectRef idx="0">
+                <a:schemeClr val="accent1"/>
+              </a:effectRef>
+              <a:fontRef idx="minor">
+                <a:schemeClr val="lt1"/>
+              </a:fontRef>
+            </p:style>
+            <p:txBody>
+              <a:bodyPr rtlCol="0" anchor="ctr"/>
+              <a:lstStyle/>
+              <a:p>
+                <a:pPr algn="ctr"/>
+                <a:endParaRPr lang="zh-TW" altLang="en-US">
+                  <a:solidFill>
+                    <a:schemeClr val="tx1"/>
+                  </a:solidFill>
+                </a:endParaRPr>
+              </a:p>
+            </p:txBody>
+          </p:sp>
+          <p:sp>
+            <p:nvSpPr>
+              <p:cNvPr id="12" name="局部圓 11">
+                <a:extLst>
+                  <a:ext uri="{FF2B5EF4-FFF2-40B4-BE49-F238E27FC236}">
+                    <a16:creationId xmlns:a16="http://schemas.microsoft.com/office/drawing/2014/main" id="{5CFFF8AF-1A2D-4A00-9760-34FE54741EBC}"/>
+                  </a:ext>
+                </a:extLst>
+              </p:cNvPr>
+              <p:cNvSpPr/>
+              <p:nvPr/>
+            </p:nvSpPr>
+            <p:spPr>
+              <a:xfrm rot="4166908">
+                <a:off x="4153189" y="4127649"/>
+                <a:ext cx="720000" cy="720000"/>
+              </a:xfrm>
+              <a:prstGeom prst="pie">
+                <a:avLst>
+                  <a:gd name="adj1" fmla="val 9530196"/>
+                  <a:gd name="adj2" fmla="val 14612134"/>
+                </a:avLst>
+              </a:prstGeom>
+              <a:noFill/>
+              <a:ln>
+                <a:solidFill>
+                  <a:schemeClr val="tx1"/>
+                </a:solidFill>
+              </a:ln>
+            </p:spPr>
+            <p:style>
+              <a:lnRef idx="2">
+                <a:schemeClr val="accent1">
+                  <a:shade val="50000"/>
+                </a:schemeClr>
+              </a:lnRef>
+              <a:fillRef idx="1">
+                <a:schemeClr val="accent1"/>
+              </a:fillRef>
+              <a:effectRef idx="0">
+                <a:schemeClr val="accent1"/>
+              </a:effectRef>
+              <a:fontRef idx="minor">
+                <a:schemeClr val="lt1"/>
+              </a:fontRef>
+            </p:style>
+            <p:txBody>
+              <a:bodyPr rtlCol="0" anchor="ctr"/>
+              <a:lstStyle/>
+              <a:p>
+                <a:pPr algn="ctr"/>
+                <a:endParaRPr lang="zh-TW" altLang="en-US">
+                  <a:solidFill>
+                    <a:schemeClr val="tx1"/>
+                  </a:solidFill>
+                </a:endParaRPr>
+              </a:p>
+            </p:txBody>
+          </p:sp>
+        </p:grpSp>
+        <p:sp>
+          <p:nvSpPr>
+            <p:cNvPr id="15" name="流程圖: 接點 14">
+              <a:extLst>
+                <a:ext uri="{FF2B5EF4-FFF2-40B4-BE49-F238E27FC236}">
+                  <a16:creationId xmlns:a16="http://schemas.microsoft.com/office/drawing/2014/main" id="{12A38E87-77B3-415F-9BE9-2282BE98C3E1}"/>
+                </a:ext>
+              </a:extLst>
+            </p:cNvPr>
+            <p:cNvSpPr/>
+            <p:nvPr/>
+          </p:nvSpPr>
+          <p:spPr>
+            <a:xfrm>
+              <a:off x="2906726" y="2837527"/>
+              <a:ext cx="144000" cy="144000"/>
+            </a:xfrm>
+            <a:prstGeom prst="flowChartConnector">
+              <a:avLst/>
+            </a:prstGeom>
+            <a:solidFill>
+              <a:srgbClr val="FF0000"/>
+            </a:solidFill>
+            <a:ln>
+              <a:solidFill>
+                <a:schemeClr val="tx1"/>
+              </a:solidFill>
+            </a:ln>
+          </p:spPr>
+          <p:style>
+            <a:lnRef idx="2">
+              <a:schemeClr val="accent1">
+                <a:shade val="50000"/>
+              </a:schemeClr>
+            </a:lnRef>
+            <a:fillRef idx="1">
+              <a:schemeClr val="accent1"/>
+            </a:fillRef>
+            <a:effectRef idx="0">
+              <a:schemeClr val="accent1"/>
+            </a:effectRef>
+            <a:fontRef idx="minor">
+              <a:schemeClr val="lt1"/>
+            </a:fontRef>
+          </p:style>
+          <p:txBody>
+            <a:bodyPr rtlCol="0" anchor="ctr"/>
+            <a:lstStyle/>
+            <a:p>
+              <a:pPr algn="ctr"/>
+              <a:endParaRPr lang="zh-TW" altLang="en-US"/>
+            </a:p>
+          </p:txBody>
+        </p:sp>
+        <p:cxnSp>
+          <p:nvCxnSpPr>
+            <p:cNvPr id="18" name="直線單箭頭接點 17">
+              <a:extLst>
+                <a:ext uri="{FF2B5EF4-FFF2-40B4-BE49-F238E27FC236}">
+                  <a16:creationId xmlns:a16="http://schemas.microsoft.com/office/drawing/2014/main" id="{490D5B71-D3B2-4F96-8B4E-1C29E20B9F22}"/>
+                </a:ext>
+              </a:extLst>
+            </p:cNvPr>
+            <p:cNvCxnSpPr>
+              <a:stCxn id="15" idx="3"/>
+            </p:cNvCxnSpPr>
+            <p:nvPr/>
+          </p:nvCxnSpPr>
+          <p:spPr>
+            <a:xfrm flipH="1">
+              <a:off x="2566220" y="2960439"/>
+              <a:ext cx="361594" cy="313703"/>
+            </a:xfrm>
+            <a:prstGeom prst="straightConnector1">
+              <a:avLst/>
+            </a:prstGeom>
+            <a:ln w="38100">
+              <a:solidFill>
+                <a:schemeClr val="tx1"/>
+              </a:solidFill>
+              <a:tailEnd type="triangle"/>
+            </a:ln>
+          </p:spPr>
+          <p:style>
+            <a:lnRef idx="1">
+              <a:schemeClr val="accent1"/>
+            </a:lnRef>
+            <a:fillRef idx="0">
+              <a:schemeClr val="accent1"/>
+            </a:fillRef>
+            <a:effectRef idx="0">
+              <a:schemeClr val="accent1"/>
+            </a:effectRef>
+            <a:fontRef idx="minor">
+              <a:schemeClr val="tx1"/>
+            </a:fontRef>
+          </p:style>
+        </p:cxnSp>
+        <p:sp>
+          <p:nvSpPr>
+            <p:cNvPr id="19" name="文字方塊 18">
+              <a:extLst>
+                <a:ext uri="{FF2B5EF4-FFF2-40B4-BE49-F238E27FC236}">
+                  <a16:creationId xmlns:a16="http://schemas.microsoft.com/office/drawing/2014/main" id="{E8CF6FED-5897-4743-8CFA-8285AF808841}"/>
+                </a:ext>
+              </a:extLst>
+            </p:cNvPr>
+            <p:cNvSpPr txBox="1"/>
+            <p:nvPr/>
+          </p:nvSpPr>
+          <p:spPr>
+            <a:xfrm>
+              <a:off x="1440627" y="3274142"/>
+              <a:ext cx="1306390" cy="369332"/>
+            </a:xfrm>
+            <a:prstGeom prst="rect">
+              <a:avLst/>
+            </a:prstGeom>
+            <a:noFill/>
+          </p:spPr>
+          <p:txBody>
+            <a:bodyPr wrap="square" rtlCol="0">
+              <a:spAutoFit/>
+            </a:bodyPr>
+            <a:lstStyle/>
+            <a:p>
+              <a:r>
+                <a:rPr lang="en-US" altLang="zh-TW" dirty="0"/>
+                <a:t>check point</a:t>
+              </a:r>
+              <a:endParaRPr lang="zh-TW" altLang="en-US" dirty="0"/>
+            </a:p>
+          </p:txBody>
+        </p:sp>
+        <p:cxnSp>
+          <p:nvCxnSpPr>
+            <p:cNvPr id="25" name="直線單箭頭接點 24">
+              <a:extLst>
+                <a:ext uri="{FF2B5EF4-FFF2-40B4-BE49-F238E27FC236}">
+                  <a16:creationId xmlns:a16="http://schemas.microsoft.com/office/drawing/2014/main" id="{DE1F9816-95B5-4C44-9BCF-494EDE07A265}"/>
+                </a:ext>
+              </a:extLst>
+            </p:cNvPr>
+            <p:cNvCxnSpPr>
+              <a:cxnSpLocks/>
+            </p:cNvCxnSpPr>
+            <p:nvPr/>
+          </p:nvCxnSpPr>
+          <p:spPr>
+            <a:xfrm>
+              <a:off x="2946397" y="6390968"/>
+              <a:ext cx="829190" cy="0"/>
+            </a:xfrm>
+            <a:prstGeom prst="straightConnector1">
+              <a:avLst/>
+            </a:prstGeom>
+            <a:ln w="28575">
+              <a:solidFill>
+                <a:schemeClr val="tx1"/>
+              </a:solidFill>
+              <a:headEnd type="triangle"/>
+              <a:tailEnd type="triangle"/>
+            </a:ln>
+          </p:spPr>
+          <p:style>
+            <a:lnRef idx="1">
+              <a:schemeClr val="accent1"/>
+            </a:lnRef>
+            <a:fillRef idx="0">
+              <a:schemeClr val="accent1"/>
+            </a:fillRef>
+            <a:effectRef idx="0">
+              <a:schemeClr val="accent1"/>
+            </a:effectRef>
+            <a:fontRef idx="minor">
+              <a:schemeClr val="tx1"/>
+            </a:fontRef>
+          </p:style>
+        </p:cxnSp>
+        <p:sp>
+          <p:nvSpPr>
+            <p:cNvPr id="30" name="文字方塊 29">
+              <a:extLst>
+                <a:ext uri="{FF2B5EF4-FFF2-40B4-BE49-F238E27FC236}">
+                  <a16:creationId xmlns:a16="http://schemas.microsoft.com/office/drawing/2014/main" id="{D21A4879-1232-4302-B541-13CFDE9D1A5E}"/>
+                </a:ext>
+              </a:extLst>
+            </p:cNvPr>
+            <p:cNvSpPr txBox="1"/>
+            <p:nvPr/>
+          </p:nvSpPr>
+          <p:spPr>
+            <a:xfrm>
+              <a:off x="2658703" y="6397988"/>
+              <a:ext cx="1404577" cy="369332"/>
+            </a:xfrm>
+            <a:prstGeom prst="rect">
+              <a:avLst/>
+            </a:prstGeom>
+            <a:noFill/>
+          </p:spPr>
+          <p:txBody>
+            <a:bodyPr wrap="square" rtlCol="0">
+              <a:spAutoFit/>
+            </a:bodyPr>
+            <a:lstStyle/>
+            <a:p>
+              <a:r>
+                <a:rPr lang="en-US" altLang="zh-TW" dirty="0"/>
+                <a:t>safe distance</a:t>
+              </a:r>
+              <a:endParaRPr lang="zh-TW" altLang="en-US" dirty="0"/>
+            </a:p>
+          </p:txBody>
+        </p:sp>
+        <p:cxnSp>
+          <p:nvCxnSpPr>
+            <p:cNvPr id="37" name="接點: 弧形 36">
+              <a:extLst>
+                <a:ext uri="{FF2B5EF4-FFF2-40B4-BE49-F238E27FC236}">
+                  <a16:creationId xmlns:a16="http://schemas.microsoft.com/office/drawing/2014/main" id="{DAF3BCE9-60CD-49F6-804E-200EECD3E0D8}"/>
+                </a:ext>
+              </a:extLst>
+            </p:cNvPr>
+            <p:cNvCxnSpPr/>
+            <p:nvPr/>
+          </p:nvCxnSpPr>
+          <p:spPr>
+            <a:xfrm rot="5400000" flipH="1" flipV="1">
+              <a:off x="4609559" y="3924034"/>
+              <a:ext cx="628010" cy="355495"/>
+            </a:xfrm>
+            <a:prstGeom prst="curvedConnector3">
+              <a:avLst/>
+            </a:prstGeom>
+            <a:ln w="28575">
+              <a:solidFill>
+                <a:schemeClr val="tx1"/>
+              </a:solidFill>
+              <a:tailEnd type="triangle"/>
+            </a:ln>
+          </p:spPr>
+          <p:style>
+            <a:lnRef idx="1">
+              <a:schemeClr val="accent1"/>
+            </a:lnRef>
+            <a:fillRef idx="0">
+              <a:schemeClr val="accent1"/>
+            </a:fillRef>
+            <a:effectRef idx="0">
+              <a:schemeClr val="accent1"/>
+            </a:effectRef>
+            <a:fontRef idx="minor">
+              <a:schemeClr val="tx1"/>
+            </a:fontRef>
+          </p:style>
+        </p:cxnSp>
+        <p:sp>
+          <p:nvSpPr>
+            <p:cNvPr id="38" name="文字方塊 37">
+              <a:extLst>
+                <a:ext uri="{FF2B5EF4-FFF2-40B4-BE49-F238E27FC236}">
+                  <a16:creationId xmlns:a16="http://schemas.microsoft.com/office/drawing/2014/main" id="{6249AFB7-5FB8-429D-AB33-3D3144989443}"/>
+                </a:ext>
+              </a:extLst>
+            </p:cNvPr>
+            <p:cNvSpPr txBox="1"/>
+            <p:nvPr/>
+          </p:nvSpPr>
+          <p:spPr>
+            <a:xfrm>
+              <a:off x="4493424" y="3482331"/>
+              <a:ext cx="1317340" cy="369332"/>
+            </a:xfrm>
+            <a:prstGeom prst="rect">
+              <a:avLst/>
+            </a:prstGeom>
+            <a:noFill/>
+          </p:spPr>
+          <p:txBody>
+            <a:bodyPr wrap="square" rtlCol="0">
+              <a:spAutoFit/>
+            </a:bodyPr>
+            <a:lstStyle/>
+            <a:p>
+              <a:r>
+                <a:rPr lang="en-US" altLang="zh-TW" dirty="0"/>
+                <a:t>vision field</a:t>
+              </a:r>
+              <a:endParaRPr lang="zh-TW" altLang="en-US" dirty="0"/>
+            </a:p>
+          </p:txBody>
+        </p:sp>
+        <p:sp>
+          <p:nvSpPr>
+            <p:cNvPr id="39" name="流程圖: 接點 38">
+              <a:extLst>
+                <a:ext uri="{FF2B5EF4-FFF2-40B4-BE49-F238E27FC236}">
+                  <a16:creationId xmlns:a16="http://schemas.microsoft.com/office/drawing/2014/main" id="{8F24A91C-B632-419B-874B-09D15380D630}"/>
+                </a:ext>
+              </a:extLst>
+            </p:cNvPr>
+            <p:cNvSpPr/>
+            <p:nvPr/>
+          </p:nvSpPr>
+          <p:spPr>
+            <a:xfrm>
+              <a:off x="2905085" y="1727133"/>
+              <a:ext cx="144000" cy="144000"/>
+            </a:xfrm>
+            <a:prstGeom prst="flowChartConnector">
+              <a:avLst/>
+            </a:prstGeom>
+            <a:solidFill>
+              <a:schemeClr val="accent1"/>
+            </a:solidFill>
+            <a:ln>
+              <a:solidFill>
+                <a:schemeClr val="tx1"/>
+              </a:solidFill>
+            </a:ln>
+          </p:spPr>
+          <p:style>
+            <a:lnRef idx="2">
+              <a:schemeClr val="accent1">
+                <a:shade val="50000"/>
+              </a:schemeClr>
+            </a:lnRef>
+            <a:fillRef idx="1">
+              <a:schemeClr val="accent1"/>
+            </a:fillRef>
+            <a:effectRef idx="0">
+              <a:schemeClr val="accent1"/>
+            </a:effectRef>
+            <a:fontRef idx="minor">
+              <a:schemeClr val="lt1"/>
+            </a:fontRef>
+          </p:style>
+          <p:txBody>
+            <a:bodyPr rtlCol="0" anchor="ctr"/>
+            <a:lstStyle/>
+            <a:p>
+              <a:pPr algn="ctr"/>
+              <a:endParaRPr lang="zh-TW" altLang="en-US"/>
+            </a:p>
+          </p:txBody>
+        </p:sp>
+      </p:grpSp>
+      <p:grpSp>
+        <p:nvGrpSpPr>
+          <p:cNvPr id="3" name="群組 2">
+            <a:extLst>
+              <a:ext uri="{FF2B5EF4-FFF2-40B4-BE49-F238E27FC236}">
+                <a16:creationId xmlns:a16="http://schemas.microsoft.com/office/drawing/2014/main" id="{85A5F6E4-97F4-4EA1-A239-030AFEF7C23B}"/>
+              </a:ext>
+            </a:extLst>
+          </p:cNvPr>
+          <p:cNvGrpSpPr/>
+          <p:nvPr/>
+        </p:nvGrpSpPr>
+        <p:grpSpPr>
+          <a:xfrm>
+            <a:off x="5675506" y="278217"/>
+            <a:ext cx="6721739" cy="6005924"/>
+            <a:chOff x="5675506" y="278217"/>
+            <a:chExt cx="6721739" cy="6005924"/>
+          </a:xfrm>
+        </p:grpSpPr>
+        <p:pic>
+          <p:nvPicPr>
+            <p:cNvPr id="43" name="圖片 42">
+              <a:extLst>
+                <a:ext uri="{FF2B5EF4-FFF2-40B4-BE49-F238E27FC236}">
+                  <a16:creationId xmlns:a16="http://schemas.microsoft.com/office/drawing/2014/main" id="{9B2D4873-BE0D-438D-8052-DFF350E74FAB}"/>
+                </a:ext>
+              </a:extLst>
+            </p:cNvPr>
+            <p:cNvPicPr>
+              <a:picLocks noChangeAspect="1"/>
+            </p:cNvPicPr>
+            <p:nvPr/>
+          </p:nvPicPr>
+          <p:blipFill>
+            <a:blip r:embed="rId2" cstate="print">
+              <a:duotone>
+                <a:schemeClr val="bg2">
+                  <a:shade val="45000"/>
+                  <a:satMod val="135000"/>
+                </a:schemeClr>
+                <a:prstClr val="white"/>
+              </a:duotone>
+              <a:extLst>
+                <a:ext uri="{BEBA8EAE-BF5A-486C-A8C5-ECC9F3942E4B}">
+                  <a14:imgProps xmlns:a14="http://schemas.microsoft.com/office/drawing/2010/main">
+                    <a14:imgLayer r:embed="rId3">
+                      <a14:imgEffect>
+                        <a14:backgroundRemoval t="4331" b="96588" l="3791" r="97778">
+                          <a14:foregroundMark x1="9020" y1="23622" x2="6667" y2="36745"/>
+                          <a14:foregroundMark x1="5752" y1="33465" x2="6667" y2="55774"/>
+                          <a14:foregroundMark x1="6667" y1="55774" x2="6013" y2="56693"/>
+                          <a14:foregroundMark x1="3137" y1="35039" x2="392" y2="42913"/>
+                          <a14:foregroundMark x1="392" y1="42913" x2="654" y2="52100"/>
+                          <a14:foregroundMark x1="654" y1="52100" x2="3791" y2="58399"/>
+                          <a14:foregroundMark x1="3791" y1="58399" x2="3791" y2="58530"/>
+                          <a14:foregroundMark x1="15425" y1="87664" x2="29542" y2="92520"/>
+                          <a14:foregroundMark x1="29542" y1="92520" x2="30327" y2="92388"/>
+                          <a14:foregroundMark x1="31373" y1="94751" x2="40654" y2="95013"/>
+                          <a14:foregroundMark x1="40654" y1="95013" x2="49020" y2="94357"/>
+                          <a14:foregroundMark x1="49020" y1="94357" x2="55556" y2="94488"/>
+                          <a14:foregroundMark x1="40000" y1="96850" x2="47582" y2="96063"/>
+                          <a14:foregroundMark x1="47582" y1="96063" x2="56078" y2="96719"/>
+                          <a14:foregroundMark x1="56078" y1="96719" x2="57516" y2="96457"/>
+                          <a14:foregroundMark x1="90196" y1="84908" x2="93595" y2="71522"/>
+                          <a14:foregroundMark x1="95425" y1="64829" x2="95948" y2="49081"/>
+                          <a14:foregroundMark x1="95948" y1="49081" x2="96209" y2="48819"/>
+                          <a14:foregroundMark x1="97778" y1="45801" x2="91634" y2="31496"/>
+                          <a14:foregroundMark x1="91634" y1="31496" x2="91765" y2="29265"/>
+                          <a14:foregroundMark x1="83791" y1="9974" x2="68889" y2="9974"/>
+                          <a14:foregroundMark x1="67451" y1="3412" x2="52288" y2="5381"/>
+                          <a14:foregroundMark x1="52288" y1="5381" x2="51765" y2="5906"/>
+                          <a14:foregroundMark x1="48235" y1="4331" x2="32157" y2="8005"/>
+                        </a14:backgroundRemoval>
+                      </a14:imgEffect>
+                    </a14:imgLayer>
+                  </a14:imgProps>
+                </a:ext>
+                <a:ext uri="{28A0092B-C50C-407E-A947-70E740481C1C}">
+                  <a14:useLocalDpi xmlns:a14="http://schemas.microsoft.com/office/drawing/2010/main" val="0"/>
+                </a:ext>
+              </a:extLst>
+            </a:blip>
+            <a:stretch>
+              <a:fillRect/>
+            </a:stretch>
+          </p:blipFill>
+          <p:spPr>
+            <a:xfrm>
+              <a:off x="8983645" y="4492554"/>
+              <a:ext cx="1798640" cy="1791587"/>
+            </a:xfrm>
+            <a:prstGeom prst="rect">
+              <a:avLst/>
+            </a:prstGeom>
+          </p:spPr>
+        </p:pic>
+        <p:grpSp>
+          <p:nvGrpSpPr>
+            <p:cNvPr id="44" name="群組 43">
+              <a:extLst>
+                <a:ext uri="{FF2B5EF4-FFF2-40B4-BE49-F238E27FC236}">
+                  <a16:creationId xmlns:a16="http://schemas.microsoft.com/office/drawing/2014/main" id="{2AC70C52-32E6-49A1-97DA-7C2BBD0A6FDF}"/>
+                </a:ext>
+              </a:extLst>
+            </p:cNvPr>
+            <p:cNvGrpSpPr/>
+            <p:nvPr/>
+          </p:nvGrpSpPr>
+          <p:grpSpPr>
+            <a:xfrm>
+              <a:off x="5675506" y="1791852"/>
+              <a:ext cx="2530763" cy="4368799"/>
+              <a:chOff x="480887" y="1782618"/>
+              <a:chExt cx="2530763" cy="4368799"/>
+            </a:xfrm>
+          </p:grpSpPr>
+          <p:sp>
+            <p:nvSpPr>
+              <p:cNvPr id="45" name="矩形 44">
+                <a:extLst>
+                  <a:ext uri="{FF2B5EF4-FFF2-40B4-BE49-F238E27FC236}">
+                    <a16:creationId xmlns:a16="http://schemas.microsoft.com/office/drawing/2014/main" id="{4D80D3B8-12E5-4BD4-899F-71E9EF3640A8}"/>
+                  </a:ext>
+                </a:extLst>
+              </p:cNvPr>
+              <p:cNvSpPr/>
+              <p:nvPr/>
+            </p:nvSpPr>
+            <p:spPr>
+              <a:xfrm>
+                <a:off x="480887" y="1782618"/>
+                <a:ext cx="2530763" cy="45719"/>
+              </a:xfrm>
+              <a:prstGeom prst="rect">
+                <a:avLst/>
+              </a:prstGeom>
+              <a:solidFill>
+                <a:schemeClr val="tx1"/>
+              </a:solidFill>
+              <a:ln>
+                <a:noFill/>
+              </a:ln>
+            </p:spPr>
+            <p:style>
+              <a:lnRef idx="2">
+                <a:schemeClr val="accent1">
+                  <a:shade val="50000"/>
+                </a:schemeClr>
+              </a:lnRef>
+              <a:fillRef idx="1">
+                <a:schemeClr val="accent1"/>
+              </a:fillRef>
+              <a:effectRef idx="0">
+                <a:schemeClr val="accent1"/>
+              </a:effectRef>
+              <a:fontRef idx="minor">
+                <a:schemeClr val="lt1"/>
+              </a:fontRef>
+            </p:style>
+            <p:txBody>
+              <a:bodyPr rtlCol="0" anchor="ctr"/>
+              <a:lstStyle/>
+              <a:p>
+                <a:pPr algn="ctr"/>
+                <a:endParaRPr lang="zh-TW" altLang="en-US"/>
+              </a:p>
+            </p:txBody>
+          </p:sp>
+          <p:sp>
+            <p:nvSpPr>
+              <p:cNvPr id="46" name="矩形 45">
+                <a:extLst>
+                  <a:ext uri="{FF2B5EF4-FFF2-40B4-BE49-F238E27FC236}">
+                    <a16:creationId xmlns:a16="http://schemas.microsoft.com/office/drawing/2014/main" id="{AA93DD83-6A94-40C9-AB8D-5DB208C97C8F}"/>
+                  </a:ext>
+                </a:extLst>
+              </p:cNvPr>
+              <p:cNvSpPr/>
+              <p:nvPr/>
+            </p:nvSpPr>
+            <p:spPr>
+              <a:xfrm rot="16200000">
+                <a:off x="798944" y="3939306"/>
+                <a:ext cx="4359564" cy="64657"/>
+              </a:xfrm>
+              <a:prstGeom prst="rect">
+                <a:avLst/>
+              </a:prstGeom>
+              <a:solidFill>
+                <a:schemeClr val="tx1"/>
+              </a:solidFill>
+              <a:ln>
+                <a:noFill/>
+              </a:ln>
+            </p:spPr>
+            <p:style>
+              <a:lnRef idx="2">
+                <a:schemeClr val="accent1">
+                  <a:shade val="50000"/>
+                </a:schemeClr>
+              </a:lnRef>
+              <a:fillRef idx="1">
+                <a:schemeClr val="accent1"/>
+              </a:fillRef>
+              <a:effectRef idx="0">
+                <a:schemeClr val="accent1"/>
+              </a:effectRef>
+              <a:fontRef idx="minor">
+                <a:schemeClr val="lt1"/>
+              </a:fontRef>
+            </p:style>
+            <p:txBody>
+              <a:bodyPr rtlCol="0" anchor="ctr"/>
+              <a:lstStyle/>
+              <a:p>
+                <a:endParaRPr lang="zh-TW" altLang="en-US" dirty="0"/>
+              </a:p>
+            </p:txBody>
+          </p:sp>
+        </p:grpSp>
+        <p:pic>
+          <p:nvPicPr>
+            <p:cNvPr id="52" name="圖片 51">
+              <a:extLst>
+                <a:ext uri="{FF2B5EF4-FFF2-40B4-BE49-F238E27FC236}">
+                  <a16:creationId xmlns:a16="http://schemas.microsoft.com/office/drawing/2014/main" id="{7705A8F7-546C-4914-A7CF-70C90DB49B7E}"/>
+                </a:ext>
+              </a:extLst>
+            </p:cNvPr>
+            <p:cNvPicPr>
+              <a:picLocks noChangeAspect="1"/>
+            </p:cNvPicPr>
+            <p:nvPr/>
+          </p:nvPicPr>
+          <p:blipFill>
+            <a:blip r:embed="rId2" cstate="print">
+              <a:extLst>
+                <a:ext uri="{BEBA8EAE-BF5A-486C-A8C5-ECC9F3942E4B}">
+                  <a14:imgProps xmlns:a14="http://schemas.microsoft.com/office/drawing/2010/main">
+                    <a14:imgLayer r:embed="rId3">
+                      <a14:imgEffect>
+                        <a14:backgroundRemoval t="4331" b="96588" l="3791" r="97778">
+                          <a14:foregroundMark x1="9020" y1="23622" x2="6667" y2="36745"/>
+                          <a14:foregroundMark x1="5752" y1="33465" x2="6667" y2="55774"/>
+                          <a14:foregroundMark x1="6667" y1="55774" x2="6013" y2="56693"/>
+                          <a14:foregroundMark x1="3137" y1="35039" x2="392" y2="42913"/>
+                          <a14:foregroundMark x1="392" y1="42913" x2="654" y2="52100"/>
+                          <a14:foregroundMark x1="654" y1="52100" x2="3791" y2="58399"/>
+                          <a14:foregroundMark x1="3791" y1="58399" x2="3791" y2="58530"/>
+                          <a14:foregroundMark x1="15425" y1="87664" x2="29542" y2="92520"/>
+                          <a14:foregroundMark x1="29542" y1="92520" x2="30327" y2="92388"/>
+                          <a14:foregroundMark x1="31373" y1="94751" x2="40654" y2="95013"/>
+                          <a14:foregroundMark x1="40654" y1="95013" x2="49020" y2="94357"/>
+                          <a14:foregroundMark x1="49020" y1="94357" x2="55556" y2="94488"/>
+                          <a14:foregroundMark x1="40000" y1="96850" x2="47582" y2="96063"/>
+                          <a14:foregroundMark x1="47582" y1="96063" x2="56078" y2="96719"/>
+                          <a14:foregroundMark x1="56078" y1="96719" x2="57516" y2="96457"/>
+                          <a14:foregroundMark x1="90196" y1="84908" x2="93595" y2="71522"/>
+                          <a14:foregroundMark x1="95425" y1="64829" x2="95948" y2="49081"/>
+                          <a14:foregroundMark x1="95948" y1="49081" x2="96209" y2="48819"/>
+                          <a14:foregroundMark x1="97778" y1="45801" x2="91634" y2="31496"/>
+                          <a14:foregroundMark x1="91634" y1="31496" x2="91765" y2="29265"/>
+                          <a14:foregroundMark x1="83791" y1="9974" x2="68889" y2="9974"/>
+                          <a14:foregroundMark x1="67451" y1="3412" x2="52288" y2="5381"/>
+                          <a14:foregroundMark x1="52288" y1="5381" x2="51765" y2="5906"/>
+                          <a14:foregroundMark x1="48235" y1="4331" x2="32157" y2="8005"/>
+                        </a14:backgroundRemoval>
+                      </a14:imgEffect>
+                    </a14:imgLayer>
+                  </a14:imgProps>
+                </a:ext>
+                <a:ext uri="{28A0092B-C50C-407E-A947-70E740481C1C}">
+                  <a14:useLocalDpi xmlns:a14="http://schemas.microsoft.com/office/drawing/2010/main" val="0"/>
+                </a:ext>
+              </a:extLst>
+            </a:blip>
+            <a:stretch>
+              <a:fillRect/>
+            </a:stretch>
+          </p:blipFill>
+          <p:spPr>
+            <a:xfrm>
+              <a:off x="8970779" y="3355345"/>
+              <a:ext cx="1798640" cy="1791587"/>
+            </a:xfrm>
+            <a:prstGeom prst="rect">
+              <a:avLst/>
+            </a:prstGeom>
+          </p:spPr>
+        </p:pic>
+        <p:grpSp>
+          <p:nvGrpSpPr>
+            <p:cNvPr id="47" name="群組 46">
+              <a:extLst>
+                <a:ext uri="{FF2B5EF4-FFF2-40B4-BE49-F238E27FC236}">
+                  <a16:creationId xmlns:a16="http://schemas.microsoft.com/office/drawing/2014/main" id="{849FD26F-55FD-4AD9-93FB-6CA6C736A770}"/>
+                </a:ext>
+              </a:extLst>
+            </p:cNvPr>
+            <p:cNvGrpSpPr/>
+            <p:nvPr/>
+          </p:nvGrpSpPr>
+          <p:grpSpPr>
+            <a:xfrm>
+              <a:off x="7357245" y="1150526"/>
+              <a:ext cx="5040000" cy="5040000"/>
+              <a:chOff x="1813190" y="1787649"/>
+              <a:chExt cx="5400000" cy="5400000"/>
+            </a:xfrm>
+          </p:grpSpPr>
+          <p:sp>
+            <p:nvSpPr>
+              <p:cNvPr id="49" name="局部圓 48">
+                <a:extLst>
+                  <a:ext uri="{FF2B5EF4-FFF2-40B4-BE49-F238E27FC236}">
+                    <a16:creationId xmlns:a16="http://schemas.microsoft.com/office/drawing/2014/main" id="{BABF17B0-D1CC-41DD-A48B-A8790FC6D6BE}"/>
+                  </a:ext>
+                </a:extLst>
+              </p:cNvPr>
+              <p:cNvSpPr/>
+              <p:nvPr/>
+            </p:nvSpPr>
+            <p:spPr>
+              <a:xfrm rot="4166908">
+                <a:off x="1813190" y="1787649"/>
+                <a:ext cx="5400000" cy="5400000"/>
+              </a:xfrm>
+              <a:prstGeom prst="pie">
+                <a:avLst>
+                  <a:gd name="adj1" fmla="val 9530196"/>
+                  <a:gd name="adj2" fmla="val 14612134"/>
+                </a:avLst>
+              </a:prstGeom>
+              <a:noFill/>
+              <a:ln>
+                <a:solidFill>
+                  <a:schemeClr val="tx1"/>
+                </a:solidFill>
+              </a:ln>
+            </p:spPr>
+            <p:style>
+              <a:lnRef idx="2">
+                <a:schemeClr val="accent1">
+                  <a:shade val="50000"/>
+                </a:schemeClr>
+              </a:lnRef>
+              <a:fillRef idx="1">
+                <a:schemeClr val="accent1"/>
+              </a:fillRef>
+              <a:effectRef idx="0">
+                <a:schemeClr val="accent1"/>
+              </a:effectRef>
+              <a:fontRef idx="minor">
+                <a:schemeClr val="lt1"/>
+              </a:fontRef>
+            </p:style>
+            <p:txBody>
+              <a:bodyPr rtlCol="0" anchor="ctr"/>
+              <a:lstStyle/>
+              <a:p>
+                <a:pPr algn="ctr"/>
+                <a:endParaRPr lang="zh-TW" altLang="en-US">
+                  <a:solidFill>
+                    <a:schemeClr val="tx1"/>
+                  </a:solidFill>
+                </a:endParaRPr>
+              </a:p>
+            </p:txBody>
+          </p:sp>
+          <p:sp>
+            <p:nvSpPr>
+              <p:cNvPr id="50" name="局部圓 49">
+                <a:extLst>
+                  <a:ext uri="{FF2B5EF4-FFF2-40B4-BE49-F238E27FC236}">
+                    <a16:creationId xmlns:a16="http://schemas.microsoft.com/office/drawing/2014/main" id="{19D2FD61-B4CF-444E-97B8-6DBA4AC0EF75}"/>
+                  </a:ext>
+                </a:extLst>
+              </p:cNvPr>
+              <p:cNvSpPr/>
+              <p:nvPr/>
+            </p:nvSpPr>
+            <p:spPr>
+              <a:xfrm rot="4166908">
+                <a:off x="4153189" y="4127649"/>
+                <a:ext cx="720000" cy="720000"/>
+              </a:xfrm>
+              <a:prstGeom prst="pie">
+                <a:avLst>
+                  <a:gd name="adj1" fmla="val 9530196"/>
+                  <a:gd name="adj2" fmla="val 14612134"/>
+                </a:avLst>
+              </a:prstGeom>
+              <a:noFill/>
+              <a:ln>
+                <a:solidFill>
+                  <a:schemeClr val="tx1"/>
+                </a:solidFill>
+              </a:ln>
+            </p:spPr>
+            <p:style>
+              <a:lnRef idx="2">
+                <a:schemeClr val="accent1">
+                  <a:shade val="50000"/>
+                </a:schemeClr>
+              </a:lnRef>
+              <a:fillRef idx="1">
+                <a:schemeClr val="accent1"/>
+              </a:fillRef>
+              <a:effectRef idx="0">
+                <a:schemeClr val="accent1"/>
+              </a:effectRef>
+              <a:fontRef idx="minor">
+                <a:schemeClr val="lt1"/>
+              </a:fontRef>
+            </p:style>
+            <p:txBody>
+              <a:bodyPr rtlCol="0" anchor="ctr"/>
+              <a:lstStyle/>
+              <a:p>
+                <a:pPr algn="ctr"/>
+                <a:endParaRPr lang="zh-TW" altLang="en-US">
+                  <a:solidFill>
+                    <a:schemeClr val="tx1"/>
+                  </a:solidFill>
+                </a:endParaRPr>
+              </a:p>
+            </p:txBody>
+          </p:sp>
+        </p:grpSp>
+        <p:sp>
+          <p:nvSpPr>
+            <p:cNvPr id="53" name="流程圖: 接點 52">
+              <a:extLst>
+                <a:ext uri="{FF2B5EF4-FFF2-40B4-BE49-F238E27FC236}">
+                  <a16:creationId xmlns:a16="http://schemas.microsoft.com/office/drawing/2014/main" id="{6E51F371-0D65-4E3B-96E3-E592FD037429}"/>
+                </a:ext>
+              </a:extLst>
+            </p:cNvPr>
+            <p:cNvSpPr/>
+            <p:nvPr/>
+          </p:nvSpPr>
+          <p:spPr>
+            <a:xfrm>
+              <a:off x="8105843" y="1746505"/>
+              <a:ext cx="144000" cy="144000"/>
+            </a:xfrm>
+            <a:prstGeom prst="flowChartConnector">
+              <a:avLst/>
+            </a:prstGeom>
+            <a:solidFill>
+              <a:srgbClr val="FF0000"/>
+            </a:solidFill>
+            <a:ln>
+              <a:solidFill>
+                <a:schemeClr val="tx1"/>
+              </a:solidFill>
+            </a:ln>
+          </p:spPr>
+          <p:style>
+            <a:lnRef idx="2">
+              <a:schemeClr val="accent1">
+                <a:shade val="50000"/>
+              </a:schemeClr>
+            </a:lnRef>
+            <a:fillRef idx="1">
+              <a:schemeClr val="accent1"/>
+            </a:fillRef>
+            <a:effectRef idx="0">
+              <a:schemeClr val="accent1"/>
+            </a:effectRef>
+            <a:fontRef idx="minor">
+              <a:schemeClr val="lt1"/>
+            </a:fontRef>
+          </p:style>
+          <p:txBody>
+            <a:bodyPr rtlCol="0" anchor="ctr"/>
+            <a:lstStyle/>
+            <a:p>
+              <a:pPr algn="ctr"/>
+              <a:endParaRPr lang="zh-TW" altLang="en-US"/>
+            </a:p>
+          </p:txBody>
+        </p:sp>
+        <p:sp>
+          <p:nvSpPr>
+            <p:cNvPr id="54" name="爆炸: 八角 53">
+              <a:extLst>
+                <a:ext uri="{FF2B5EF4-FFF2-40B4-BE49-F238E27FC236}">
+                  <a16:creationId xmlns:a16="http://schemas.microsoft.com/office/drawing/2014/main" id="{63F7B452-584E-4809-9E61-53CA3724E7D2}"/>
+                </a:ext>
+              </a:extLst>
+            </p:cNvPr>
+            <p:cNvSpPr/>
+            <p:nvPr/>
+          </p:nvSpPr>
+          <p:spPr>
+            <a:xfrm>
+              <a:off x="5756120" y="278217"/>
+              <a:ext cx="2155110" cy="1744618"/>
+            </a:xfrm>
+            <a:prstGeom prst="irregularSeal1">
+              <a:avLst/>
+            </a:prstGeom>
+          </p:spPr>
+          <p:style>
+            <a:lnRef idx="2">
+              <a:schemeClr val="accent4">
+                <a:shade val="50000"/>
+              </a:schemeClr>
+            </a:lnRef>
+            <a:fillRef idx="1">
+              <a:schemeClr val="accent4"/>
+            </a:fillRef>
+            <a:effectRef idx="0">
+              <a:schemeClr val="accent4"/>
+            </a:effectRef>
+            <a:fontRef idx="minor">
+              <a:schemeClr val="lt1"/>
+            </a:fontRef>
+          </p:style>
+          <p:txBody>
+            <a:bodyPr rtlCol="0" anchor="ctr"/>
+            <a:lstStyle/>
+            <a:p>
+              <a:pPr algn="ctr"/>
+              <a:r>
+                <a:rPr lang="en-US" altLang="zh-TW" sz="2000" dirty="0"/>
+                <a:t>Turning Point!!</a:t>
+              </a:r>
+              <a:endParaRPr lang="zh-TW" altLang="en-US" sz="2000" dirty="0"/>
+            </a:p>
+          </p:txBody>
+        </p:sp>
+      </p:grpSp>
+    </p:spTree>
+    <p:extLst>
+      <p:ext uri="{BB962C8B-B14F-4D97-AF65-F5344CB8AC3E}">
+        <p14:creationId xmlns:p14="http://schemas.microsoft.com/office/powerpoint/2010/main" val="2196725120"/>
+      </p:ext>
+    </p:extLst>
+  </p:cSld>
+  <p:clrMapOvr>
+    <a:masterClrMapping/>
+  </p:clrMapOvr>
+</p:sld>
+</file>
+
+<file path=ppt/slides/slide4.xml><?xml version="1.0" encoding="utf-8"?>
+<p:sld xmlns:a="http://schemas.openxmlformats.org/drawingml/2006/main" xmlns:r="http://schemas.openxmlformats.org/officeDocument/2006/relationships" xmlns:p="http://schemas.openxmlformats.org/presentationml/2006/main">
+  <p:cSld>
+    <p:spTree>
+      <p:nvGrpSpPr>
+        <p:cNvPr id="1" name=""/>
+        <p:cNvGrpSpPr/>
+        <p:nvPr/>
+      </p:nvGrpSpPr>
+      <p:grpSpPr>
+        <a:xfrm>
+          <a:off x="0" y="0"/>
+          <a:ext cx="0" cy="0"/>
+          <a:chOff x="0" y="0"/>
+          <a:chExt cx="0" cy="0"/>
+        </a:xfrm>
+      </p:grpSpPr>
+      <p:grpSp>
+        <p:nvGrpSpPr>
+          <p:cNvPr id="33" name="群組 32">
+            <a:extLst>
+              <a:ext uri="{FF2B5EF4-FFF2-40B4-BE49-F238E27FC236}">
+                <a16:creationId xmlns:a16="http://schemas.microsoft.com/office/drawing/2014/main" id="{5FD2C606-F143-405B-9FED-A7442CDFDD81}"/>
+              </a:ext>
+            </a:extLst>
+          </p:cNvPr>
+          <p:cNvGrpSpPr/>
+          <p:nvPr/>
+        </p:nvGrpSpPr>
+        <p:grpSpPr>
+          <a:xfrm rot="17661829">
+            <a:off x="7071312" y="-141239"/>
+            <a:ext cx="5040000" cy="5040000"/>
+            <a:chOff x="1813190" y="1787649"/>
+            <a:chExt cx="5400000" cy="5400000"/>
+          </a:xfrm>
+        </p:grpSpPr>
+        <p:sp>
+          <p:nvSpPr>
+            <p:cNvPr id="34" name="局部圓 33">
+              <a:extLst>
+                <a:ext uri="{FF2B5EF4-FFF2-40B4-BE49-F238E27FC236}">
+                  <a16:creationId xmlns:a16="http://schemas.microsoft.com/office/drawing/2014/main" id="{6FEDE195-DE0E-4D1D-9D58-C0AF827F3380}"/>
+                </a:ext>
+              </a:extLst>
+            </p:cNvPr>
+            <p:cNvSpPr/>
+            <p:nvPr/>
+          </p:nvSpPr>
+          <p:spPr>
+            <a:xfrm rot="4166908">
+              <a:off x="1813190" y="1787649"/>
+              <a:ext cx="5400000" cy="5400000"/>
+            </a:xfrm>
+            <a:prstGeom prst="pie">
+              <a:avLst>
+                <a:gd name="adj1" fmla="val 9530196"/>
+                <a:gd name="adj2" fmla="val 14612134"/>
+              </a:avLst>
+            </a:prstGeom>
+            <a:noFill/>
+            <a:ln>
+              <a:solidFill>
+                <a:schemeClr val="tx1"/>
+              </a:solidFill>
+            </a:ln>
+          </p:spPr>
+          <p:style>
+            <a:lnRef idx="2">
+              <a:schemeClr val="accent1">
+                <a:shade val="50000"/>
+              </a:schemeClr>
+            </a:lnRef>
+            <a:fillRef idx="1">
+              <a:schemeClr val="accent1"/>
+            </a:fillRef>
+            <a:effectRef idx="0">
+              <a:schemeClr val="accent1"/>
+            </a:effectRef>
+            <a:fontRef idx="minor">
+              <a:schemeClr val="lt1"/>
+            </a:fontRef>
+          </p:style>
+          <p:txBody>
+            <a:bodyPr rtlCol="0" anchor="ctr"/>
+            <a:lstStyle/>
+            <a:p>
+              <a:pPr algn="ctr"/>
+              <a:endParaRPr lang="zh-TW" altLang="en-US">
+                <a:solidFill>
+                  <a:schemeClr val="tx1"/>
+                </a:solidFill>
+              </a:endParaRPr>
+            </a:p>
+          </p:txBody>
+        </p:sp>
+        <p:sp>
+          <p:nvSpPr>
+            <p:cNvPr id="35" name="局部圓 34">
+              <a:extLst>
+                <a:ext uri="{FF2B5EF4-FFF2-40B4-BE49-F238E27FC236}">
+                  <a16:creationId xmlns:a16="http://schemas.microsoft.com/office/drawing/2014/main" id="{E131F541-5461-4FD6-965C-9802D0B49E6F}"/>
+                </a:ext>
+              </a:extLst>
+            </p:cNvPr>
+            <p:cNvSpPr/>
+            <p:nvPr/>
+          </p:nvSpPr>
+          <p:spPr>
+            <a:xfrm rot="4166908">
+              <a:off x="4153189" y="4127649"/>
+              <a:ext cx="720000" cy="720000"/>
+            </a:xfrm>
+            <a:prstGeom prst="pie">
+              <a:avLst>
+                <a:gd name="adj1" fmla="val 9530196"/>
+                <a:gd name="adj2" fmla="val 14612134"/>
+              </a:avLst>
+            </a:prstGeom>
+            <a:noFill/>
+            <a:ln>
+              <a:solidFill>
+                <a:schemeClr val="tx1"/>
+              </a:solidFill>
+            </a:ln>
+          </p:spPr>
+          <p:style>
+            <a:lnRef idx="2">
+              <a:schemeClr val="accent1">
+                <a:shade val="50000"/>
+              </a:schemeClr>
+            </a:lnRef>
+            <a:fillRef idx="1">
+              <a:schemeClr val="accent1"/>
+            </a:fillRef>
+            <a:effectRef idx="0">
+              <a:schemeClr val="accent1"/>
+            </a:effectRef>
+            <a:fontRef idx="minor">
+              <a:schemeClr val="lt1"/>
+            </a:fontRef>
+          </p:style>
+          <p:txBody>
+            <a:bodyPr rtlCol="0" anchor="ctr"/>
+            <a:lstStyle/>
+            <a:p>
+              <a:pPr algn="ctr"/>
+              <a:endParaRPr lang="zh-TW" altLang="en-US">
+                <a:solidFill>
+                  <a:schemeClr val="tx1"/>
+                </a:solidFill>
+              </a:endParaRPr>
+            </a:p>
+          </p:txBody>
+        </p:sp>
+      </p:grpSp>
+      <p:grpSp>
+        <p:nvGrpSpPr>
+          <p:cNvPr id="9" name="群組 8">
+            <a:extLst>
+              <a:ext uri="{FF2B5EF4-FFF2-40B4-BE49-F238E27FC236}">
+                <a16:creationId xmlns:a16="http://schemas.microsoft.com/office/drawing/2014/main" id="{F03274B3-558D-43B1-8D46-7AAE9D5BF614}"/>
+              </a:ext>
+            </a:extLst>
+          </p:cNvPr>
+          <p:cNvGrpSpPr/>
+          <p:nvPr/>
+        </p:nvGrpSpPr>
+        <p:grpSpPr>
+          <a:xfrm>
+            <a:off x="6012573" y="61819"/>
+            <a:ext cx="6062842" cy="6616553"/>
+            <a:chOff x="6012573" y="61819"/>
+            <a:chExt cx="6062842" cy="6616553"/>
+          </a:xfrm>
+        </p:grpSpPr>
+        <p:grpSp>
+          <p:nvGrpSpPr>
+            <p:cNvPr id="22" name="群組 21">
+              <a:extLst>
+                <a:ext uri="{FF2B5EF4-FFF2-40B4-BE49-F238E27FC236}">
+                  <a16:creationId xmlns:a16="http://schemas.microsoft.com/office/drawing/2014/main" id="{9680A94E-F198-40C2-9344-F71F84B4005B}"/>
+                </a:ext>
+              </a:extLst>
+            </p:cNvPr>
+            <p:cNvGrpSpPr/>
+            <p:nvPr/>
+          </p:nvGrpSpPr>
+          <p:grpSpPr>
+            <a:xfrm>
+              <a:off x="6012573" y="3131076"/>
+              <a:ext cx="2530763" cy="3547296"/>
+              <a:chOff x="595067" y="1299467"/>
+              <a:chExt cx="2530763" cy="3547296"/>
+            </a:xfrm>
+          </p:grpSpPr>
+          <p:sp>
+            <p:nvSpPr>
+              <p:cNvPr id="23" name="矩形 22">
+                <a:extLst>
+                  <a:ext uri="{FF2B5EF4-FFF2-40B4-BE49-F238E27FC236}">
+                    <a16:creationId xmlns:a16="http://schemas.microsoft.com/office/drawing/2014/main" id="{BE0AE0BE-2484-4E61-A3B7-B06FF894412E}"/>
+                  </a:ext>
+                </a:extLst>
+              </p:cNvPr>
+              <p:cNvSpPr/>
+              <p:nvPr/>
+            </p:nvSpPr>
+            <p:spPr>
+              <a:xfrm rot="1358478">
+                <a:off x="595067" y="1299467"/>
+                <a:ext cx="2530763" cy="45719"/>
+              </a:xfrm>
+              <a:prstGeom prst="rect">
+                <a:avLst/>
+              </a:prstGeom>
+              <a:solidFill>
+                <a:schemeClr val="tx1"/>
+              </a:solidFill>
+              <a:ln>
+                <a:noFill/>
+              </a:ln>
+            </p:spPr>
+            <p:style>
+              <a:lnRef idx="2">
+                <a:schemeClr val="accent1">
+                  <a:shade val="50000"/>
+                </a:schemeClr>
+              </a:lnRef>
+              <a:fillRef idx="1">
+                <a:schemeClr val="accent1"/>
+              </a:fillRef>
+              <a:effectRef idx="0">
+                <a:schemeClr val="accent1"/>
+              </a:effectRef>
+              <a:fontRef idx="minor">
+                <a:schemeClr val="lt1"/>
+              </a:fontRef>
+            </p:style>
+            <p:txBody>
+              <a:bodyPr rtlCol="0" anchor="ctr"/>
+              <a:lstStyle/>
+              <a:p>
+                <a:pPr algn="ctr"/>
+                <a:endParaRPr lang="zh-TW" altLang="en-US"/>
+              </a:p>
+            </p:txBody>
+          </p:sp>
+          <p:sp>
+            <p:nvSpPr>
+              <p:cNvPr id="24" name="矩形 23">
+                <a:extLst>
+                  <a:ext uri="{FF2B5EF4-FFF2-40B4-BE49-F238E27FC236}">
+                    <a16:creationId xmlns:a16="http://schemas.microsoft.com/office/drawing/2014/main" id="{5E8705AD-5FC8-46D6-A4CA-FA1ECE3E2A65}"/>
+                  </a:ext>
+                </a:extLst>
+              </p:cNvPr>
+              <p:cNvSpPr/>
+              <p:nvPr/>
+            </p:nvSpPr>
+            <p:spPr>
+              <a:xfrm rot="16200000" flipV="1">
+                <a:off x="1486796" y="3296448"/>
+                <a:ext cx="3054910" cy="45719"/>
+              </a:xfrm>
+              <a:prstGeom prst="rect">
+                <a:avLst/>
+              </a:prstGeom>
+              <a:solidFill>
+                <a:schemeClr val="tx1"/>
+              </a:solidFill>
+              <a:ln>
+                <a:noFill/>
+              </a:ln>
+            </p:spPr>
+            <p:style>
+              <a:lnRef idx="2">
+                <a:schemeClr val="accent1">
+                  <a:shade val="50000"/>
+                </a:schemeClr>
+              </a:lnRef>
+              <a:fillRef idx="1">
+                <a:schemeClr val="accent1"/>
+              </a:fillRef>
+              <a:effectRef idx="0">
+                <a:schemeClr val="accent1"/>
+              </a:effectRef>
+              <a:fontRef idx="minor">
+                <a:schemeClr val="lt1"/>
+              </a:fontRef>
+            </p:style>
+            <p:txBody>
+              <a:bodyPr rtlCol="0" anchor="ctr"/>
+              <a:lstStyle/>
+              <a:p>
+                <a:endParaRPr lang="zh-TW" altLang="en-US" dirty="0"/>
+              </a:p>
+            </p:txBody>
+          </p:sp>
+        </p:grpSp>
+        <p:pic>
+          <p:nvPicPr>
+            <p:cNvPr id="25" name="圖片 24">
+              <a:extLst>
+                <a:ext uri="{FF2B5EF4-FFF2-40B4-BE49-F238E27FC236}">
+                  <a16:creationId xmlns:a16="http://schemas.microsoft.com/office/drawing/2014/main" id="{CB7A13D6-EECA-4120-8C00-196C554E1114}"/>
+                </a:ext>
+              </a:extLst>
+            </p:cNvPr>
+            <p:cNvPicPr>
+              <a:picLocks noChangeAspect="1"/>
+            </p:cNvPicPr>
+            <p:nvPr/>
+          </p:nvPicPr>
+          <p:blipFill>
+            <a:blip r:embed="rId2" cstate="print">
+              <a:extLst>
+                <a:ext uri="{BEBA8EAE-BF5A-486C-A8C5-ECC9F3942E4B}">
+                  <a14:imgProps xmlns:a14="http://schemas.microsoft.com/office/drawing/2010/main">
+                    <a14:imgLayer r:embed="rId3">
+                      <a14:imgEffect>
+                        <a14:backgroundRemoval t="4331" b="96588" l="3791" r="97778">
+                          <a14:foregroundMark x1="9020" y1="23622" x2="6667" y2="36745"/>
+                          <a14:foregroundMark x1="5752" y1="33465" x2="6667" y2="55774"/>
+                          <a14:foregroundMark x1="6667" y1="55774" x2="6013" y2="56693"/>
+                          <a14:foregroundMark x1="3137" y1="35039" x2="392" y2="42913"/>
+                          <a14:foregroundMark x1="392" y1="42913" x2="654" y2="52100"/>
+                          <a14:foregroundMark x1="654" y1="52100" x2="3791" y2="58399"/>
+                          <a14:foregroundMark x1="3791" y1="58399" x2="3791" y2="58530"/>
+                          <a14:foregroundMark x1="15425" y1="87664" x2="29542" y2="92520"/>
+                          <a14:foregroundMark x1="29542" y1="92520" x2="30327" y2="92388"/>
+                          <a14:foregroundMark x1="31373" y1="94751" x2="40654" y2="95013"/>
+                          <a14:foregroundMark x1="40654" y1="95013" x2="49020" y2="94357"/>
+                          <a14:foregroundMark x1="49020" y1="94357" x2="55556" y2="94488"/>
+                          <a14:foregroundMark x1="40000" y1="96850" x2="47582" y2="96063"/>
+                          <a14:foregroundMark x1="47582" y1="96063" x2="56078" y2="96719"/>
+                          <a14:foregroundMark x1="56078" y1="96719" x2="57516" y2="96457"/>
+                          <a14:foregroundMark x1="90196" y1="84908" x2="93595" y2="71522"/>
+                          <a14:foregroundMark x1="95425" y1="64829" x2="95948" y2="49081"/>
+                          <a14:foregroundMark x1="95948" y1="49081" x2="96209" y2="48819"/>
+                          <a14:foregroundMark x1="97778" y1="45801" x2="91634" y2="31496"/>
+                          <a14:foregroundMark x1="91634" y1="31496" x2="91765" y2="29265"/>
+                          <a14:foregroundMark x1="83791" y1="9974" x2="68889" y2="9974"/>
+                          <a14:foregroundMark x1="67451" y1="3412" x2="52288" y2="5381"/>
+                          <a14:foregroundMark x1="52288" y1="5381" x2="51765" y2="5906"/>
+                          <a14:foregroundMark x1="48235" y1="4331" x2="32157" y2="8005"/>
+                        </a14:backgroundRemoval>
+                      </a14:imgEffect>
+                    </a14:imgLayer>
+                  </a14:imgProps>
+                </a:ext>
+                <a:ext uri="{28A0092B-C50C-407E-A947-70E740481C1C}">
+                  <a14:useLocalDpi xmlns:a14="http://schemas.microsoft.com/office/drawing/2010/main" val="0"/>
+                </a:ext>
+              </a:extLst>
+            </a:blip>
+            <a:stretch>
+              <a:fillRect/>
+            </a:stretch>
+          </p:blipFill>
+          <p:spPr>
+            <a:xfrm rot="1358804">
+              <a:off x="9062855" y="1667111"/>
+              <a:ext cx="1798640" cy="1791587"/>
+            </a:xfrm>
+            <a:prstGeom prst="rect">
+              <a:avLst/>
+            </a:prstGeom>
+          </p:spPr>
+        </p:pic>
+        <p:sp>
+          <p:nvSpPr>
+            <p:cNvPr id="31" name="矩形 30">
+              <a:extLst>
+                <a:ext uri="{FF2B5EF4-FFF2-40B4-BE49-F238E27FC236}">
+                  <a16:creationId xmlns:a16="http://schemas.microsoft.com/office/drawing/2014/main" id="{7780547B-945A-49F9-B406-860FD223B11A}"/>
+                </a:ext>
+              </a:extLst>
+            </p:cNvPr>
+            <p:cNvSpPr/>
+            <p:nvPr/>
+          </p:nvSpPr>
+          <p:spPr>
+            <a:xfrm>
+              <a:off x="7236475" y="3659946"/>
+              <a:ext cx="370345" cy="806245"/>
+            </a:xfrm>
+            <a:prstGeom prst="rect">
+              <a:avLst/>
+            </a:prstGeom>
+            <a:solidFill>
+              <a:schemeClr val="bg1"/>
+            </a:solidFill>
+            <a:ln>
+              <a:solidFill>
+                <a:schemeClr val="bg1"/>
+              </a:solidFill>
+            </a:ln>
+          </p:spPr>
+          <p:style>
+            <a:lnRef idx="2">
+              <a:schemeClr val="accent1">
+                <a:shade val="50000"/>
+              </a:schemeClr>
+            </a:lnRef>
+            <a:fillRef idx="1">
+              <a:schemeClr val="accent1"/>
+            </a:fillRef>
+            <a:effectRef idx="0">
+              <a:schemeClr val="accent1"/>
+            </a:effectRef>
+            <a:fontRef idx="minor">
+              <a:schemeClr val="lt1"/>
+            </a:fontRef>
+          </p:style>
+          <p:txBody>
+            <a:bodyPr rtlCol="0" anchor="ctr"/>
+            <a:lstStyle/>
+            <a:p>
+              <a:pPr algn="ctr"/>
+              <a:endParaRPr lang="zh-TW" altLang="en-US"/>
+            </a:p>
+          </p:txBody>
+        </p:sp>
+        <p:sp>
+          <p:nvSpPr>
+            <p:cNvPr id="32" name="箭號: 圓形 31">
+              <a:extLst>
+                <a:ext uri="{FF2B5EF4-FFF2-40B4-BE49-F238E27FC236}">
+                  <a16:creationId xmlns:a16="http://schemas.microsoft.com/office/drawing/2014/main" id="{3492C726-8C45-4B78-905C-B8F7BE8C8ED4}"/>
+                </a:ext>
+              </a:extLst>
+            </p:cNvPr>
+            <p:cNvSpPr/>
+            <p:nvPr/>
+          </p:nvSpPr>
+          <p:spPr>
+            <a:xfrm rot="17940656">
+              <a:off x="7745187" y="1313433"/>
+              <a:ext cx="1901067" cy="1359260"/>
+            </a:xfrm>
+            <a:prstGeom prst="circularArrow">
+              <a:avLst>
+                <a:gd name="adj1" fmla="val 12500"/>
+                <a:gd name="adj2" fmla="val 1142319"/>
+                <a:gd name="adj3" fmla="val 20457681"/>
+                <a:gd name="adj4" fmla="val 10800000"/>
+                <a:gd name="adj5" fmla="val 18408"/>
+              </a:avLst>
+            </a:prstGeom>
+          </p:spPr>
+          <p:style>
+            <a:lnRef idx="2">
+              <a:schemeClr val="dk1">
+                <a:shade val="50000"/>
+              </a:schemeClr>
+            </a:lnRef>
+            <a:fillRef idx="1">
+              <a:schemeClr val="dk1"/>
+            </a:fillRef>
+            <a:effectRef idx="0">
+              <a:schemeClr val="dk1"/>
+            </a:effectRef>
+            <a:fontRef idx="minor">
+              <a:schemeClr val="lt1"/>
+            </a:fontRef>
+          </p:style>
+          <p:txBody>
+            <a:bodyPr rtlCol="0" anchor="ctr"/>
+            <a:lstStyle/>
+            <a:p>
+              <a:pPr algn="ctr"/>
+              <a:endParaRPr lang="zh-TW" altLang="en-US">
+                <a:solidFill>
+                  <a:schemeClr val="tx1"/>
+                </a:solidFill>
+              </a:endParaRPr>
+            </a:p>
+          </p:txBody>
+        </p:sp>
+        <p:sp>
+          <p:nvSpPr>
+            <p:cNvPr id="2" name="矩形 1">
+              <a:extLst>
+                <a:ext uri="{FF2B5EF4-FFF2-40B4-BE49-F238E27FC236}">
+                  <a16:creationId xmlns:a16="http://schemas.microsoft.com/office/drawing/2014/main" id="{5CF099A2-90B7-4A80-A65A-15E17ED4310F}"/>
+                </a:ext>
+              </a:extLst>
+            </p:cNvPr>
+            <p:cNvSpPr/>
+            <p:nvPr/>
+          </p:nvSpPr>
+          <p:spPr>
+            <a:xfrm rot="20151622">
+              <a:off x="8779498" y="1389898"/>
+              <a:ext cx="2393416" cy="2383842"/>
+            </a:xfrm>
+            <a:prstGeom prst="rect">
+              <a:avLst/>
+            </a:prstGeom>
+            <a:blipFill dpi="0" rotWithShape="1">
+              <a:blip r:embed="rId4">
+                <a:alphaModFix amt="54000"/>
+              </a:blip>
+              <a:srcRect/>
+              <a:stretch>
+                <a:fillRect/>
+              </a:stretch>
+            </a:blipFill>
+            <a:ln>
+              <a:noFill/>
+            </a:ln>
+          </p:spPr>
+          <p:style>
+            <a:lnRef idx="2">
+              <a:schemeClr val="accent1">
+                <a:shade val="50000"/>
+              </a:schemeClr>
+            </a:lnRef>
+            <a:fillRef idx="1">
+              <a:schemeClr val="accent1"/>
+            </a:fillRef>
+            <a:effectRef idx="0">
+              <a:schemeClr val="accent1"/>
+            </a:effectRef>
+            <a:fontRef idx="minor">
+              <a:schemeClr val="lt1"/>
+            </a:fontRef>
+          </p:style>
+          <p:txBody>
+            <a:bodyPr rtlCol="0" anchor="ctr"/>
+            <a:lstStyle/>
+            <a:p>
+              <a:pPr algn="ctr"/>
+              <a:endParaRPr lang="zh-TW" altLang="en-US"/>
+            </a:p>
+          </p:txBody>
+        </p:sp>
+        <p:grpSp>
+          <p:nvGrpSpPr>
+            <p:cNvPr id="29" name="群組 28">
+              <a:extLst>
+                <a:ext uri="{FF2B5EF4-FFF2-40B4-BE49-F238E27FC236}">
+                  <a16:creationId xmlns:a16="http://schemas.microsoft.com/office/drawing/2014/main" id="{15A3897C-AEF8-4308-AB89-888D4E07508B}"/>
+                </a:ext>
+              </a:extLst>
+            </p:cNvPr>
+            <p:cNvGrpSpPr/>
+            <p:nvPr/>
+          </p:nvGrpSpPr>
+          <p:grpSpPr>
+            <a:xfrm rot="16200000">
+              <a:off x="7035415" y="61819"/>
+              <a:ext cx="5040000" cy="5040000"/>
+              <a:chOff x="1813190" y="1787649"/>
+              <a:chExt cx="5400000" cy="5400000"/>
+            </a:xfrm>
+          </p:grpSpPr>
+          <p:sp>
+            <p:nvSpPr>
+              <p:cNvPr id="30" name="局部圓 29">
+                <a:extLst>
+                  <a:ext uri="{FF2B5EF4-FFF2-40B4-BE49-F238E27FC236}">
+                    <a16:creationId xmlns:a16="http://schemas.microsoft.com/office/drawing/2014/main" id="{59DA46C6-9885-4B71-B8EB-F4B578B7500E}"/>
+                  </a:ext>
+                </a:extLst>
+              </p:cNvPr>
+              <p:cNvSpPr/>
+              <p:nvPr/>
+            </p:nvSpPr>
+            <p:spPr>
+              <a:xfrm rot="4166908">
+                <a:off x="1813190" y="1787649"/>
+                <a:ext cx="5400000" cy="5400000"/>
+              </a:xfrm>
+              <a:prstGeom prst="pie">
+                <a:avLst>
+                  <a:gd name="adj1" fmla="val 9530196"/>
+                  <a:gd name="adj2" fmla="val 14612134"/>
+                </a:avLst>
+              </a:prstGeom>
+              <a:noFill/>
+              <a:ln>
+                <a:solidFill>
+                  <a:schemeClr val="tx1">
+                    <a:alpha val="25000"/>
+                  </a:schemeClr>
+                </a:solidFill>
+              </a:ln>
+            </p:spPr>
+            <p:style>
+              <a:lnRef idx="2">
+                <a:schemeClr val="accent1">
+                  <a:shade val="50000"/>
+                </a:schemeClr>
+              </a:lnRef>
+              <a:fillRef idx="1">
+                <a:schemeClr val="accent1"/>
+              </a:fillRef>
+              <a:effectRef idx="0">
+                <a:schemeClr val="accent1"/>
+              </a:effectRef>
+              <a:fontRef idx="minor">
+                <a:schemeClr val="lt1"/>
+              </a:fontRef>
+            </p:style>
+            <p:txBody>
+              <a:bodyPr rtlCol="0" anchor="ctr"/>
+              <a:lstStyle/>
+              <a:p>
+                <a:pPr algn="ctr"/>
+                <a:endParaRPr lang="zh-TW" altLang="en-US">
+                  <a:solidFill>
+                    <a:schemeClr val="tx1"/>
+                  </a:solidFill>
+                </a:endParaRPr>
+              </a:p>
+            </p:txBody>
+          </p:sp>
+          <p:sp>
+            <p:nvSpPr>
+              <p:cNvPr id="36" name="局部圓 35">
+                <a:extLst>
+                  <a:ext uri="{FF2B5EF4-FFF2-40B4-BE49-F238E27FC236}">
+                    <a16:creationId xmlns:a16="http://schemas.microsoft.com/office/drawing/2014/main" id="{82AA98E5-4791-41EF-BCE6-29C9229973F1}"/>
+                  </a:ext>
+                </a:extLst>
+              </p:cNvPr>
+              <p:cNvSpPr/>
+              <p:nvPr/>
+            </p:nvSpPr>
+            <p:spPr>
+              <a:xfrm rot="4166908">
+                <a:off x="4153189" y="4127649"/>
+                <a:ext cx="720000" cy="720000"/>
+              </a:xfrm>
+              <a:prstGeom prst="pie">
+                <a:avLst>
+                  <a:gd name="adj1" fmla="val 9530196"/>
+                  <a:gd name="adj2" fmla="val 14612134"/>
+                </a:avLst>
+              </a:prstGeom>
+              <a:noFill/>
+              <a:ln>
+                <a:solidFill>
+                  <a:schemeClr val="tx1">
+                    <a:alpha val="25000"/>
+                  </a:schemeClr>
+                </a:solidFill>
+              </a:ln>
+            </p:spPr>
+            <p:style>
+              <a:lnRef idx="2">
+                <a:schemeClr val="accent1">
+                  <a:shade val="50000"/>
+                </a:schemeClr>
+              </a:lnRef>
+              <a:fillRef idx="1">
+                <a:schemeClr val="accent1"/>
+              </a:fillRef>
+              <a:effectRef idx="0">
+                <a:schemeClr val="accent1"/>
+              </a:effectRef>
+              <a:fontRef idx="minor">
+                <a:schemeClr val="lt1"/>
+              </a:fontRef>
+            </p:style>
+            <p:txBody>
+              <a:bodyPr rtlCol="0" anchor="ctr"/>
+              <a:lstStyle/>
+              <a:p>
+                <a:pPr algn="ctr"/>
+                <a:endParaRPr lang="zh-TW" altLang="en-US">
+                  <a:solidFill>
+                    <a:schemeClr val="tx1"/>
+                  </a:solidFill>
+                </a:endParaRPr>
+              </a:p>
+            </p:txBody>
+          </p:sp>
+        </p:grpSp>
+        <p:sp>
+          <p:nvSpPr>
+            <p:cNvPr id="37" name="流程圖: 接點 36">
+              <a:extLst>
+                <a:ext uri="{FF2B5EF4-FFF2-40B4-BE49-F238E27FC236}">
+                  <a16:creationId xmlns:a16="http://schemas.microsoft.com/office/drawing/2014/main" id="{3F37FEEA-1B78-4C28-B720-FBDBF6D1F830}"/>
+                </a:ext>
+              </a:extLst>
+            </p:cNvPr>
+            <p:cNvSpPr/>
+            <p:nvPr/>
+          </p:nvSpPr>
+          <p:spPr>
+            <a:xfrm>
+              <a:off x="7125285" y="3054054"/>
+              <a:ext cx="144000" cy="144000"/>
+            </a:xfrm>
+            <a:prstGeom prst="flowChartConnector">
+              <a:avLst/>
+            </a:prstGeom>
+            <a:solidFill>
+              <a:srgbClr val="FF0000"/>
+            </a:solidFill>
+            <a:ln>
+              <a:solidFill>
+                <a:schemeClr val="tx1"/>
+              </a:solidFill>
+            </a:ln>
+          </p:spPr>
+          <p:style>
+            <a:lnRef idx="2">
+              <a:schemeClr val="accent1">
+                <a:shade val="50000"/>
+              </a:schemeClr>
+            </a:lnRef>
+            <a:fillRef idx="1">
+              <a:schemeClr val="accent1"/>
+            </a:fillRef>
+            <a:effectRef idx="0">
+              <a:schemeClr val="accent1"/>
+            </a:effectRef>
+            <a:fontRef idx="minor">
+              <a:schemeClr val="lt1"/>
+            </a:fontRef>
+          </p:style>
+          <p:txBody>
+            <a:bodyPr rtlCol="0" anchor="ctr"/>
+            <a:lstStyle/>
+            <a:p>
+              <a:pPr algn="ctr"/>
+              <a:endParaRPr lang="zh-TW" altLang="en-US"/>
+            </a:p>
+          </p:txBody>
+        </p:sp>
+      </p:grpSp>
+      <p:grpSp>
+        <p:nvGrpSpPr>
+          <p:cNvPr id="3" name="群組 2">
+            <a:extLst>
+              <a:ext uri="{FF2B5EF4-FFF2-40B4-BE49-F238E27FC236}">
+                <a16:creationId xmlns:a16="http://schemas.microsoft.com/office/drawing/2014/main" id="{7C53A011-7366-4F85-8183-7D98242E3960}"/>
+              </a:ext>
+            </a:extLst>
+          </p:cNvPr>
+          <p:cNvGrpSpPr/>
+          <p:nvPr/>
+        </p:nvGrpSpPr>
+        <p:grpSpPr>
+          <a:xfrm>
+            <a:off x="501978" y="-611702"/>
+            <a:ext cx="6386385" cy="7252181"/>
+            <a:chOff x="520216" y="-573809"/>
+            <a:chExt cx="6386385" cy="7252181"/>
+          </a:xfrm>
+        </p:grpSpPr>
+        <p:grpSp>
+          <p:nvGrpSpPr>
+            <p:cNvPr id="4" name="群組 3">
+              <a:extLst>
+                <a:ext uri="{FF2B5EF4-FFF2-40B4-BE49-F238E27FC236}">
+                  <a16:creationId xmlns:a16="http://schemas.microsoft.com/office/drawing/2014/main" id="{0F44FA09-948C-48A8-AA9A-CB4951ADA732}"/>
+                </a:ext>
+              </a:extLst>
+            </p:cNvPr>
+            <p:cNvGrpSpPr/>
+            <p:nvPr/>
+          </p:nvGrpSpPr>
+          <p:grpSpPr>
+            <a:xfrm>
+              <a:off x="520216" y="3614227"/>
+              <a:ext cx="2556223" cy="3064145"/>
+              <a:chOff x="480887" y="1782618"/>
+              <a:chExt cx="2556223" cy="3064145"/>
+            </a:xfrm>
+          </p:grpSpPr>
+          <p:sp>
+            <p:nvSpPr>
+              <p:cNvPr id="5" name="矩形 4">
+                <a:extLst>
+                  <a:ext uri="{FF2B5EF4-FFF2-40B4-BE49-F238E27FC236}">
+                    <a16:creationId xmlns:a16="http://schemas.microsoft.com/office/drawing/2014/main" id="{1E0C9EE9-E609-4580-8B17-7986ED01AE16}"/>
+                  </a:ext>
+                </a:extLst>
+              </p:cNvPr>
+              <p:cNvSpPr/>
+              <p:nvPr/>
+            </p:nvSpPr>
+            <p:spPr>
+              <a:xfrm>
+                <a:off x="480887" y="1782618"/>
+                <a:ext cx="2530763" cy="45719"/>
+              </a:xfrm>
+              <a:prstGeom prst="rect">
+                <a:avLst/>
+              </a:prstGeom>
+              <a:solidFill>
+                <a:schemeClr val="tx1"/>
+              </a:solidFill>
+              <a:ln>
+                <a:noFill/>
+              </a:ln>
+            </p:spPr>
+            <p:style>
+              <a:lnRef idx="2">
+                <a:schemeClr val="accent1">
+                  <a:shade val="50000"/>
+                </a:schemeClr>
+              </a:lnRef>
+              <a:fillRef idx="1">
+                <a:schemeClr val="accent1"/>
+              </a:fillRef>
+              <a:effectRef idx="0">
+                <a:schemeClr val="accent1"/>
+              </a:effectRef>
+              <a:fontRef idx="minor">
+                <a:schemeClr val="lt1"/>
+              </a:fontRef>
+            </p:style>
+            <p:txBody>
+              <a:bodyPr rtlCol="0" anchor="ctr"/>
+              <a:lstStyle/>
+              <a:p>
+                <a:pPr algn="ctr"/>
+                <a:endParaRPr lang="zh-TW" altLang="en-US"/>
+              </a:p>
+            </p:txBody>
+          </p:sp>
+          <p:sp>
+            <p:nvSpPr>
+              <p:cNvPr id="6" name="矩形 5">
+                <a:extLst>
+                  <a:ext uri="{FF2B5EF4-FFF2-40B4-BE49-F238E27FC236}">
+                    <a16:creationId xmlns:a16="http://schemas.microsoft.com/office/drawing/2014/main" id="{F188F675-5D15-454B-958A-51A52B88BFDF}"/>
+                  </a:ext>
+                </a:extLst>
+              </p:cNvPr>
+              <p:cNvSpPr/>
+              <p:nvPr/>
+            </p:nvSpPr>
+            <p:spPr>
+              <a:xfrm rot="16200000" flipV="1">
+                <a:off x="1486796" y="3296448"/>
+                <a:ext cx="3054910" cy="45719"/>
+              </a:xfrm>
+              <a:prstGeom prst="rect">
+                <a:avLst/>
+              </a:prstGeom>
+              <a:solidFill>
+                <a:schemeClr val="tx1"/>
+              </a:solidFill>
+              <a:ln>
+                <a:noFill/>
+              </a:ln>
+            </p:spPr>
+            <p:style>
+              <a:lnRef idx="2">
+                <a:schemeClr val="accent1">
+                  <a:shade val="50000"/>
+                </a:schemeClr>
+              </a:lnRef>
+              <a:fillRef idx="1">
+                <a:schemeClr val="accent1"/>
+              </a:fillRef>
+              <a:effectRef idx="0">
+                <a:schemeClr val="accent1"/>
+              </a:effectRef>
+              <a:fontRef idx="minor">
+                <a:schemeClr val="lt1"/>
+              </a:fontRef>
+            </p:style>
+            <p:txBody>
+              <a:bodyPr rtlCol="0" anchor="ctr"/>
+              <a:lstStyle/>
+              <a:p>
+                <a:endParaRPr lang="zh-TW" altLang="en-US" dirty="0"/>
+              </a:p>
+            </p:txBody>
+          </p:sp>
+        </p:grpSp>
+        <p:pic>
+          <p:nvPicPr>
+            <p:cNvPr id="7" name="圖片 6">
+              <a:extLst>
+                <a:ext uri="{FF2B5EF4-FFF2-40B4-BE49-F238E27FC236}">
+                  <a16:creationId xmlns:a16="http://schemas.microsoft.com/office/drawing/2014/main" id="{8C19FC39-5DB8-40F0-8213-6BDED076064D}"/>
+                </a:ext>
+              </a:extLst>
+            </p:cNvPr>
+            <p:cNvPicPr>
+              <a:picLocks noChangeAspect="1"/>
+            </p:cNvPicPr>
+            <p:nvPr/>
+          </p:nvPicPr>
+          <p:blipFill>
+            <a:blip r:embed="rId2" cstate="print">
+              <a:extLst>
+                <a:ext uri="{BEBA8EAE-BF5A-486C-A8C5-ECC9F3942E4B}">
+                  <a14:imgProps xmlns:a14="http://schemas.microsoft.com/office/drawing/2010/main">
+                    <a14:imgLayer r:embed="rId3">
+                      <a14:imgEffect>
+                        <a14:backgroundRemoval t="4331" b="96588" l="3791" r="97778">
+                          <a14:foregroundMark x1="9020" y1="23622" x2="6667" y2="36745"/>
+                          <a14:foregroundMark x1="5752" y1="33465" x2="6667" y2="55774"/>
+                          <a14:foregroundMark x1="6667" y1="55774" x2="6013" y2="56693"/>
+                          <a14:foregroundMark x1="3137" y1="35039" x2="392" y2="42913"/>
+                          <a14:foregroundMark x1="392" y1="42913" x2="654" y2="52100"/>
+                          <a14:foregroundMark x1="654" y1="52100" x2="3791" y2="58399"/>
+                          <a14:foregroundMark x1="3791" y1="58399" x2="3791" y2="58530"/>
+                          <a14:foregroundMark x1="15425" y1="87664" x2="29542" y2="92520"/>
+                          <a14:foregroundMark x1="29542" y1="92520" x2="30327" y2="92388"/>
+                          <a14:foregroundMark x1="31373" y1="94751" x2="40654" y2="95013"/>
+                          <a14:foregroundMark x1="40654" y1="95013" x2="49020" y2="94357"/>
+                          <a14:foregroundMark x1="49020" y1="94357" x2="55556" y2="94488"/>
+                          <a14:foregroundMark x1="40000" y1="96850" x2="47582" y2="96063"/>
+                          <a14:foregroundMark x1="47582" y1="96063" x2="56078" y2="96719"/>
+                          <a14:foregroundMark x1="56078" y1="96719" x2="57516" y2="96457"/>
+                          <a14:foregroundMark x1="90196" y1="84908" x2="93595" y2="71522"/>
+                          <a14:foregroundMark x1="95425" y1="64829" x2="95948" y2="49081"/>
+                          <a14:foregroundMark x1="95948" y1="49081" x2="96209" y2="48819"/>
+                          <a14:foregroundMark x1="97778" y1="45801" x2="91634" y2="31496"/>
+                          <a14:foregroundMark x1="91634" y1="31496" x2="91765" y2="29265"/>
+                          <a14:foregroundMark x1="83791" y1="9974" x2="68889" y2="9974"/>
+                          <a14:foregroundMark x1="67451" y1="3412" x2="52288" y2="5381"/>
+                          <a14:foregroundMark x1="52288" y1="5381" x2="51765" y2="5906"/>
+                          <a14:foregroundMark x1="48235" y1="4331" x2="32157" y2="8005"/>
+                        </a14:backgroundRemoval>
+                      </a14:imgEffect>
+                    </a14:imgLayer>
+                  </a14:imgProps>
+                </a:ext>
+                <a:ext uri="{28A0092B-C50C-407E-A947-70E740481C1C}">
+                  <a14:useLocalDpi xmlns:a14="http://schemas.microsoft.com/office/drawing/2010/main" val="0"/>
+                </a:ext>
+              </a:extLst>
+            </a:blip>
+            <a:stretch>
+              <a:fillRect/>
+            </a:stretch>
+          </p:blipFill>
+          <p:spPr>
+            <a:xfrm>
+              <a:off x="3854419" y="1059094"/>
+              <a:ext cx="1798640" cy="1791587"/>
+            </a:xfrm>
+            <a:prstGeom prst="rect">
+              <a:avLst/>
+            </a:prstGeom>
+          </p:spPr>
+        </p:pic>
+        <p:cxnSp>
+          <p:nvCxnSpPr>
+            <p:cNvPr id="8" name="直線單箭頭接點 7">
+              <a:extLst>
+                <a:ext uri="{FF2B5EF4-FFF2-40B4-BE49-F238E27FC236}">
+                  <a16:creationId xmlns:a16="http://schemas.microsoft.com/office/drawing/2014/main" id="{C2D480FC-9AD0-4523-A501-89FBCF4F69D5}"/>
+                </a:ext>
+              </a:extLst>
+            </p:cNvPr>
+            <p:cNvCxnSpPr>
+              <a:cxnSpLocks/>
+            </p:cNvCxnSpPr>
+            <p:nvPr/>
+          </p:nvCxnSpPr>
+          <p:spPr>
+            <a:xfrm rot="16200000">
+              <a:off x="2630259" y="3245351"/>
+              <a:ext cx="829190" cy="0"/>
+            </a:xfrm>
+            <a:prstGeom prst="straightConnector1">
+              <a:avLst/>
+            </a:prstGeom>
+            <a:ln w="28575">
+              <a:solidFill>
+                <a:schemeClr val="tx1"/>
+              </a:solidFill>
+              <a:headEnd type="triangle"/>
+              <a:tailEnd type="triangle"/>
+            </a:ln>
+          </p:spPr>
+          <p:style>
+            <a:lnRef idx="1">
+              <a:schemeClr val="accent1"/>
+            </a:lnRef>
+            <a:fillRef idx="0">
+              <a:schemeClr val="accent1"/>
+            </a:fillRef>
+            <a:effectRef idx="0">
+              <a:schemeClr val="accent1"/>
+            </a:effectRef>
+            <a:fontRef idx="minor">
+              <a:schemeClr val="tx1"/>
+            </a:fontRef>
+          </p:style>
+        </p:cxnSp>
+        <p:grpSp>
+          <p:nvGrpSpPr>
+            <p:cNvPr id="12" name="群組 11">
+              <a:extLst>
+                <a:ext uri="{FF2B5EF4-FFF2-40B4-BE49-F238E27FC236}">
+                  <a16:creationId xmlns:a16="http://schemas.microsoft.com/office/drawing/2014/main" id="{BFB38CFE-92F4-423F-9FD3-5B0AEE3D1797}"/>
+                </a:ext>
+              </a:extLst>
+            </p:cNvPr>
+            <p:cNvGrpSpPr/>
+            <p:nvPr/>
+          </p:nvGrpSpPr>
+          <p:grpSpPr>
+            <a:xfrm rot="16200000">
+              <a:off x="1866601" y="-573809"/>
+              <a:ext cx="5040000" cy="5040000"/>
+              <a:chOff x="1813190" y="1787649"/>
+              <a:chExt cx="5400000" cy="5400000"/>
+            </a:xfrm>
+          </p:grpSpPr>
+          <p:sp>
+            <p:nvSpPr>
+              <p:cNvPr id="14" name="局部圓 13">
+                <a:extLst>
+                  <a:ext uri="{FF2B5EF4-FFF2-40B4-BE49-F238E27FC236}">
+                    <a16:creationId xmlns:a16="http://schemas.microsoft.com/office/drawing/2014/main" id="{04B30D3D-05CE-42F0-AB89-A5859CC2B27B}"/>
+                  </a:ext>
+                </a:extLst>
+              </p:cNvPr>
+              <p:cNvSpPr/>
+              <p:nvPr/>
+            </p:nvSpPr>
+            <p:spPr>
+              <a:xfrm rot="4166908">
+                <a:off x="1813190" y="1787649"/>
+                <a:ext cx="5400000" cy="5400000"/>
+              </a:xfrm>
+              <a:prstGeom prst="pie">
+                <a:avLst>
+                  <a:gd name="adj1" fmla="val 9530196"/>
+                  <a:gd name="adj2" fmla="val 14612134"/>
+                </a:avLst>
+              </a:prstGeom>
+              <a:noFill/>
+              <a:ln>
+                <a:solidFill>
+                  <a:schemeClr val="tx1"/>
+                </a:solidFill>
+              </a:ln>
+            </p:spPr>
+            <p:style>
+              <a:lnRef idx="2">
+                <a:schemeClr val="accent1">
+                  <a:shade val="50000"/>
+                </a:schemeClr>
+              </a:lnRef>
+              <a:fillRef idx="1">
+                <a:schemeClr val="accent1"/>
+              </a:fillRef>
+              <a:effectRef idx="0">
+                <a:schemeClr val="accent1"/>
+              </a:effectRef>
+              <a:fontRef idx="minor">
+                <a:schemeClr val="lt1"/>
+              </a:fontRef>
+            </p:style>
+            <p:txBody>
+              <a:bodyPr rtlCol="0" anchor="ctr"/>
+              <a:lstStyle/>
+              <a:p>
+                <a:pPr algn="ctr"/>
+                <a:endParaRPr lang="zh-TW" altLang="en-US">
+                  <a:solidFill>
+                    <a:schemeClr val="tx1"/>
+                  </a:solidFill>
+                </a:endParaRPr>
+              </a:p>
+            </p:txBody>
+          </p:sp>
+          <p:sp>
+            <p:nvSpPr>
+              <p:cNvPr id="15" name="局部圓 14">
+                <a:extLst>
+                  <a:ext uri="{FF2B5EF4-FFF2-40B4-BE49-F238E27FC236}">
+                    <a16:creationId xmlns:a16="http://schemas.microsoft.com/office/drawing/2014/main" id="{94940D63-0B84-41D3-9305-22105D0B9925}"/>
+                  </a:ext>
+                </a:extLst>
+              </p:cNvPr>
+              <p:cNvSpPr/>
+              <p:nvPr/>
+            </p:nvSpPr>
+            <p:spPr>
+              <a:xfrm rot="4166908">
+                <a:off x="4153189" y="4127649"/>
+                <a:ext cx="720000" cy="720000"/>
+              </a:xfrm>
+              <a:prstGeom prst="pie">
+                <a:avLst>
+                  <a:gd name="adj1" fmla="val 9530196"/>
+                  <a:gd name="adj2" fmla="val 14612134"/>
+                </a:avLst>
+              </a:prstGeom>
+              <a:noFill/>
+              <a:ln>
+                <a:solidFill>
+                  <a:schemeClr val="tx1"/>
+                </a:solidFill>
+              </a:ln>
+            </p:spPr>
+            <p:style>
+              <a:lnRef idx="2">
+                <a:schemeClr val="accent1">
+                  <a:shade val="50000"/>
+                </a:schemeClr>
+              </a:lnRef>
+              <a:fillRef idx="1">
+                <a:schemeClr val="accent1"/>
+              </a:fillRef>
+              <a:effectRef idx="0">
+                <a:schemeClr val="accent1"/>
+              </a:effectRef>
+              <a:fontRef idx="minor">
+                <a:schemeClr val="lt1"/>
+              </a:fontRef>
+            </p:style>
+            <p:txBody>
+              <a:bodyPr rtlCol="0" anchor="ctr"/>
+              <a:lstStyle/>
+              <a:p>
+                <a:pPr algn="ctr"/>
+                <a:endParaRPr lang="zh-TW" altLang="en-US">
+                  <a:solidFill>
+                    <a:schemeClr val="tx1"/>
+                  </a:solidFill>
+                </a:endParaRPr>
+              </a:p>
+            </p:txBody>
+          </p:sp>
+        </p:grpSp>
+        <p:cxnSp>
+          <p:nvCxnSpPr>
+            <p:cNvPr id="20" name="直線單箭頭接點 19">
+              <a:extLst>
+                <a:ext uri="{FF2B5EF4-FFF2-40B4-BE49-F238E27FC236}">
+                  <a16:creationId xmlns:a16="http://schemas.microsoft.com/office/drawing/2014/main" id="{ADD0D92B-DCD5-4918-98A2-F0396437C195}"/>
+                </a:ext>
+              </a:extLst>
+            </p:cNvPr>
+            <p:cNvCxnSpPr>
+              <a:cxnSpLocks/>
+            </p:cNvCxnSpPr>
+            <p:nvPr/>
+          </p:nvCxnSpPr>
+          <p:spPr>
+            <a:xfrm>
+              <a:off x="3025229" y="3637086"/>
+              <a:ext cx="829190" cy="0"/>
+            </a:xfrm>
+            <a:prstGeom prst="straightConnector1">
+              <a:avLst/>
+            </a:prstGeom>
+            <a:ln w="28575">
+              <a:solidFill>
+                <a:schemeClr val="tx1"/>
+              </a:solidFill>
+              <a:headEnd type="triangle"/>
+              <a:tailEnd type="triangle"/>
+            </a:ln>
+          </p:spPr>
+          <p:style>
+            <a:lnRef idx="1">
+              <a:schemeClr val="accent1"/>
+            </a:lnRef>
+            <a:fillRef idx="0">
+              <a:schemeClr val="accent1"/>
+            </a:fillRef>
+            <a:effectRef idx="0">
+              <a:schemeClr val="accent1"/>
+            </a:effectRef>
+            <a:fontRef idx="minor">
+              <a:schemeClr val="tx1"/>
+            </a:fontRef>
+          </p:style>
+        </p:cxnSp>
+        <p:sp>
+          <p:nvSpPr>
+            <p:cNvPr id="21" name="矩形 20">
+              <a:extLst>
+                <a:ext uri="{FF2B5EF4-FFF2-40B4-BE49-F238E27FC236}">
+                  <a16:creationId xmlns:a16="http://schemas.microsoft.com/office/drawing/2014/main" id="{4B7AE395-7066-46A9-8251-7D962363944C}"/>
+                </a:ext>
+              </a:extLst>
+            </p:cNvPr>
+            <p:cNvSpPr/>
+            <p:nvPr/>
+          </p:nvSpPr>
+          <p:spPr>
+            <a:xfrm>
+              <a:off x="1858298" y="3659946"/>
+              <a:ext cx="370345" cy="806245"/>
+            </a:xfrm>
+            <a:prstGeom prst="rect">
+              <a:avLst/>
+            </a:prstGeom>
+            <a:solidFill>
+              <a:schemeClr val="bg1"/>
+            </a:solidFill>
+            <a:ln>
+              <a:solidFill>
+                <a:schemeClr val="bg1"/>
+              </a:solidFill>
+            </a:ln>
+          </p:spPr>
+          <p:style>
+            <a:lnRef idx="2">
+              <a:schemeClr val="accent1">
+                <a:shade val="50000"/>
+              </a:schemeClr>
+            </a:lnRef>
+            <a:fillRef idx="1">
+              <a:schemeClr val="accent1"/>
+            </a:fillRef>
+            <a:effectRef idx="0">
+              <a:schemeClr val="accent1"/>
+            </a:effectRef>
+            <a:fontRef idx="minor">
+              <a:schemeClr val="lt1"/>
+            </a:fontRef>
+          </p:style>
+          <p:txBody>
+            <a:bodyPr rtlCol="0" anchor="ctr"/>
+            <a:lstStyle/>
+            <a:p>
+              <a:pPr algn="ctr"/>
+              <a:endParaRPr lang="zh-TW" altLang="en-US"/>
+            </a:p>
+          </p:txBody>
+        </p:sp>
+        <p:sp>
+          <p:nvSpPr>
+            <p:cNvPr id="49" name="文字方塊 48">
+              <a:extLst>
+                <a:ext uri="{FF2B5EF4-FFF2-40B4-BE49-F238E27FC236}">
+                  <a16:creationId xmlns:a16="http://schemas.microsoft.com/office/drawing/2014/main" id="{836F5DB1-B8F0-4FEA-A733-0A5360BB4D3A}"/>
+                </a:ext>
+              </a:extLst>
+            </p:cNvPr>
+            <p:cNvSpPr txBox="1"/>
+            <p:nvPr/>
+          </p:nvSpPr>
+          <p:spPr>
+            <a:xfrm>
+              <a:off x="3044854" y="3735911"/>
+              <a:ext cx="1404577" cy="369332"/>
+            </a:xfrm>
+            <a:prstGeom prst="rect">
+              <a:avLst/>
+            </a:prstGeom>
+            <a:noFill/>
+          </p:spPr>
+          <p:txBody>
+            <a:bodyPr wrap="square" rtlCol="0">
+              <a:spAutoFit/>
+            </a:bodyPr>
+            <a:lstStyle/>
+            <a:p>
+              <a:r>
+                <a:rPr lang="en-US" altLang="zh-TW" dirty="0"/>
+                <a:t>safe distance</a:t>
+              </a:r>
+              <a:endParaRPr lang="zh-TW" altLang="en-US" dirty="0"/>
+            </a:p>
+          </p:txBody>
+        </p:sp>
+      </p:grpSp>
+    </p:spTree>
+    <p:extLst>
+      <p:ext uri="{BB962C8B-B14F-4D97-AF65-F5344CB8AC3E}">
+        <p14:creationId xmlns:p14="http://schemas.microsoft.com/office/powerpoint/2010/main" val="4116752561"/>
+      </p:ext>
+    </p:extLst>
+  </p:cSld>
+  <p:clrMapOvr>
+    <a:masterClrMapping/>
+  </p:clrMapOvr>
+</p:sld>
+</file>
+
+<file path=ppt/slides/slide5.xml><?xml version="1.0" encoding="utf-8"?>
+<p:sld xmlns:a="http://schemas.openxmlformats.org/drawingml/2006/main" xmlns:r="http://schemas.openxmlformats.org/officeDocument/2006/relationships" xmlns:p="http://schemas.openxmlformats.org/presentationml/2006/main">
+  <p:cSld>
+    <p:spTree>
+      <p:nvGrpSpPr>
+        <p:cNvPr id="1" name=""/>
+        <p:cNvGrpSpPr/>
+        <p:nvPr/>
+      </p:nvGrpSpPr>
+      <p:grpSpPr>
+        <a:xfrm>
+          <a:off x="0" y="0"/>
+          <a:ext cx="0" cy="0"/>
+          <a:chOff x="0" y="0"/>
+          <a:chExt cx="0" cy="0"/>
+        </a:xfrm>
+      </p:grpSpPr>
+      <p:grpSp>
+        <p:nvGrpSpPr>
+          <p:cNvPr id="13" name="群組 12">
+            <a:extLst>
+              <a:ext uri="{FF2B5EF4-FFF2-40B4-BE49-F238E27FC236}">
+                <a16:creationId xmlns:a16="http://schemas.microsoft.com/office/drawing/2014/main" id="{A2F46E47-31F2-44DA-A205-7B2EDEC42330}"/>
+              </a:ext>
+            </a:extLst>
+          </p:cNvPr>
+          <p:cNvGrpSpPr/>
+          <p:nvPr/>
+        </p:nvGrpSpPr>
+        <p:grpSpPr>
+          <a:xfrm>
+            <a:off x="1191191" y="-573809"/>
+            <a:ext cx="5715410" cy="7132108"/>
+            <a:chOff x="1191191" y="-573809"/>
+            <a:chExt cx="5715410" cy="7132108"/>
+          </a:xfrm>
+        </p:grpSpPr>
+        <p:grpSp>
+          <p:nvGrpSpPr>
+            <p:cNvPr id="3" name="群組 2">
+              <a:extLst>
+                <a:ext uri="{FF2B5EF4-FFF2-40B4-BE49-F238E27FC236}">
+                  <a16:creationId xmlns:a16="http://schemas.microsoft.com/office/drawing/2014/main" id="{B9004B0A-660F-43B0-AF4E-C9201E972329}"/>
+                </a:ext>
+              </a:extLst>
+            </p:cNvPr>
+            <p:cNvGrpSpPr/>
+            <p:nvPr/>
+          </p:nvGrpSpPr>
+          <p:grpSpPr>
+            <a:xfrm>
+              <a:off x="1191191" y="3011003"/>
+              <a:ext cx="2530763" cy="3547296"/>
+              <a:chOff x="595067" y="1299467"/>
+              <a:chExt cx="2530763" cy="3547296"/>
+            </a:xfrm>
+          </p:grpSpPr>
+          <p:sp>
+            <p:nvSpPr>
+              <p:cNvPr id="4" name="矩形 3">
+                <a:extLst>
+                  <a:ext uri="{FF2B5EF4-FFF2-40B4-BE49-F238E27FC236}">
+                    <a16:creationId xmlns:a16="http://schemas.microsoft.com/office/drawing/2014/main" id="{975547AB-9D53-4365-8C4B-1BFF28246ACF}"/>
+                  </a:ext>
+                </a:extLst>
+              </p:cNvPr>
+              <p:cNvSpPr/>
+              <p:nvPr/>
+            </p:nvSpPr>
+            <p:spPr>
+              <a:xfrm rot="1358478">
+                <a:off x="595067" y="1299467"/>
+                <a:ext cx="2530763" cy="45719"/>
+              </a:xfrm>
+              <a:prstGeom prst="rect">
+                <a:avLst/>
+              </a:prstGeom>
+              <a:solidFill>
+                <a:schemeClr val="tx1"/>
+              </a:solidFill>
+              <a:ln>
+                <a:noFill/>
+              </a:ln>
+            </p:spPr>
+            <p:style>
+              <a:lnRef idx="2">
+                <a:schemeClr val="accent1">
+                  <a:shade val="50000"/>
+                </a:schemeClr>
+              </a:lnRef>
+              <a:fillRef idx="1">
+                <a:schemeClr val="accent1"/>
+              </a:fillRef>
+              <a:effectRef idx="0">
+                <a:schemeClr val="accent1"/>
+              </a:effectRef>
+              <a:fontRef idx="minor">
+                <a:schemeClr val="lt1"/>
+              </a:fontRef>
+            </p:style>
+            <p:txBody>
+              <a:bodyPr rtlCol="0" anchor="ctr"/>
+              <a:lstStyle/>
+              <a:p>
+                <a:pPr algn="ctr"/>
+                <a:endParaRPr lang="zh-TW" altLang="en-US"/>
+              </a:p>
+            </p:txBody>
+          </p:sp>
+          <p:sp>
+            <p:nvSpPr>
+              <p:cNvPr id="5" name="矩形 4">
+                <a:extLst>
+                  <a:ext uri="{FF2B5EF4-FFF2-40B4-BE49-F238E27FC236}">
+                    <a16:creationId xmlns:a16="http://schemas.microsoft.com/office/drawing/2014/main" id="{7228C107-7180-4E85-9EEB-83612D55F264}"/>
+                  </a:ext>
+                </a:extLst>
+              </p:cNvPr>
+              <p:cNvSpPr/>
+              <p:nvPr/>
+            </p:nvSpPr>
+            <p:spPr>
+              <a:xfrm rot="16200000" flipV="1">
+                <a:off x="1486796" y="3296448"/>
+                <a:ext cx="3054910" cy="45719"/>
+              </a:xfrm>
+              <a:prstGeom prst="rect">
+                <a:avLst/>
+              </a:prstGeom>
+              <a:solidFill>
+                <a:schemeClr val="tx1"/>
+              </a:solidFill>
+              <a:ln>
+                <a:noFill/>
+              </a:ln>
+            </p:spPr>
+            <p:style>
+              <a:lnRef idx="2">
+                <a:schemeClr val="accent1">
+                  <a:shade val="50000"/>
+                </a:schemeClr>
+              </a:lnRef>
+              <a:fillRef idx="1">
+                <a:schemeClr val="accent1"/>
+              </a:fillRef>
+              <a:effectRef idx="0">
+                <a:schemeClr val="accent1"/>
+              </a:effectRef>
+              <a:fontRef idx="minor">
+                <a:schemeClr val="lt1"/>
+              </a:fontRef>
+            </p:style>
+            <p:txBody>
+              <a:bodyPr rtlCol="0" anchor="ctr"/>
+              <a:lstStyle/>
+              <a:p>
+                <a:endParaRPr lang="zh-TW" altLang="en-US" dirty="0"/>
+              </a:p>
+            </p:txBody>
+          </p:sp>
+        </p:grpSp>
+        <p:pic>
+          <p:nvPicPr>
+            <p:cNvPr id="8" name="圖片 7">
+              <a:extLst>
+                <a:ext uri="{FF2B5EF4-FFF2-40B4-BE49-F238E27FC236}">
+                  <a16:creationId xmlns:a16="http://schemas.microsoft.com/office/drawing/2014/main" id="{2CB53CD8-C9CA-4A53-96A6-6AD0B9C2A3A3}"/>
+                </a:ext>
+              </a:extLst>
+            </p:cNvPr>
+            <p:cNvPicPr>
+              <a:picLocks noChangeAspect="1"/>
+            </p:cNvPicPr>
+            <p:nvPr/>
+          </p:nvPicPr>
+          <p:blipFill>
+            <a:blip r:embed="rId2" cstate="print">
+              <a:extLst>
+                <a:ext uri="{BEBA8EAE-BF5A-486C-A8C5-ECC9F3942E4B}">
+                  <a14:imgProps xmlns:a14="http://schemas.microsoft.com/office/drawing/2010/main">
+                    <a14:imgLayer r:embed="rId3">
+                      <a14:imgEffect>
+                        <a14:backgroundRemoval t="4331" b="96588" l="3791" r="97778">
+                          <a14:foregroundMark x1="9020" y1="23622" x2="6667" y2="36745"/>
+                          <a14:foregroundMark x1="5752" y1="33465" x2="6667" y2="55774"/>
+                          <a14:foregroundMark x1="6667" y1="55774" x2="6013" y2="56693"/>
+                          <a14:foregroundMark x1="3137" y1="35039" x2="392" y2="42913"/>
+                          <a14:foregroundMark x1="392" y1="42913" x2="654" y2="52100"/>
+                          <a14:foregroundMark x1="654" y1="52100" x2="3791" y2="58399"/>
+                          <a14:foregroundMark x1="3791" y1="58399" x2="3791" y2="58530"/>
+                          <a14:foregroundMark x1="15425" y1="87664" x2="29542" y2="92520"/>
+                          <a14:foregroundMark x1="29542" y1="92520" x2="30327" y2="92388"/>
+                          <a14:foregroundMark x1="31373" y1="94751" x2="40654" y2="95013"/>
+                          <a14:foregroundMark x1="40654" y1="95013" x2="49020" y2="94357"/>
+                          <a14:foregroundMark x1="49020" y1="94357" x2="55556" y2="94488"/>
+                          <a14:foregroundMark x1="40000" y1="96850" x2="47582" y2="96063"/>
+                          <a14:foregroundMark x1="47582" y1="96063" x2="56078" y2="96719"/>
+                          <a14:foregroundMark x1="56078" y1="96719" x2="57516" y2="96457"/>
+                          <a14:foregroundMark x1="90196" y1="84908" x2="93595" y2="71522"/>
+                          <a14:foregroundMark x1="95425" y1="64829" x2="95948" y2="49081"/>
+                          <a14:foregroundMark x1="95948" y1="49081" x2="96209" y2="48819"/>
+                          <a14:foregroundMark x1="97778" y1="45801" x2="91634" y2="31496"/>
+                          <a14:foregroundMark x1="91634" y1="31496" x2="91765" y2="29265"/>
+                          <a14:foregroundMark x1="83791" y1="9974" x2="68889" y2="9974"/>
+                          <a14:foregroundMark x1="67451" y1="3412" x2="52288" y2="5381"/>
+                          <a14:foregroundMark x1="52288" y1="5381" x2="51765" y2="5906"/>
+                          <a14:foregroundMark x1="48235" y1="4331" x2="32157" y2="8005"/>
+                        </a14:backgroundRemoval>
+                      </a14:imgEffect>
+                    </a14:imgLayer>
+                  </a14:imgProps>
+                </a:ext>
+                <a:ext uri="{28A0092B-C50C-407E-A947-70E740481C1C}">
+                  <a14:useLocalDpi xmlns:a14="http://schemas.microsoft.com/office/drawing/2010/main" val="0"/>
+                </a:ext>
+              </a:extLst>
+            </a:blip>
+            <a:stretch>
+              <a:fillRect/>
+            </a:stretch>
+          </p:blipFill>
+          <p:spPr>
+            <a:xfrm rot="1226639">
+              <a:off x="3889483" y="1179167"/>
+              <a:ext cx="1798640" cy="1791587"/>
+            </a:xfrm>
+            <a:prstGeom prst="rect">
+              <a:avLst/>
+            </a:prstGeom>
+          </p:spPr>
+        </p:pic>
+        <p:grpSp>
+          <p:nvGrpSpPr>
+            <p:cNvPr id="9" name="群組 8">
+              <a:extLst>
+                <a:ext uri="{FF2B5EF4-FFF2-40B4-BE49-F238E27FC236}">
+                  <a16:creationId xmlns:a16="http://schemas.microsoft.com/office/drawing/2014/main" id="{1709E1A8-6E0D-4005-A48D-C2119BFCD0D4}"/>
+                </a:ext>
+              </a:extLst>
+            </p:cNvPr>
+            <p:cNvGrpSpPr/>
+            <p:nvPr/>
+          </p:nvGrpSpPr>
+          <p:grpSpPr>
+            <a:xfrm rot="17426639">
+              <a:off x="1866601" y="-573809"/>
+              <a:ext cx="5040000" cy="5040000"/>
+              <a:chOff x="1813190" y="1787649"/>
+              <a:chExt cx="5400000" cy="5400000"/>
+            </a:xfrm>
+          </p:grpSpPr>
+          <p:sp>
+            <p:nvSpPr>
+              <p:cNvPr id="10" name="局部圓 9">
+                <a:extLst>
+                  <a:ext uri="{FF2B5EF4-FFF2-40B4-BE49-F238E27FC236}">
+                    <a16:creationId xmlns:a16="http://schemas.microsoft.com/office/drawing/2014/main" id="{9307310B-0468-4FA3-9F54-873AB9AC27B7}"/>
+                  </a:ext>
+                </a:extLst>
+              </p:cNvPr>
+              <p:cNvSpPr/>
+              <p:nvPr/>
+            </p:nvSpPr>
+            <p:spPr>
+              <a:xfrm rot="4166908">
+                <a:off x="1813190" y="1787649"/>
+                <a:ext cx="5400000" cy="5400000"/>
+              </a:xfrm>
+              <a:prstGeom prst="pie">
+                <a:avLst>
+                  <a:gd name="adj1" fmla="val 9530196"/>
+                  <a:gd name="adj2" fmla="val 14612134"/>
+                </a:avLst>
+              </a:prstGeom>
+              <a:noFill/>
+              <a:ln>
+                <a:solidFill>
+                  <a:schemeClr val="tx1"/>
+                </a:solidFill>
+              </a:ln>
+            </p:spPr>
+            <p:style>
+              <a:lnRef idx="2">
+                <a:schemeClr val="accent1">
+                  <a:shade val="50000"/>
+                </a:schemeClr>
+              </a:lnRef>
+              <a:fillRef idx="1">
+                <a:schemeClr val="accent1"/>
+              </a:fillRef>
+              <a:effectRef idx="0">
+                <a:schemeClr val="accent1"/>
+              </a:effectRef>
+              <a:fontRef idx="minor">
+                <a:schemeClr val="lt1"/>
+              </a:fontRef>
+            </p:style>
+            <p:txBody>
+              <a:bodyPr rtlCol="0" anchor="ctr"/>
+              <a:lstStyle/>
+              <a:p>
+                <a:pPr algn="ctr"/>
+                <a:endParaRPr lang="zh-TW" altLang="en-US">
+                  <a:solidFill>
+                    <a:schemeClr val="tx1"/>
+                  </a:solidFill>
+                </a:endParaRPr>
+              </a:p>
+            </p:txBody>
+          </p:sp>
+          <p:sp>
+            <p:nvSpPr>
+              <p:cNvPr id="11" name="局部圓 10">
+                <a:extLst>
+                  <a:ext uri="{FF2B5EF4-FFF2-40B4-BE49-F238E27FC236}">
+                    <a16:creationId xmlns:a16="http://schemas.microsoft.com/office/drawing/2014/main" id="{9DEA697E-0312-41CC-AA0E-37BE5DC3FEC6}"/>
+                  </a:ext>
+                </a:extLst>
+              </p:cNvPr>
+              <p:cNvSpPr/>
+              <p:nvPr/>
+            </p:nvSpPr>
+            <p:spPr>
+              <a:xfrm rot="4166908">
+                <a:off x="4153189" y="4127649"/>
+                <a:ext cx="720000" cy="720000"/>
+              </a:xfrm>
+              <a:prstGeom prst="pie">
+                <a:avLst>
+                  <a:gd name="adj1" fmla="val 9530196"/>
+                  <a:gd name="adj2" fmla="val 14612134"/>
+                </a:avLst>
+              </a:prstGeom>
+              <a:noFill/>
+              <a:ln>
+                <a:solidFill>
+                  <a:schemeClr val="tx1"/>
+                </a:solidFill>
+              </a:ln>
+            </p:spPr>
+            <p:style>
+              <a:lnRef idx="2">
+                <a:schemeClr val="accent1">
+                  <a:shade val="50000"/>
+                </a:schemeClr>
+              </a:lnRef>
+              <a:fillRef idx="1">
+                <a:schemeClr val="accent1"/>
+              </a:fillRef>
+              <a:effectRef idx="0">
+                <a:schemeClr val="accent1"/>
+              </a:effectRef>
+              <a:fontRef idx="minor">
+                <a:schemeClr val="lt1"/>
+              </a:fontRef>
+            </p:style>
+            <p:txBody>
+              <a:bodyPr rtlCol="0" anchor="ctr"/>
+              <a:lstStyle/>
+              <a:p>
+                <a:pPr algn="ctr"/>
+                <a:endParaRPr lang="zh-TW" altLang="en-US">
+                  <a:solidFill>
+                    <a:schemeClr val="tx1"/>
+                  </a:solidFill>
+                </a:endParaRPr>
+              </a:p>
+            </p:txBody>
+          </p:sp>
+        </p:grpSp>
+        <p:sp>
+          <p:nvSpPr>
+            <p:cNvPr id="12" name="箭號: 向上 11">
+              <a:extLst>
+                <a:ext uri="{FF2B5EF4-FFF2-40B4-BE49-F238E27FC236}">
+                  <a16:creationId xmlns:a16="http://schemas.microsoft.com/office/drawing/2014/main" id="{C523E4E9-A7C6-4146-BEC5-69450C687613}"/>
+                </a:ext>
+              </a:extLst>
+            </p:cNvPr>
+            <p:cNvSpPr/>
+            <p:nvPr/>
+          </p:nvSpPr>
+          <p:spPr>
+            <a:xfrm rot="17546009">
+              <a:off x="3967450" y="2720660"/>
+              <a:ext cx="558923" cy="941760"/>
+            </a:xfrm>
+            <a:prstGeom prst="upArrow">
+              <a:avLst>
+                <a:gd name="adj1" fmla="val 50000"/>
+                <a:gd name="adj2" fmla="val 50291"/>
+              </a:avLst>
+            </a:prstGeom>
+          </p:spPr>
+          <p:style>
+            <a:lnRef idx="2">
+              <a:schemeClr val="dk1">
+                <a:shade val="50000"/>
+              </a:schemeClr>
+            </a:lnRef>
+            <a:fillRef idx="1">
+              <a:schemeClr val="dk1"/>
+            </a:fillRef>
+            <a:effectRef idx="0">
+              <a:schemeClr val="dk1"/>
+            </a:effectRef>
+            <a:fontRef idx="minor">
+              <a:schemeClr val="lt1"/>
+            </a:fontRef>
+          </p:style>
+          <p:txBody>
+            <a:bodyPr rtlCol="0" anchor="ctr"/>
+            <a:lstStyle/>
+            <a:p>
+              <a:pPr algn="ctr"/>
+              <a:endParaRPr lang="zh-TW" altLang="en-US"/>
+            </a:p>
+          </p:txBody>
+        </p:sp>
+      </p:grpSp>
+    </p:spTree>
+    <p:extLst>
+      <p:ext uri="{BB962C8B-B14F-4D97-AF65-F5344CB8AC3E}">
+        <p14:creationId xmlns:p14="http://schemas.microsoft.com/office/powerpoint/2010/main" val="4269146649"/>
+      </p:ext>
+    </p:extLst>
+  </p:cSld>
+  <p:clrMapOvr>
+    <a:masterClrMapping/>
+  </p:clrMapOvr>
+</p:sld>
+</file>
+
+<file path=ppt/slides/slide6.xml><?xml version="1.0" encoding="utf-8"?>
+<p:sld xmlns:a="http://schemas.openxmlformats.org/drawingml/2006/main" xmlns:r="http://schemas.openxmlformats.org/officeDocument/2006/relationships" xmlns:p="http://schemas.openxmlformats.org/presentationml/2006/main">
+  <p:cSld>
+    <p:spTree>
+      <p:nvGrpSpPr>
+        <p:cNvPr id="1" name=""/>
+        <p:cNvGrpSpPr/>
+        <p:nvPr/>
+      </p:nvGrpSpPr>
+      <p:grpSpPr>
+        <a:xfrm>
+          <a:off x="0" y="0"/>
+          <a:ext cx="0" cy="0"/>
+          <a:chOff x="0" y="0"/>
+          <a:chExt cx="0" cy="0"/>
+        </a:xfrm>
+      </p:grpSpPr>
+      <p:grpSp>
+        <p:nvGrpSpPr>
+          <p:cNvPr id="10" name="群組 9">
+            <a:extLst>
+              <a:ext uri="{FF2B5EF4-FFF2-40B4-BE49-F238E27FC236}">
+                <a16:creationId xmlns:a16="http://schemas.microsoft.com/office/drawing/2014/main" id="{EF145291-C112-4CE8-9DC1-9F7151B7CB8A}"/>
+              </a:ext>
+            </a:extLst>
+          </p:cNvPr>
+          <p:cNvGrpSpPr/>
+          <p:nvPr/>
+        </p:nvGrpSpPr>
+        <p:grpSpPr>
+          <a:xfrm>
+            <a:off x="872836" y="-128931"/>
+            <a:ext cx="10132291" cy="2222124"/>
+            <a:chOff x="1145309" y="886905"/>
+            <a:chExt cx="10132291" cy="2222124"/>
+          </a:xfrm>
+        </p:grpSpPr>
+        <p:sp>
+          <p:nvSpPr>
+            <p:cNvPr id="2" name="矩形: 圓角 1">
+              <a:extLst>
+                <a:ext uri="{FF2B5EF4-FFF2-40B4-BE49-F238E27FC236}">
+                  <a16:creationId xmlns:a16="http://schemas.microsoft.com/office/drawing/2014/main" id="{076C2ECC-4832-4E08-9FAE-2DC324379BF5}"/>
+                </a:ext>
+              </a:extLst>
+            </p:cNvPr>
+            <p:cNvSpPr/>
+            <p:nvPr/>
+          </p:nvSpPr>
+          <p:spPr>
+            <a:xfrm>
+              <a:off x="1145309" y="1533236"/>
+              <a:ext cx="10132291" cy="1560946"/>
+            </a:xfrm>
+            <a:prstGeom prst="roundRect">
+              <a:avLst/>
+            </a:prstGeom>
+            <a:solidFill>
+              <a:schemeClr val="bg1"/>
+            </a:solidFill>
+            <a:ln w="38100"/>
+          </p:spPr>
+          <p:style>
+            <a:lnRef idx="2">
+              <a:schemeClr val="accent1">
+                <a:shade val="50000"/>
+              </a:schemeClr>
+            </a:lnRef>
+            <a:fillRef idx="1">
+              <a:schemeClr val="accent1"/>
+            </a:fillRef>
+            <a:effectRef idx="0">
+              <a:schemeClr val="accent1"/>
+            </a:effectRef>
+            <a:fontRef idx="minor">
+              <a:schemeClr val="lt1"/>
+            </a:fontRef>
+          </p:style>
+          <p:txBody>
+            <a:bodyPr rtlCol="0" anchor="ctr"/>
+            <a:lstStyle/>
+            <a:p>
+              <a:pPr algn="ctr"/>
+              <a:endParaRPr lang="zh-TW" altLang="en-US"/>
+            </a:p>
+          </p:txBody>
+        </p:sp>
+        <p:sp>
+          <p:nvSpPr>
+            <p:cNvPr id="3" name="文字方塊 2">
+              <a:extLst>
+                <a:ext uri="{FF2B5EF4-FFF2-40B4-BE49-F238E27FC236}">
+                  <a16:creationId xmlns:a16="http://schemas.microsoft.com/office/drawing/2014/main" id="{8B2EAF0F-43FD-4409-AA2C-C86B14D91A7E}"/>
+                </a:ext>
+              </a:extLst>
+            </p:cNvPr>
+            <p:cNvSpPr txBox="1"/>
+            <p:nvPr/>
+          </p:nvSpPr>
+          <p:spPr>
+            <a:xfrm>
+              <a:off x="1145309" y="886905"/>
+              <a:ext cx="3380510" cy="646331"/>
+            </a:xfrm>
+            <a:prstGeom prst="rect">
+              <a:avLst/>
+            </a:prstGeom>
+            <a:noFill/>
+          </p:spPr>
+          <p:txBody>
+            <a:bodyPr wrap="square" rtlCol="0">
+              <a:spAutoFit/>
+            </a:bodyPr>
+            <a:lstStyle/>
+            <a:p>
+              <a:r>
+                <a:rPr lang="en-US" altLang="zh-TW" sz="3600" dirty="0">
+                  <a:solidFill>
+                    <a:schemeClr val="tx2"/>
+                  </a:solidFill>
+                </a:rPr>
+                <a:t>Searching Queue</a:t>
+              </a:r>
+              <a:endParaRPr lang="zh-TW" altLang="en-US" sz="3600" dirty="0">
+                <a:solidFill>
+                  <a:schemeClr val="tx2"/>
+                </a:solidFill>
+              </a:endParaRPr>
+            </a:p>
+          </p:txBody>
+        </p:sp>
+        <p:sp>
+          <p:nvSpPr>
+            <p:cNvPr id="4" name="橢圓 3">
+              <a:extLst>
+                <a:ext uri="{FF2B5EF4-FFF2-40B4-BE49-F238E27FC236}">
+                  <a16:creationId xmlns:a16="http://schemas.microsoft.com/office/drawing/2014/main" id="{687C190C-DD8F-4BB2-903A-25F7AD7D282F}"/>
+                </a:ext>
+              </a:extLst>
+            </p:cNvPr>
+            <p:cNvSpPr/>
+            <p:nvPr/>
+          </p:nvSpPr>
+          <p:spPr>
+            <a:xfrm>
+              <a:off x="1496292" y="1593709"/>
+              <a:ext cx="1440000" cy="1440000"/>
+            </a:xfrm>
+            <a:prstGeom prst="ellipse">
+              <a:avLst/>
+            </a:prstGeom>
+          </p:spPr>
+          <p:style>
+            <a:lnRef idx="2">
+              <a:schemeClr val="accent2">
+                <a:shade val="50000"/>
+              </a:schemeClr>
+            </a:lnRef>
+            <a:fillRef idx="1">
+              <a:schemeClr val="accent2"/>
+            </a:fillRef>
+            <a:effectRef idx="0">
+              <a:schemeClr val="accent2"/>
+            </a:effectRef>
+            <a:fontRef idx="minor">
+              <a:schemeClr val="lt1"/>
+            </a:fontRef>
+          </p:style>
+          <p:txBody>
+            <a:bodyPr rtlCol="0" anchor="ctr"/>
+            <a:lstStyle/>
+            <a:p>
+              <a:pPr algn="ctr"/>
+              <a:endParaRPr lang="zh-TW" altLang="en-US" dirty="0"/>
+            </a:p>
+          </p:txBody>
+        </p:sp>
+        <p:sp>
+          <p:nvSpPr>
+            <p:cNvPr id="5" name="橢圓 4">
+              <a:extLst>
+                <a:ext uri="{FF2B5EF4-FFF2-40B4-BE49-F238E27FC236}">
+                  <a16:creationId xmlns:a16="http://schemas.microsoft.com/office/drawing/2014/main" id="{DE9B57A4-8E67-49CE-B583-A2D9ED062B4C}"/>
+                </a:ext>
+              </a:extLst>
+            </p:cNvPr>
+            <p:cNvSpPr/>
+            <p:nvPr/>
+          </p:nvSpPr>
+          <p:spPr>
+            <a:xfrm>
+              <a:off x="3287275" y="1593709"/>
+              <a:ext cx="1440000" cy="1440000"/>
+            </a:xfrm>
+            <a:prstGeom prst="ellipse">
+              <a:avLst/>
+            </a:prstGeom>
+          </p:spPr>
+          <p:style>
+            <a:lnRef idx="2">
+              <a:schemeClr val="accent6">
+                <a:shade val="50000"/>
+              </a:schemeClr>
+            </a:lnRef>
+            <a:fillRef idx="1">
+              <a:schemeClr val="accent6"/>
+            </a:fillRef>
+            <a:effectRef idx="0">
+              <a:schemeClr val="accent6"/>
+            </a:effectRef>
+            <a:fontRef idx="minor">
+              <a:schemeClr val="lt1"/>
+            </a:fontRef>
+          </p:style>
+          <p:txBody>
+            <a:bodyPr rtlCol="0" anchor="ctr"/>
+            <a:lstStyle/>
+            <a:p>
+              <a:pPr algn="ctr"/>
+              <a:endParaRPr lang="zh-TW" altLang="en-US"/>
+            </a:p>
+          </p:txBody>
+        </p:sp>
+        <p:sp>
+          <p:nvSpPr>
+            <p:cNvPr id="6" name="橢圓 5">
+              <a:extLst>
+                <a:ext uri="{FF2B5EF4-FFF2-40B4-BE49-F238E27FC236}">
+                  <a16:creationId xmlns:a16="http://schemas.microsoft.com/office/drawing/2014/main" id="{A80E9937-C3BA-4AD2-9F21-B77B1FFAF988}"/>
+                </a:ext>
+              </a:extLst>
+            </p:cNvPr>
+            <p:cNvSpPr/>
+            <p:nvPr/>
+          </p:nvSpPr>
+          <p:spPr>
+            <a:xfrm>
+              <a:off x="5078258" y="1593709"/>
+              <a:ext cx="1440000" cy="1440000"/>
+            </a:xfrm>
+            <a:prstGeom prst="ellipse">
+              <a:avLst/>
+            </a:prstGeom>
+          </p:spPr>
+          <p:style>
+            <a:lnRef idx="2">
+              <a:schemeClr val="accent6">
+                <a:shade val="50000"/>
+              </a:schemeClr>
+            </a:lnRef>
+            <a:fillRef idx="1">
+              <a:schemeClr val="accent6"/>
+            </a:fillRef>
+            <a:effectRef idx="0">
+              <a:schemeClr val="accent6"/>
+            </a:effectRef>
+            <a:fontRef idx="minor">
+              <a:schemeClr val="lt1"/>
+            </a:fontRef>
+          </p:style>
+          <p:txBody>
+            <a:bodyPr rtlCol="0" anchor="ctr"/>
+            <a:lstStyle/>
+            <a:p>
+              <a:pPr algn="ctr"/>
+              <a:endParaRPr lang="zh-TW" altLang="en-US"/>
+            </a:p>
+          </p:txBody>
+        </p:sp>
+        <p:sp>
+          <p:nvSpPr>
+            <p:cNvPr id="7" name="文字方塊 6">
+              <a:extLst>
+                <a:ext uri="{FF2B5EF4-FFF2-40B4-BE49-F238E27FC236}">
+                  <a16:creationId xmlns:a16="http://schemas.microsoft.com/office/drawing/2014/main" id="{DF348F65-8DC7-4E58-BE3E-A99176E64E7B}"/>
+                </a:ext>
+              </a:extLst>
+            </p:cNvPr>
+            <p:cNvSpPr txBox="1"/>
+            <p:nvPr/>
+          </p:nvSpPr>
+          <p:spPr>
+            <a:xfrm>
+              <a:off x="1496292" y="1600924"/>
+              <a:ext cx="1440000" cy="1508105"/>
+            </a:xfrm>
+            <a:prstGeom prst="rect">
+              <a:avLst/>
+            </a:prstGeom>
+            <a:noFill/>
+          </p:spPr>
+          <p:txBody>
+            <a:bodyPr wrap="square" rtlCol="0">
+              <a:spAutoFit/>
+            </a:bodyPr>
+            <a:lstStyle/>
+            <a:p>
+              <a:pPr algn="ctr"/>
+              <a:r>
+                <a:rPr lang="en-US" altLang="zh-TW" sz="6000" dirty="0">
+                  <a:solidFill>
+                    <a:schemeClr val="bg1"/>
+                  </a:solidFill>
+                </a:rPr>
+                <a:t>6</a:t>
+              </a:r>
+            </a:p>
+            <a:p>
+              <a:r>
+                <a:rPr lang="en-US" altLang="zh-TW" sz="2000" dirty="0">
+                  <a:solidFill>
+                    <a:schemeClr val="bg1"/>
+                  </a:solidFill>
+                </a:rPr>
+                <a:t>     </a:t>
+              </a:r>
+              <a:r>
+                <a:rPr lang="en-US" altLang="zh-TW" sz="3200" dirty="0">
+                  <a:solidFill>
+                    <a:schemeClr val="bg1"/>
+                  </a:solidFill>
+                </a:rPr>
+                <a:t>1   5</a:t>
+              </a:r>
+              <a:endParaRPr lang="zh-TW" altLang="en-US" sz="3200" dirty="0">
+                <a:solidFill>
+                  <a:schemeClr val="bg1"/>
+                </a:solidFill>
+              </a:endParaRPr>
+            </a:p>
+          </p:txBody>
+        </p:sp>
+        <p:sp>
+          <p:nvSpPr>
+            <p:cNvPr id="8" name="文字方塊 7">
+              <a:extLst>
+                <a:ext uri="{FF2B5EF4-FFF2-40B4-BE49-F238E27FC236}">
+                  <a16:creationId xmlns:a16="http://schemas.microsoft.com/office/drawing/2014/main" id="{E7FB3FD8-35BA-4512-94C1-C8FE808A1967}"/>
+                </a:ext>
+              </a:extLst>
+            </p:cNvPr>
+            <p:cNvSpPr txBox="1"/>
+            <p:nvPr/>
+          </p:nvSpPr>
+          <p:spPr>
+            <a:xfrm>
+              <a:off x="3287275" y="1600924"/>
+              <a:ext cx="1440000" cy="1508105"/>
+            </a:xfrm>
+            <a:prstGeom prst="rect">
+              <a:avLst/>
+            </a:prstGeom>
+            <a:noFill/>
+          </p:spPr>
+          <p:txBody>
+            <a:bodyPr wrap="square" rtlCol="0">
+              <a:spAutoFit/>
+            </a:bodyPr>
+            <a:lstStyle/>
+            <a:p>
+              <a:pPr algn="ctr"/>
+              <a:r>
+                <a:rPr lang="en-US" altLang="zh-TW" sz="6000" dirty="0">
+                  <a:solidFill>
+                    <a:schemeClr val="bg1"/>
+                  </a:solidFill>
+                </a:rPr>
+                <a:t>6</a:t>
+              </a:r>
+            </a:p>
+            <a:p>
+              <a:r>
+                <a:rPr lang="en-US" altLang="zh-TW" sz="2000" dirty="0">
+                  <a:solidFill>
+                    <a:schemeClr val="bg1"/>
+                  </a:solidFill>
+                </a:rPr>
+                <a:t>     </a:t>
+              </a:r>
+              <a:r>
+                <a:rPr lang="en-US" altLang="zh-TW" sz="3200" dirty="0">
+                  <a:solidFill>
+                    <a:schemeClr val="bg1"/>
+                  </a:solidFill>
+                </a:rPr>
+                <a:t>1   5</a:t>
+              </a:r>
+              <a:endParaRPr lang="zh-TW" altLang="en-US" sz="3200" dirty="0">
+                <a:solidFill>
+                  <a:schemeClr val="bg1"/>
+                </a:solidFill>
+              </a:endParaRPr>
+            </a:p>
+          </p:txBody>
+        </p:sp>
+        <p:sp>
+          <p:nvSpPr>
+            <p:cNvPr id="9" name="文字方塊 8">
+              <a:extLst>
+                <a:ext uri="{FF2B5EF4-FFF2-40B4-BE49-F238E27FC236}">
+                  <a16:creationId xmlns:a16="http://schemas.microsoft.com/office/drawing/2014/main" id="{D5682A15-47C1-446F-A4E8-E2AFB39DFABD}"/>
+                </a:ext>
+              </a:extLst>
+            </p:cNvPr>
+            <p:cNvSpPr txBox="1"/>
+            <p:nvPr/>
+          </p:nvSpPr>
+          <p:spPr>
+            <a:xfrm>
+              <a:off x="5078258" y="1593709"/>
+              <a:ext cx="1440000" cy="1508105"/>
+            </a:xfrm>
+            <a:prstGeom prst="rect">
+              <a:avLst/>
+            </a:prstGeom>
+            <a:noFill/>
+          </p:spPr>
+          <p:txBody>
+            <a:bodyPr wrap="square" rtlCol="0">
+              <a:spAutoFit/>
+            </a:bodyPr>
+            <a:lstStyle/>
+            <a:p>
+              <a:pPr algn="ctr"/>
+              <a:r>
+                <a:rPr lang="en-US" altLang="zh-TW" sz="6000" dirty="0">
+                  <a:solidFill>
+                    <a:schemeClr val="bg1"/>
+                  </a:solidFill>
+                </a:rPr>
+                <a:t>7</a:t>
+              </a:r>
+            </a:p>
+            <a:p>
+              <a:r>
+                <a:rPr lang="en-US" altLang="zh-TW" sz="2000" dirty="0">
+                  <a:solidFill>
+                    <a:schemeClr val="bg1"/>
+                  </a:solidFill>
+                </a:rPr>
+                <a:t>     </a:t>
+              </a:r>
+              <a:r>
+                <a:rPr lang="en-US" altLang="zh-TW" sz="3200" dirty="0">
+                  <a:solidFill>
+                    <a:schemeClr val="bg1"/>
+                  </a:solidFill>
+                </a:rPr>
+                <a:t>1   6</a:t>
+              </a:r>
+              <a:endParaRPr lang="zh-TW" altLang="en-US" sz="3200" dirty="0">
+                <a:solidFill>
+                  <a:schemeClr val="bg1"/>
+                </a:solidFill>
+              </a:endParaRPr>
+            </a:p>
+          </p:txBody>
+        </p:sp>
+      </p:grpSp>
+      <p:grpSp>
+        <p:nvGrpSpPr>
+          <p:cNvPr id="11" name="群組 10">
+            <a:extLst>
+              <a:ext uri="{FF2B5EF4-FFF2-40B4-BE49-F238E27FC236}">
+                <a16:creationId xmlns:a16="http://schemas.microsoft.com/office/drawing/2014/main" id="{7CAB7BCD-4330-4415-97EF-F1FF81FD1511}"/>
+              </a:ext>
+            </a:extLst>
+          </p:cNvPr>
+          <p:cNvGrpSpPr/>
+          <p:nvPr/>
+        </p:nvGrpSpPr>
+        <p:grpSpPr>
+          <a:xfrm>
+            <a:off x="872836" y="2004543"/>
+            <a:ext cx="10132291" cy="2222124"/>
+            <a:chOff x="1145309" y="886905"/>
+            <a:chExt cx="10132291" cy="2222124"/>
+          </a:xfrm>
+        </p:grpSpPr>
+        <p:sp>
+          <p:nvSpPr>
+            <p:cNvPr id="12" name="矩形: 圓角 11">
+              <a:extLst>
+                <a:ext uri="{FF2B5EF4-FFF2-40B4-BE49-F238E27FC236}">
+                  <a16:creationId xmlns:a16="http://schemas.microsoft.com/office/drawing/2014/main" id="{DE62C617-C8CD-41D5-AB30-DAD0093AC66B}"/>
+                </a:ext>
+              </a:extLst>
+            </p:cNvPr>
+            <p:cNvSpPr/>
+            <p:nvPr/>
+          </p:nvSpPr>
+          <p:spPr>
+            <a:xfrm>
+              <a:off x="1145309" y="1533236"/>
+              <a:ext cx="10132291" cy="1560946"/>
+            </a:xfrm>
+            <a:prstGeom prst="roundRect">
+              <a:avLst/>
+            </a:prstGeom>
+            <a:solidFill>
+              <a:schemeClr val="bg1"/>
+            </a:solidFill>
+            <a:ln w="38100"/>
+          </p:spPr>
+          <p:style>
+            <a:lnRef idx="2">
+              <a:schemeClr val="accent1">
+                <a:shade val="50000"/>
+              </a:schemeClr>
+            </a:lnRef>
+            <a:fillRef idx="1">
+              <a:schemeClr val="accent1"/>
+            </a:fillRef>
+            <a:effectRef idx="0">
+              <a:schemeClr val="accent1"/>
+            </a:effectRef>
+            <a:fontRef idx="minor">
+              <a:schemeClr val="lt1"/>
+            </a:fontRef>
+          </p:style>
+          <p:txBody>
+            <a:bodyPr rtlCol="0" anchor="ctr"/>
+            <a:lstStyle/>
+            <a:p>
+              <a:pPr algn="ctr"/>
+              <a:endParaRPr lang="zh-TW" altLang="en-US"/>
+            </a:p>
+          </p:txBody>
+        </p:sp>
+        <p:sp>
+          <p:nvSpPr>
+            <p:cNvPr id="13" name="文字方塊 12">
+              <a:extLst>
+                <a:ext uri="{FF2B5EF4-FFF2-40B4-BE49-F238E27FC236}">
+                  <a16:creationId xmlns:a16="http://schemas.microsoft.com/office/drawing/2014/main" id="{EBDE82DA-D457-418E-9FC1-D9569566F865}"/>
+                </a:ext>
+              </a:extLst>
+            </p:cNvPr>
+            <p:cNvSpPr txBox="1"/>
+            <p:nvPr/>
+          </p:nvSpPr>
+          <p:spPr>
+            <a:xfrm>
+              <a:off x="1145309" y="886905"/>
+              <a:ext cx="3380510" cy="646331"/>
+            </a:xfrm>
+            <a:prstGeom prst="rect">
+              <a:avLst/>
+            </a:prstGeom>
+            <a:noFill/>
+          </p:spPr>
+          <p:txBody>
+            <a:bodyPr wrap="square" rtlCol="0">
+              <a:spAutoFit/>
+            </a:bodyPr>
+            <a:lstStyle/>
+            <a:p>
+              <a:r>
+                <a:rPr lang="en-US" altLang="zh-TW" sz="3600" dirty="0">
+                  <a:solidFill>
+                    <a:schemeClr val="tx2"/>
+                  </a:solidFill>
+                </a:rPr>
+                <a:t>Searching Queue</a:t>
+              </a:r>
+              <a:endParaRPr lang="zh-TW" altLang="en-US" sz="3600" dirty="0">
+                <a:solidFill>
+                  <a:schemeClr val="tx2"/>
+                </a:solidFill>
+              </a:endParaRPr>
+            </a:p>
+          </p:txBody>
+        </p:sp>
+        <p:sp>
+          <p:nvSpPr>
+            <p:cNvPr id="14" name="橢圓 13">
+              <a:extLst>
+                <a:ext uri="{FF2B5EF4-FFF2-40B4-BE49-F238E27FC236}">
+                  <a16:creationId xmlns:a16="http://schemas.microsoft.com/office/drawing/2014/main" id="{64CC53FD-28BE-40F7-8A8E-DDCC0859E7A8}"/>
+                </a:ext>
+              </a:extLst>
+            </p:cNvPr>
+            <p:cNvSpPr/>
+            <p:nvPr/>
+          </p:nvSpPr>
+          <p:spPr>
+            <a:xfrm>
+              <a:off x="1496292" y="1593709"/>
+              <a:ext cx="1440000" cy="1440000"/>
+            </a:xfrm>
+            <a:prstGeom prst="ellipse">
+              <a:avLst/>
+            </a:prstGeom>
+          </p:spPr>
+          <p:style>
+            <a:lnRef idx="2">
+              <a:schemeClr val="accent2">
+                <a:shade val="50000"/>
+              </a:schemeClr>
+            </a:lnRef>
+            <a:fillRef idx="1">
+              <a:schemeClr val="accent2"/>
+            </a:fillRef>
+            <a:effectRef idx="0">
+              <a:schemeClr val="accent2"/>
+            </a:effectRef>
+            <a:fontRef idx="minor">
+              <a:schemeClr val="lt1"/>
+            </a:fontRef>
+          </p:style>
+          <p:txBody>
+            <a:bodyPr rtlCol="0" anchor="ctr"/>
+            <a:lstStyle/>
+            <a:p>
+              <a:pPr algn="ctr"/>
+              <a:endParaRPr lang="zh-TW" altLang="en-US" dirty="0"/>
+            </a:p>
+          </p:txBody>
+        </p:sp>
+        <p:sp>
+          <p:nvSpPr>
+            <p:cNvPr id="15" name="橢圓 14">
+              <a:extLst>
+                <a:ext uri="{FF2B5EF4-FFF2-40B4-BE49-F238E27FC236}">
+                  <a16:creationId xmlns:a16="http://schemas.microsoft.com/office/drawing/2014/main" id="{71D854DF-336B-4CAF-A8F7-D11939C69A49}"/>
+                </a:ext>
+              </a:extLst>
+            </p:cNvPr>
+            <p:cNvSpPr/>
+            <p:nvPr/>
+          </p:nvSpPr>
+          <p:spPr>
+            <a:xfrm>
+              <a:off x="3287275" y="1593709"/>
+              <a:ext cx="1440000" cy="1440000"/>
+            </a:xfrm>
+            <a:prstGeom prst="ellipse">
+              <a:avLst/>
+            </a:prstGeom>
+          </p:spPr>
+          <p:style>
+            <a:lnRef idx="2">
+              <a:schemeClr val="accent6">
+                <a:shade val="50000"/>
+              </a:schemeClr>
+            </a:lnRef>
+            <a:fillRef idx="1">
+              <a:schemeClr val="accent6"/>
+            </a:fillRef>
+            <a:effectRef idx="0">
+              <a:schemeClr val="accent6"/>
+            </a:effectRef>
+            <a:fontRef idx="minor">
+              <a:schemeClr val="lt1"/>
+            </a:fontRef>
+          </p:style>
+          <p:txBody>
+            <a:bodyPr rtlCol="0" anchor="ctr"/>
+            <a:lstStyle/>
+            <a:p>
+              <a:pPr algn="ctr"/>
+              <a:endParaRPr lang="zh-TW" altLang="en-US"/>
+            </a:p>
+          </p:txBody>
+        </p:sp>
+        <p:sp>
+          <p:nvSpPr>
+            <p:cNvPr id="16" name="橢圓 15">
+              <a:extLst>
+                <a:ext uri="{FF2B5EF4-FFF2-40B4-BE49-F238E27FC236}">
+                  <a16:creationId xmlns:a16="http://schemas.microsoft.com/office/drawing/2014/main" id="{DC72268F-C87C-424E-A4A8-5F2FD2CF630A}"/>
+                </a:ext>
+              </a:extLst>
+            </p:cNvPr>
+            <p:cNvSpPr/>
+            <p:nvPr/>
+          </p:nvSpPr>
+          <p:spPr>
+            <a:xfrm>
+              <a:off x="5078258" y="1593709"/>
+              <a:ext cx="1440000" cy="1440000"/>
+            </a:xfrm>
+            <a:prstGeom prst="ellipse">
+              <a:avLst/>
+            </a:prstGeom>
+          </p:spPr>
+          <p:style>
+            <a:lnRef idx="2">
+              <a:schemeClr val="accent6">
+                <a:shade val="50000"/>
+              </a:schemeClr>
+            </a:lnRef>
+            <a:fillRef idx="1">
+              <a:schemeClr val="accent6"/>
+            </a:fillRef>
+            <a:effectRef idx="0">
+              <a:schemeClr val="accent6"/>
+            </a:effectRef>
+            <a:fontRef idx="minor">
+              <a:schemeClr val="lt1"/>
+            </a:fontRef>
+          </p:style>
+          <p:txBody>
+            <a:bodyPr rtlCol="0" anchor="ctr"/>
+            <a:lstStyle/>
+            <a:p>
+              <a:pPr algn="ctr"/>
+              <a:endParaRPr lang="zh-TW" altLang="en-US"/>
+            </a:p>
+          </p:txBody>
+        </p:sp>
+        <p:sp>
+          <p:nvSpPr>
+            <p:cNvPr id="17" name="文字方塊 16">
+              <a:extLst>
+                <a:ext uri="{FF2B5EF4-FFF2-40B4-BE49-F238E27FC236}">
+                  <a16:creationId xmlns:a16="http://schemas.microsoft.com/office/drawing/2014/main" id="{A577C498-3952-4269-BE93-1C1FD3A23BBB}"/>
+                </a:ext>
+              </a:extLst>
+            </p:cNvPr>
+            <p:cNvSpPr txBox="1"/>
+            <p:nvPr/>
+          </p:nvSpPr>
+          <p:spPr>
+            <a:xfrm>
+              <a:off x="1496292" y="1600924"/>
+              <a:ext cx="1440000" cy="1508105"/>
+            </a:xfrm>
+            <a:prstGeom prst="rect">
+              <a:avLst/>
+            </a:prstGeom>
+            <a:noFill/>
+          </p:spPr>
+          <p:txBody>
+            <a:bodyPr wrap="square" rtlCol="0">
+              <a:spAutoFit/>
+            </a:bodyPr>
+            <a:lstStyle/>
+            <a:p>
+              <a:pPr algn="ctr"/>
+              <a:r>
+                <a:rPr lang="en-US" altLang="zh-TW" sz="6000" dirty="0">
+                  <a:solidFill>
+                    <a:schemeClr val="bg1"/>
+                  </a:solidFill>
+                </a:rPr>
+                <a:t>6</a:t>
+              </a:r>
+            </a:p>
+            <a:p>
+              <a:r>
+                <a:rPr lang="en-US" altLang="zh-TW" sz="2000" dirty="0">
+                  <a:solidFill>
+                    <a:schemeClr val="bg1"/>
+                  </a:solidFill>
+                </a:rPr>
+                <a:t>     </a:t>
+              </a:r>
+              <a:r>
+                <a:rPr lang="en-US" altLang="zh-TW" sz="3200" dirty="0">
+                  <a:solidFill>
+                    <a:schemeClr val="bg1"/>
+                  </a:solidFill>
+                </a:rPr>
+                <a:t>2   4</a:t>
+              </a:r>
+              <a:endParaRPr lang="zh-TW" altLang="en-US" sz="3200" dirty="0">
+                <a:solidFill>
+                  <a:schemeClr val="bg1"/>
+                </a:solidFill>
+              </a:endParaRPr>
+            </a:p>
+          </p:txBody>
+        </p:sp>
+        <p:sp>
+          <p:nvSpPr>
+            <p:cNvPr id="18" name="文字方塊 17">
+              <a:extLst>
+                <a:ext uri="{FF2B5EF4-FFF2-40B4-BE49-F238E27FC236}">
+                  <a16:creationId xmlns:a16="http://schemas.microsoft.com/office/drawing/2014/main" id="{5CD787F8-3D96-4F74-810B-B30777178C27}"/>
+                </a:ext>
+              </a:extLst>
+            </p:cNvPr>
+            <p:cNvSpPr txBox="1"/>
+            <p:nvPr/>
+          </p:nvSpPr>
+          <p:spPr>
+            <a:xfrm>
+              <a:off x="3287275" y="1600924"/>
+              <a:ext cx="1440000" cy="1508105"/>
+            </a:xfrm>
+            <a:prstGeom prst="rect">
+              <a:avLst/>
+            </a:prstGeom>
+            <a:noFill/>
+          </p:spPr>
+          <p:txBody>
+            <a:bodyPr wrap="square" rtlCol="0">
+              <a:spAutoFit/>
+            </a:bodyPr>
+            <a:lstStyle/>
+            <a:p>
+              <a:pPr algn="ctr"/>
+              <a:r>
+                <a:rPr lang="en-US" altLang="zh-TW" sz="6000" dirty="0">
+                  <a:solidFill>
+                    <a:schemeClr val="bg1"/>
+                  </a:solidFill>
+                </a:rPr>
+                <a:t>6</a:t>
+              </a:r>
+            </a:p>
+            <a:p>
+              <a:r>
+                <a:rPr lang="en-US" altLang="zh-TW" sz="2000" dirty="0">
+                  <a:solidFill>
+                    <a:schemeClr val="bg1"/>
+                  </a:solidFill>
+                </a:rPr>
+                <a:t>     </a:t>
+              </a:r>
+              <a:r>
+                <a:rPr lang="en-US" altLang="zh-TW" sz="3200" dirty="0">
+                  <a:solidFill>
+                    <a:schemeClr val="bg1"/>
+                  </a:solidFill>
+                </a:rPr>
+                <a:t>1   5</a:t>
+              </a:r>
+              <a:endParaRPr lang="zh-TW" altLang="en-US" sz="3200" dirty="0">
+                <a:solidFill>
+                  <a:schemeClr val="bg1"/>
+                </a:solidFill>
+              </a:endParaRPr>
+            </a:p>
+          </p:txBody>
+        </p:sp>
+        <p:sp>
+          <p:nvSpPr>
+            <p:cNvPr id="19" name="文字方塊 18">
+              <a:extLst>
+                <a:ext uri="{FF2B5EF4-FFF2-40B4-BE49-F238E27FC236}">
+                  <a16:creationId xmlns:a16="http://schemas.microsoft.com/office/drawing/2014/main" id="{0748118D-E536-426E-B452-94DD044E1EF9}"/>
+                </a:ext>
+              </a:extLst>
+            </p:cNvPr>
+            <p:cNvSpPr txBox="1"/>
+            <p:nvPr/>
+          </p:nvSpPr>
+          <p:spPr>
+            <a:xfrm>
+              <a:off x="5078258" y="1593709"/>
+              <a:ext cx="1440000" cy="1508105"/>
+            </a:xfrm>
+            <a:prstGeom prst="rect">
+              <a:avLst/>
+            </a:prstGeom>
+            <a:noFill/>
+          </p:spPr>
+          <p:txBody>
+            <a:bodyPr wrap="square" rtlCol="0">
+              <a:spAutoFit/>
+            </a:bodyPr>
+            <a:lstStyle/>
+            <a:p>
+              <a:pPr algn="ctr"/>
+              <a:r>
+                <a:rPr lang="en-US" altLang="zh-TW" sz="6000" dirty="0">
+                  <a:solidFill>
+                    <a:schemeClr val="bg1"/>
+                  </a:solidFill>
+                </a:rPr>
+                <a:t>7</a:t>
+              </a:r>
+            </a:p>
+            <a:p>
+              <a:r>
+                <a:rPr lang="en-US" altLang="zh-TW" sz="2000" dirty="0">
+                  <a:solidFill>
+                    <a:schemeClr val="bg1"/>
+                  </a:solidFill>
+                </a:rPr>
+                <a:t>     </a:t>
+              </a:r>
+              <a:r>
+                <a:rPr lang="en-US" altLang="zh-TW" sz="3200" dirty="0">
+                  <a:solidFill>
+                    <a:schemeClr val="bg1"/>
+                  </a:solidFill>
+                </a:rPr>
+                <a:t>1   6</a:t>
+              </a:r>
+              <a:endParaRPr lang="zh-TW" altLang="en-US" sz="3200" dirty="0">
+                <a:solidFill>
+                  <a:schemeClr val="bg1"/>
+                </a:solidFill>
+              </a:endParaRPr>
+            </a:p>
+          </p:txBody>
+        </p:sp>
+      </p:grpSp>
+      <p:grpSp>
+        <p:nvGrpSpPr>
+          <p:cNvPr id="48" name="群組 47">
+            <a:extLst>
+              <a:ext uri="{FF2B5EF4-FFF2-40B4-BE49-F238E27FC236}">
+                <a16:creationId xmlns:a16="http://schemas.microsoft.com/office/drawing/2014/main" id="{70058BC7-F07A-434B-A680-C22A754B87FC}"/>
+              </a:ext>
+            </a:extLst>
+          </p:cNvPr>
+          <p:cNvGrpSpPr/>
+          <p:nvPr/>
+        </p:nvGrpSpPr>
+        <p:grpSpPr>
+          <a:xfrm>
+            <a:off x="872836" y="4296152"/>
+            <a:ext cx="10132291" cy="2207277"/>
+            <a:chOff x="872836" y="4296152"/>
+            <a:chExt cx="10132291" cy="2207277"/>
+          </a:xfrm>
+        </p:grpSpPr>
+        <p:grpSp>
+          <p:nvGrpSpPr>
+            <p:cNvPr id="38" name="群組 37">
+              <a:extLst>
+                <a:ext uri="{FF2B5EF4-FFF2-40B4-BE49-F238E27FC236}">
+                  <a16:creationId xmlns:a16="http://schemas.microsoft.com/office/drawing/2014/main" id="{7172E4A5-1DBC-4992-9E70-FBAFB1BABAA8}"/>
+                </a:ext>
+              </a:extLst>
+            </p:cNvPr>
+            <p:cNvGrpSpPr/>
+            <p:nvPr/>
+          </p:nvGrpSpPr>
+          <p:grpSpPr>
+            <a:xfrm>
+              <a:off x="872836" y="4296152"/>
+              <a:ext cx="10132291" cy="2207277"/>
+              <a:chOff x="762000" y="4478365"/>
+              <a:chExt cx="10132291" cy="2207277"/>
+            </a:xfrm>
+          </p:grpSpPr>
+          <p:grpSp>
+            <p:nvGrpSpPr>
+              <p:cNvPr id="39" name="群組 38">
+                <a:extLst>
+                  <a:ext uri="{FF2B5EF4-FFF2-40B4-BE49-F238E27FC236}">
+                    <a16:creationId xmlns:a16="http://schemas.microsoft.com/office/drawing/2014/main" id="{BF116A2E-D55C-40E7-9429-13480A6DA9DD}"/>
+                  </a:ext>
+                </a:extLst>
+              </p:cNvPr>
+              <p:cNvGrpSpPr/>
+              <p:nvPr/>
+            </p:nvGrpSpPr>
+            <p:grpSpPr>
+              <a:xfrm>
+                <a:off x="762000" y="4478365"/>
+                <a:ext cx="10132291" cy="2207277"/>
+                <a:chOff x="1145309" y="886905"/>
+                <a:chExt cx="10132291" cy="2207277"/>
+              </a:xfrm>
+            </p:grpSpPr>
+            <p:sp>
+              <p:nvSpPr>
+                <p:cNvPr id="42" name="矩形: 圓角 41">
+                  <a:extLst>
+                    <a:ext uri="{FF2B5EF4-FFF2-40B4-BE49-F238E27FC236}">
+                      <a16:creationId xmlns:a16="http://schemas.microsoft.com/office/drawing/2014/main" id="{0032FCBB-405A-4D5C-A20F-EA3F772628AD}"/>
+                    </a:ext>
+                  </a:extLst>
+                </p:cNvPr>
+                <p:cNvSpPr/>
+                <p:nvPr/>
+              </p:nvSpPr>
+              <p:spPr>
+                <a:xfrm>
+                  <a:off x="1145309" y="1533236"/>
+                  <a:ext cx="10132291" cy="1560946"/>
+                </a:xfrm>
+                <a:prstGeom prst="roundRect">
+                  <a:avLst/>
+                </a:prstGeom>
+                <a:solidFill>
+                  <a:schemeClr val="bg1"/>
+                </a:solidFill>
+                <a:ln w="38100"/>
+              </p:spPr>
+              <p:style>
+                <a:lnRef idx="2">
+                  <a:schemeClr val="accent1">
+                    <a:shade val="50000"/>
+                  </a:schemeClr>
+                </a:lnRef>
+                <a:fillRef idx="1">
+                  <a:schemeClr val="accent1"/>
+                </a:fillRef>
+                <a:effectRef idx="0">
+                  <a:schemeClr val="accent1"/>
+                </a:effectRef>
+                <a:fontRef idx="minor">
+                  <a:schemeClr val="lt1"/>
+                </a:fontRef>
+              </p:style>
+              <p:txBody>
+                <a:bodyPr rtlCol="0" anchor="ctr"/>
+                <a:lstStyle/>
+                <a:p>
+                  <a:pPr algn="ctr"/>
+                  <a:endParaRPr lang="zh-TW" altLang="en-US"/>
+                </a:p>
+              </p:txBody>
+            </p:sp>
+            <p:sp>
+              <p:nvSpPr>
+                <p:cNvPr id="43" name="文字方塊 42">
+                  <a:extLst>
+                    <a:ext uri="{FF2B5EF4-FFF2-40B4-BE49-F238E27FC236}">
+                      <a16:creationId xmlns:a16="http://schemas.microsoft.com/office/drawing/2014/main" id="{1AB8B27B-A982-44B0-A232-37FBC7B55999}"/>
+                    </a:ext>
+                  </a:extLst>
+                </p:cNvPr>
+                <p:cNvSpPr txBox="1"/>
+                <p:nvPr/>
+              </p:nvSpPr>
+              <p:spPr>
+                <a:xfrm>
+                  <a:off x="1145309" y="886905"/>
+                  <a:ext cx="4318000" cy="646331"/>
+                </a:xfrm>
+                <a:prstGeom prst="rect">
+                  <a:avLst/>
+                </a:prstGeom>
+                <a:noFill/>
+              </p:spPr>
+              <p:txBody>
+                <a:bodyPr wrap="square" rtlCol="0">
+                  <a:spAutoFit/>
+                </a:bodyPr>
+                <a:lstStyle/>
+                <a:p>
+                  <a:r>
+                    <a:rPr lang="en-US" altLang="zh-TW" sz="3600" dirty="0">
+                      <a:solidFill>
+                        <a:schemeClr val="tx2"/>
+                      </a:solidFill>
+                    </a:rPr>
+                    <a:t>Current Shortest Path</a:t>
+                  </a:r>
+                  <a:endParaRPr lang="zh-TW" altLang="en-US" sz="3600" dirty="0">
+                    <a:solidFill>
+                      <a:schemeClr val="tx2"/>
+                    </a:solidFill>
+                  </a:endParaRPr>
+                </a:p>
+              </p:txBody>
+            </p:sp>
+            <p:sp>
+              <p:nvSpPr>
+                <p:cNvPr id="45" name="橢圓 44">
+                  <a:extLst>
+                    <a:ext uri="{FF2B5EF4-FFF2-40B4-BE49-F238E27FC236}">
+                      <a16:creationId xmlns:a16="http://schemas.microsoft.com/office/drawing/2014/main" id="{72071FFA-3780-494C-A860-286409E0CA45}"/>
+                    </a:ext>
+                  </a:extLst>
+                </p:cNvPr>
+                <p:cNvSpPr/>
+                <p:nvPr/>
+              </p:nvSpPr>
+              <p:spPr>
+                <a:xfrm>
+                  <a:off x="1496292" y="1593707"/>
+                  <a:ext cx="1440000" cy="1440000"/>
+                </a:xfrm>
+                <a:prstGeom prst="ellipse">
+                  <a:avLst/>
+                </a:prstGeom>
+              </p:spPr>
+              <p:style>
+                <a:lnRef idx="2">
+                  <a:schemeClr val="accent6">
+                    <a:shade val="50000"/>
+                  </a:schemeClr>
+                </a:lnRef>
+                <a:fillRef idx="1">
+                  <a:schemeClr val="accent6"/>
+                </a:fillRef>
+                <a:effectRef idx="0">
+                  <a:schemeClr val="accent6"/>
+                </a:effectRef>
+                <a:fontRef idx="minor">
+                  <a:schemeClr val="lt1"/>
+                </a:fontRef>
+              </p:style>
+              <p:txBody>
+                <a:bodyPr rtlCol="0" anchor="ctr"/>
+                <a:lstStyle/>
+                <a:p>
+                  <a:pPr algn="ctr"/>
+                  <a:endParaRPr lang="zh-TW" altLang="en-US"/>
+                </a:p>
+              </p:txBody>
+            </p:sp>
+          </p:grpSp>
+          <p:sp>
+            <p:nvSpPr>
+              <p:cNvPr id="41" name="箭號: 向下 40">
+                <a:extLst>
+                  <a:ext uri="{FF2B5EF4-FFF2-40B4-BE49-F238E27FC236}">
+                    <a16:creationId xmlns:a16="http://schemas.microsoft.com/office/drawing/2014/main" id="{CD926687-2970-4B79-AEAD-5BC67390A3FA}"/>
+                  </a:ext>
+                </a:extLst>
+              </p:cNvPr>
+              <p:cNvSpPr/>
+              <p:nvPr/>
+            </p:nvSpPr>
+            <p:spPr>
+              <a:xfrm rot="16200000">
+                <a:off x="1472765" y="5340355"/>
+                <a:ext cx="720436" cy="1129621"/>
+              </a:xfrm>
+              <a:prstGeom prst="downArrow">
+                <a:avLst/>
+              </a:prstGeom>
+            </p:spPr>
+            <p:style>
+              <a:lnRef idx="2">
+                <a:schemeClr val="accent6"/>
+              </a:lnRef>
+              <a:fillRef idx="1">
+                <a:schemeClr val="lt1"/>
+              </a:fillRef>
+              <a:effectRef idx="0">
+                <a:schemeClr val="accent6"/>
+              </a:effectRef>
+              <a:fontRef idx="minor">
+                <a:schemeClr val="dk1"/>
+              </a:fontRef>
+            </p:style>
+            <p:txBody>
+              <a:bodyPr rtlCol="0" anchor="ctr"/>
+              <a:lstStyle/>
+              <a:p>
+                <a:pPr algn="ctr"/>
+                <a:endParaRPr lang="zh-TW" altLang="en-US"/>
+              </a:p>
+            </p:txBody>
+          </p:sp>
+        </p:grpSp>
+        <p:sp>
+          <p:nvSpPr>
+            <p:cNvPr id="46" name="橢圓 45">
+              <a:extLst>
+                <a:ext uri="{FF2B5EF4-FFF2-40B4-BE49-F238E27FC236}">
+                  <a16:creationId xmlns:a16="http://schemas.microsoft.com/office/drawing/2014/main" id="{FCC29246-F5DA-4899-B1C9-53BDB58D3CB3}"/>
+                </a:ext>
+              </a:extLst>
+            </p:cNvPr>
+            <p:cNvSpPr/>
+            <p:nvPr/>
+          </p:nvSpPr>
+          <p:spPr>
+            <a:xfrm>
+              <a:off x="3014802" y="5002954"/>
+              <a:ext cx="1440000" cy="1440000"/>
+            </a:xfrm>
+            <a:prstGeom prst="ellipse">
+              <a:avLst/>
+            </a:prstGeom>
+          </p:spPr>
+          <p:style>
+            <a:lnRef idx="2">
+              <a:schemeClr val="accent6">
+                <a:shade val="50000"/>
+              </a:schemeClr>
+            </a:lnRef>
+            <a:fillRef idx="1">
+              <a:schemeClr val="accent6"/>
+            </a:fillRef>
+            <a:effectRef idx="0">
+              <a:schemeClr val="accent6"/>
+            </a:effectRef>
+            <a:fontRef idx="minor">
+              <a:schemeClr val="lt1"/>
+            </a:fontRef>
+          </p:style>
+          <p:txBody>
+            <a:bodyPr rtlCol="0" anchor="ctr"/>
+            <a:lstStyle/>
+            <a:p>
+              <a:pPr algn="ctr"/>
+              <a:endParaRPr lang="zh-TW" altLang="en-US"/>
+            </a:p>
+          </p:txBody>
+        </p:sp>
+        <p:sp>
+          <p:nvSpPr>
+            <p:cNvPr id="47" name="箭號: 向下 46">
+              <a:extLst>
+                <a:ext uri="{FF2B5EF4-FFF2-40B4-BE49-F238E27FC236}">
+                  <a16:creationId xmlns:a16="http://schemas.microsoft.com/office/drawing/2014/main" id="{1C613B10-34C9-4BDD-91BC-8EC1F52AA41A}"/>
+                </a:ext>
+              </a:extLst>
+            </p:cNvPr>
+            <p:cNvSpPr/>
+            <p:nvPr/>
+          </p:nvSpPr>
+          <p:spPr>
+            <a:xfrm rot="16200000">
+              <a:off x="3374584" y="5158144"/>
+              <a:ext cx="720436" cy="1129621"/>
+            </a:xfrm>
+            <a:prstGeom prst="downArrow">
+              <a:avLst/>
+            </a:prstGeom>
+          </p:spPr>
+          <p:style>
+            <a:lnRef idx="2">
+              <a:schemeClr val="accent6"/>
+            </a:lnRef>
+            <a:fillRef idx="1">
+              <a:schemeClr val="lt1"/>
+            </a:fillRef>
+            <a:effectRef idx="0">
+              <a:schemeClr val="accent6"/>
+            </a:effectRef>
+            <a:fontRef idx="minor">
+              <a:schemeClr val="dk1"/>
+            </a:fontRef>
+          </p:style>
+          <p:txBody>
+            <a:bodyPr rtlCol="0" anchor="ctr"/>
+            <a:lstStyle/>
+            <a:p>
+              <a:pPr algn="ctr"/>
+              <a:endParaRPr lang="zh-TW" altLang="en-US"/>
+            </a:p>
+          </p:txBody>
+        </p:sp>
+      </p:grpSp>
+    </p:spTree>
+    <p:extLst>
+      <p:ext uri="{BB962C8B-B14F-4D97-AF65-F5344CB8AC3E}">
+        <p14:creationId xmlns:p14="http://schemas.microsoft.com/office/powerpoint/2010/main" val="2505407860"/>
+      </p:ext>
+    </p:extLst>
+  </p:cSld>
+  <p:clrMapOvr>
+    <a:masterClrMapping/>
+  </p:clrMapOvr>
+</p:sld>
+</file>
+
+<file path=ppt/slides/slide7.xml><?xml version="1.0" encoding="utf-8"?>
+<p:sld xmlns:a="http://schemas.openxmlformats.org/drawingml/2006/main" xmlns:r="http://schemas.openxmlformats.org/officeDocument/2006/relationships" xmlns:p="http://schemas.openxmlformats.org/presentationml/2006/main">
+  <p:cSld>
+    <p:spTree>
+      <p:nvGrpSpPr>
+        <p:cNvPr id="1" name=""/>
+        <p:cNvGrpSpPr/>
+        <p:nvPr/>
+      </p:nvGrpSpPr>
+      <p:grpSpPr>
+        <a:xfrm>
+          <a:off x="0" y="0"/>
+          <a:ext cx="0" cy="0"/>
+          <a:chOff x="0" y="0"/>
+          <a:chExt cx="0" cy="0"/>
+        </a:xfrm>
+      </p:grpSpPr>
+      <p:grpSp>
+        <p:nvGrpSpPr>
+          <p:cNvPr id="2" name="群組 1">
+            <a:extLst>
+              <a:ext uri="{FF2B5EF4-FFF2-40B4-BE49-F238E27FC236}">
+                <a16:creationId xmlns:a16="http://schemas.microsoft.com/office/drawing/2014/main" id="{0A533C76-940F-40DC-9326-F7B8064A6E8B}"/>
+              </a:ext>
+            </a:extLst>
+          </p:cNvPr>
+          <p:cNvGrpSpPr/>
+          <p:nvPr/>
+        </p:nvGrpSpPr>
+        <p:grpSpPr>
+          <a:xfrm>
+            <a:off x="973564" y="1697738"/>
+            <a:ext cx="10132291" cy="2207277"/>
+            <a:chOff x="762000" y="4478365"/>
+            <a:chExt cx="10132291" cy="2207277"/>
+          </a:xfrm>
+        </p:grpSpPr>
+        <p:grpSp>
+          <p:nvGrpSpPr>
+            <p:cNvPr id="3" name="群組 2">
+              <a:extLst>
+                <a:ext uri="{FF2B5EF4-FFF2-40B4-BE49-F238E27FC236}">
+                  <a16:creationId xmlns:a16="http://schemas.microsoft.com/office/drawing/2014/main" id="{DB7230DC-97D1-482A-B344-6FBBF6F25EBA}"/>
+                </a:ext>
+              </a:extLst>
+            </p:cNvPr>
+            <p:cNvGrpSpPr/>
+            <p:nvPr/>
+          </p:nvGrpSpPr>
+          <p:grpSpPr>
+            <a:xfrm>
+              <a:off x="762000" y="4478365"/>
+              <a:ext cx="10132291" cy="2207277"/>
+              <a:chOff x="1145309" y="886905"/>
+              <a:chExt cx="10132291" cy="2207277"/>
+            </a:xfrm>
+          </p:grpSpPr>
+          <p:sp>
+            <p:nvSpPr>
+              <p:cNvPr id="5" name="矩形: 圓角 4">
+                <a:extLst>
+                  <a:ext uri="{FF2B5EF4-FFF2-40B4-BE49-F238E27FC236}">
+                    <a16:creationId xmlns:a16="http://schemas.microsoft.com/office/drawing/2014/main" id="{B83C8DB9-5297-4F66-B654-5543FA9BE3C2}"/>
+                  </a:ext>
+                </a:extLst>
+              </p:cNvPr>
+              <p:cNvSpPr/>
+              <p:nvPr/>
+            </p:nvSpPr>
+            <p:spPr>
+              <a:xfrm>
+                <a:off x="1145309" y="1533236"/>
+                <a:ext cx="10132291" cy="1560946"/>
+              </a:xfrm>
+              <a:prstGeom prst="roundRect">
+                <a:avLst/>
+              </a:prstGeom>
+              <a:solidFill>
+                <a:schemeClr val="bg1"/>
+              </a:solidFill>
+              <a:ln w="38100"/>
+            </p:spPr>
+            <p:style>
+              <a:lnRef idx="2">
+                <a:schemeClr val="accent1">
+                  <a:shade val="50000"/>
+                </a:schemeClr>
+              </a:lnRef>
+              <a:fillRef idx="1">
+                <a:schemeClr val="accent1"/>
+              </a:fillRef>
+              <a:effectRef idx="0">
+                <a:schemeClr val="accent1"/>
+              </a:effectRef>
+              <a:fontRef idx="minor">
+                <a:schemeClr val="lt1"/>
+              </a:fontRef>
+            </p:style>
+            <p:txBody>
+              <a:bodyPr rtlCol="0" anchor="ctr"/>
+              <a:lstStyle/>
+              <a:p>
+                <a:pPr algn="ctr"/>
+                <a:endParaRPr lang="zh-TW" altLang="en-US"/>
+              </a:p>
+            </p:txBody>
+          </p:sp>
+          <p:sp>
+            <p:nvSpPr>
+              <p:cNvPr id="6" name="文字方塊 5">
+                <a:extLst>
+                  <a:ext uri="{FF2B5EF4-FFF2-40B4-BE49-F238E27FC236}">
+                    <a16:creationId xmlns:a16="http://schemas.microsoft.com/office/drawing/2014/main" id="{54E6222C-7D7C-464E-91BE-64D40A232D55}"/>
+                  </a:ext>
+                </a:extLst>
+              </p:cNvPr>
+              <p:cNvSpPr txBox="1"/>
+              <p:nvPr/>
+            </p:nvSpPr>
+            <p:spPr>
+              <a:xfrm>
+                <a:off x="1145309" y="886905"/>
+                <a:ext cx="4318000" cy="646331"/>
+              </a:xfrm>
+              <a:prstGeom prst="rect">
+                <a:avLst/>
+              </a:prstGeom>
+              <a:noFill/>
+            </p:spPr>
+            <p:txBody>
+              <a:bodyPr wrap="square" rtlCol="0">
+                <a:spAutoFit/>
+              </a:bodyPr>
+              <a:lstStyle/>
+              <a:p>
+                <a:r>
+                  <a:rPr lang="en-US" altLang="zh-TW" sz="3600">
+                    <a:solidFill>
+                      <a:schemeClr val="tx2"/>
+                    </a:solidFill>
+                  </a:rPr>
+                  <a:t>Current Shortest Path</a:t>
+                </a:r>
+                <a:endParaRPr lang="zh-TW" altLang="en-US" sz="3600" dirty="0">
+                  <a:solidFill>
+                    <a:schemeClr val="tx2"/>
+                  </a:solidFill>
+                </a:endParaRPr>
+              </a:p>
+            </p:txBody>
+          </p:sp>
+          <p:sp>
+            <p:nvSpPr>
+              <p:cNvPr id="7" name="橢圓 6">
+                <a:extLst>
+                  <a:ext uri="{FF2B5EF4-FFF2-40B4-BE49-F238E27FC236}">
+                    <a16:creationId xmlns:a16="http://schemas.microsoft.com/office/drawing/2014/main" id="{DC0D0EDE-575C-42F1-A6CF-995E9586C987}"/>
+                  </a:ext>
+                </a:extLst>
+              </p:cNvPr>
+              <p:cNvSpPr/>
+              <p:nvPr/>
+            </p:nvSpPr>
+            <p:spPr>
+              <a:xfrm>
+                <a:off x="1496292" y="1593709"/>
+                <a:ext cx="1440000" cy="1440000"/>
+              </a:xfrm>
+              <a:prstGeom prst="ellipse">
+                <a:avLst/>
+              </a:prstGeom>
+            </p:spPr>
+            <p:style>
+              <a:lnRef idx="2">
+                <a:schemeClr val="accent4">
+                  <a:shade val="50000"/>
+                </a:schemeClr>
+              </a:lnRef>
+              <a:fillRef idx="1">
+                <a:schemeClr val="accent4"/>
+              </a:fillRef>
+              <a:effectRef idx="0">
+                <a:schemeClr val="accent4"/>
+              </a:effectRef>
+              <a:fontRef idx="minor">
+                <a:schemeClr val="lt1"/>
+              </a:fontRef>
+            </p:style>
+            <p:txBody>
+              <a:bodyPr rtlCol="0" anchor="ctr"/>
+              <a:lstStyle/>
+              <a:p>
+                <a:pPr algn="ctr"/>
+                <a:endParaRPr lang="zh-TW" altLang="en-US" dirty="0"/>
+              </a:p>
+            </p:txBody>
+          </p:sp>
+        </p:grpSp>
+        <p:sp>
+          <p:nvSpPr>
+            <p:cNvPr id="4" name="箭號: 向下 3">
+              <a:extLst>
+                <a:ext uri="{FF2B5EF4-FFF2-40B4-BE49-F238E27FC236}">
+                  <a16:creationId xmlns:a16="http://schemas.microsoft.com/office/drawing/2014/main" id="{DDE767FB-9CDD-414E-91D8-2B821F990F28}"/>
+                </a:ext>
+              </a:extLst>
+            </p:cNvPr>
+            <p:cNvSpPr/>
+            <p:nvPr/>
+          </p:nvSpPr>
+          <p:spPr>
+            <a:xfrm>
+              <a:off x="1472765" y="5340358"/>
+              <a:ext cx="720436" cy="1129621"/>
+            </a:xfrm>
+            <a:prstGeom prst="downArrow">
+              <a:avLst/>
+            </a:prstGeom>
+          </p:spPr>
+          <p:style>
+            <a:lnRef idx="2">
+              <a:schemeClr val="accent4"/>
+            </a:lnRef>
+            <a:fillRef idx="1">
+              <a:schemeClr val="lt1"/>
+            </a:fillRef>
+            <a:effectRef idx="0">
+              <a:schemeClr val="accent4"/>
+            </a:effectRef>
+            <a:fontRef idx="minor">
+              <a:schemeClr val="dk1"/>
+            </a:fontRef>
+          </p:style>
+          <p:txBody>
+            <a:bodyPr rtlCol="0" anchor="ctr"/>
+            <a:lstStyle/>
+            <a:p>
+              <a:pPr algn="ctr"/>
+              <a:endParaRPr lang="zh-TW" altLang="en-US"/>
+            </a:p>
+          </p:txBody>
+        </p:sp>
+      </p:grpSp>
+      <p:sp>
+        <p:nvSpPr>
+          <p:cNvPr id="8" name="橢圓 7">
+            <a:extLst>
+              <a:ext uri="{FF2B5EF4-FFF2-40B4-BE49-F238E27FC236}">
+                <a16:creationId xmlns:a16="http://schemas.microsoft.com/office/drawing/2014/main" id="{C22ACD34-F4A2-44EB-A85D-A23BD6185E9D}"/>
+              </a:ext>
+            </a:extLst>
+          </p:cNvPr>
+          <p:cNvSpPr/>
+          <p:nvPr/>
+        </p:nvSpPr>
+        <p:spPr>
+          <a:xfrm>
+            <a:off x="3115530" y="2404542"/>
+            <a:ext cx="1440000" cy="1440000"/>
+          </a:xfrm>
+          <a:prstGeom prst="ellipse">
+            <a:avLst/>
+          </a:prstGeom>
+        </p:spPr>
+        <p:style>
+          <a:lnRef idx="2">
+            <a:schemeClr val="accent4">
+              <a:shade val="50000"/>
+            </a:schemeClr>
+          </a:lnRef>
+          <a:fillRef idx="1">
+            <a:schemeClr val="accent4"/>
+          </a:fillRef>
+          <a:effectRef idx="0">
+            <a:schemeClr val="accent4"/>
+          </a:effectRef>
+          <a:fontRef idx="minor">
+            <a:schemeClr val="lt1"/>
+          </a:fontRef>
+        </p:style>
+        <p:txBody>
+          <a:bodyPr rtlCol="0" anchor="ctr"/>
+          <a:lstStyle/>
+          <a:p>
+            <a:pPr algn="ctr"/>
+            <a:endParaRPr lang="zh-TW" altLang="en-US" dirty="0"/>
+          </a:p>
+        </p:txBody>
+      </p:sp>
+      <p:sp>
+        <p:nvSpPr>
+          <p:cNvPr id="9" name="箭號: 向下 8">
+            <a:extLst>
+              <a:ext uri="{FF2B5EF4-FFF2-40B4-BE49-F238E27FC236}">
+                <a16:creationId xmlns:a16="http://schemas.microsoft.com/office/drawing/2014/main" id="{47378494-4B29-47B9-B867-91DA35F0E7F6}"/>
+              </a:ext>
+            </a:extLst>
+          </p:cNvPr>
+          <p:cNvSpPr/>
+          <p:nvPr/>
+        </p:nvSpPr>
+        <p:spPr>
+          <a:xfrm>
+            <a:off x="3475312" y="2559731"/>
+            <a:ext cx="720436" cy="1129621"/>
+          </a:xfrm>
+          <a:prstGeom prst="downArrow">
+            <a:avLst/>
+          </a:prstGeom>
+        </p:spPr>
+        <p:style>
+          <a:lnRef idx="2">
+            <a:schemeClr val="accent4"/>
+          </a:lnRef>
+          <a:fillRef idx="1">
+            <a:schemeClr val="lt1"/>
+          </a:fillRef>
+          <a:effectRef idx="0">
+            <a:schemeClr val="accent4"/>
+          </a:effectRef>
+          <a:fontRef idx="minor">
+            <a:schemeClr val="dk1"/>
+          </a:fontRef>
+        </p:style>
+        <p:txBody>
+          <a:bodyPr rtlCol="0" anchor="ctr"/>
+          <a:lstStyle/>
+          <a:p>
+            <a:pPr algn="ctr"/>
+            <a:endParaRPr lang="zh-TW" altLang="en-US"/>
+          </a:p>
+        </p:txBody>
+      </p:sp>
+      <p:sp>
+        <p:nvSpPr>
+          <p:cNvPr id="18" name="橢圓 17">
+            <a:extLst>
+              <a:ext uri="{FF2B5EF4-FFF2-40B4-BE49-F238E27FC236}">
+                <a16:creationId xmlns:a16="http://schemas.microsoft.com/office/drawing/2014/main" id="{14303852-69DD-4CB5-8F69-471A380E2095}"/>
+              </a:ext>
+            </a:extLst>
+          </p:cNvPr>
+          <p:cNvSpPr/>
+          <p:nvPr/>
+        </p:nvSpPr>
+        <p:spPr>
+          <a:xfrm>
+            <a:off x="4906513" y="2404542"/>
+            <a:ext cx="1440000" cy="1440000"/>
+          </a:xfrm>
+          <a:prstGeom prst="ellipse">
+            <a:avLst/>
+          </a:prstGeom>
+        </p:spPr>
+        <p:style>
+          <a:lnRef idx="2">
+            <a:schemeClr val="accent4">
+              <a:shade val="50000"/>
+            </a:schemeClr>
+          </a:lnRef>
+          <a:fillRef idx="1">
+            <a:schemeClr val="accent4"/>
+          </a:fillRef>
+          <a:effectRef idx="0">
+            <a:schemeClr val="accent4"/>
+          </a:effectRef>
+          <a:fontRef idx="minor">
+            <a:schemeClr val="lt1"/>
+          </a:fontRef>
+        </p:style>
+        <p:txBody>
+          <a:bodyPr rtlCol="0" anchor="ctr"/>
+          <a:lstStyle/>
+          <a:p>
+            <a:pPr algn="ctr"/>
+            <a:endParaRPr lang="zh-TW" altLang="en-US" dirty="0"/>
+          </a:p>
+        </p:txBody>
+      </p:sp>
+      <p:sp>
+        <p:nvSpPr>
+          <p:cNvPr id="19" name="箭號: 向下 18">
+            <a:extLst>
+              <a:ext uri="{FF2B5EF4-FFF2-40B4-BE49-F238E27FC236}">
+                <a16:creationId xmlns:a16="http://schemas.microsoft.com/office/drawing/2014/main" id="{D89BFB72-C3DF-4B2B-B49B-FAEC1F53E0ED}"/>
+              </a:ext>
+            </a:extLst>
+          </p:cNvPr>
+          <p:cNvSpPr/>
+          <p:nvPr/>
+        </p:nvSpPr>
+        <p:spPr>
+          <a:xfrm>
+            <a:off x="5266295" y="2559731"/>
+            <a:ext cx="720436" cy="1129621"/>
+          </a:xfrm>
+          <a:prstGeom prst="downArrow">
+            <a:avLst/>
+          </a:prstGeom>
+        </p:spPr>
+        <p:style>
+          <a:lnRef idx="2">
+            <a:schemeClr val="accent4"/>
+          </a:lnRef>
+          <a:fillRef idx="1">
+            <a:schemeClr val="lt1"/>
+          </a:fillRef>
+          <a:effectRef idx="0">
+            <a:schemeClr val="accent4"/>
+          </a:effectRef>
+          <a:fontRef idx="minor">
+            <a:schemeClr val="dk1"/>
+          </a:fontRef>
+        </p:style>
+        <p:txBody>
+          <a:bodyPr rtlCol="0" anchor="ctr"/>
+          <a:lstStyle/>
+          <a:p>
+            <a:pPr algn="ctr"/>
+            <a:endParaRPr lang="zh-TW" altLang="en-US"/>
+          </a:p>
+        </p:txBody>
+      </p:sp>
+      <p:sp>
+        <p:nvSpPr>
+          <p:cNvPr id="20" name="橢圓 19">
+            <a:extLst>
+              <a:ext uri="{FF2B5EF4-FFF2-40B4-BE49-F238E27FC236}">
+                <a16:creationId xmlns:a16="http://schemas.microsoft.com/office/drawing/2014/main" id="{B39D6C15-1A79-41BF-B49D-D9BDEA99A425}"/>
+              </a:ext>
+            </a:extLst>
+          </p:cNvPr>
+          <p:cNvSpPr/>
+          <p:nvPr/>
+        </p:nvSpPr>
+        <p:spPr>
+          <a:xfrm>
+            <a:off x="6708298" y="2404542"/>
+            <a:ext cx="1440000" cy="1440000"/>
+          </a:xfrm>
+          <a:prstGeom prst="ellipse">
+            <a:avLst/>
+          </a:prstGeom>
+        </p:spPr>
+        <p:style>
+          <a:lnRef idx="2">
+            <a:schemeClr val="accent4">
+              <a:shade val="50000"/>
+            </a:schemeClr>
+          </a:lnRef>
+          <a:fillRef idx="1">
+            <a:schemeClr val="accent4"/>
+          </a:fillRef>
+          <a:effectRef idx="0">
+            <a:schemeClr val="accent4"/>
+          </a:effectRef>
+          <a:fontRef idx="minor">
+            <a:schemeClr val="lt1"/>
+          </a:fontRef>
+        </p:style>
+        <p:txBody>
+          <a:bodyPr rtlCol="0" anchor="ctr"/>
+          <a:lstStyle/>
+          <a:p>
+            <a:pPr algn="ctr"/>
+            <a:endParaRPr lang="zh-TW" altLang="en-US" dirty="0"/>
+          </a:p>
+        </p:txBody>
+      </p:sp>
+      <p:sp>
+        <p:nvSpPr>
+          <p:cNvPr id="21" name="箭號: 向下 20">
+            <a:extLst>
+              <a:ext uri="{FF2B5EF4-FFF2-40B4-BE49-F238E27FC236}">
+                <a16:creationId xmlns:a16="http://schemas.microsoft.com/office/drawing/2014/main" id="{D45405A9-E1A6-4434-99B5-EB67C949C7B3}"/>
+              </a:ext>
+            </a:extLst>
+          </p:cNvPr>
+          <p:cNvSpPr/>
+          <p:nvPr/>
+        </p:nvSpPr>
+        <p:spPr>
+          <a:xfrm>
+            <a:off x="7068080" y="2559731"/>
+            <a:ext cx="720436" cy="1129621"/>
+          </a:xfrm>
+          <a:prstGeom prst="downArrow">
+            <a:avLst/>
+          </a:prstGeom>
+        </p:spPr>
+        <p:style>
+          <a:lnRef idx="2">
+            <a:schemeClr val="accent4"/>
+          </a:lnRef>
+          <a:fillRef idx="1">
+            <a:schemeClr val="lt1"/>
+          </a:fillRef>
+          <a:effectRef idx="0">
+            <a:schemeClr val="accent4"/>
+          </a:effectRef>
+          <a:fontRef idx="minor">
+            <a:schemeClr val="dk1"/>
+          </a:fontRef>
+        </p:style>
+        <p:txBody>
+          <a:bodyPr rtlCol="0" anchor="ctr"/>
+          <a:lstStyle/>
+          <a:p>
+            <a:pPr algn="ctr"/>
+            <a:endParaRPr lang="zh-TW" altLang="en-US"/>
+          </a:p>
+        </p:txBody>
+      </p:sp>
+      <p:sp>
+        <p:nvSpPr>
+          <p:cNvPr id="22" name="橢圓 21">
+            <a:extLst>
+              <a:ext uri="{FF2B5EF4-FFF2-40B4-BE49-F238E27FC236}">
+                <a16:creationId xmlns:a16="http://schemas.microsoft.com/office/drawing/2014/main" id="{9211BEA4-4ECD-44EF-A547-FC62B94CA741}"/>
+              </a:ext>
+            </a:extLst>
+          </p:cNvPr>
+          <p:cNvSpPr/>
+          <p:nvPr/>
+        </p:nvSpPr>
+        <p:spPr>
+          <a:xfrm>
+            <a:off x="8508080" y="2404542"/>
+            <a:ext cx="1440000" cy="1440000"/>
+          </a:xfrm>
+          <a:prstGeom prst="ellipse">
+            <a:avLst/>
+          </a:prstGeom>
+        </p:spPr>
+        <p:style>
+          <a:lnRef idx="2">
+            <a:schemeClr val="accent6">
+              <a:shade val="50000"/>
+            </a:schemeClr>
+          </a:lnRef>
+          <a:fillRef idx="1">
+            <a:schemeClr val="accent6"/>
+          </a:fillRef>
+          <a:effectRef idx="0">
+            <a:schemeClr val="accent6"/>
+          </a:effectRef>
+          <a:fontRef idx="minor">
+            <a:schemeClr val="lt1"/>
+          </a:fontRef>
+        </p:style>
+        <p:txBody>
+          <a:bodyPr rtlCol="0" anchor="ctr"/>
+          <a:lstStyle/>
+          <a:p>
+            <a:pPr algn="ctr"/>
+            <a:endParaRPr lang="zh-TW" altLang="en-US"/>
+          </a:p>
+        </p:txBody>
+      </p:sp>
+      <p:sp>
+        <p:nvSpPr>
+          <p:cNvPr id="23" name="箭號: 向下 22">
+            <a:extLst>
+              <a:ext uri="{FF2B5EF4-FFF2-40B4-BE49-F238E27FC236}">
+                <a16:creationId xmlns:a16="http://schemas.microsoft.com/office/drawing/2014/main" id="{B9C9B733-C0A7-43E4-A4B6-EAB6D0B08B32}"/>
+              </a:ext>
+            </a:extLst>
+          </p:cNvPr>
+          <p:cNvSpPr/>
+          <p:nvPr/>
+        </p:nvSpPr>
+        <p:spPr>
+          <a:xfrm rot="16200000">
+            <a:off x="8867862" y="2559732"/>
+            <a:ext cx="720436" cy="1129621"/>
+          </a:xfrm>
+          <a:prstGeom prst="downArrow">
+            <a:avLst/>
+          </a:prstGeom>
+        </p:spPr>
+        <p:style>
+          <a:lnRef idx="2">
+            <a:schemeClr val="accent6"/>
+          </a:lnRef>
+          <a:fillRef idx="1">
+            <a:schemeClr val="lt1"/>
+          </a:fillRef>
+          <a:effectRef idx="0">
+            <a:schemeClr val="accent6"/>
+          </a:effectRef>
+          <a:fontRef idx="minor">
+            <a:schemeClr val="dk1"/>
+          </a:fontRef>
+        </p:style>
+        <p:txBody>
+          <a:bodyPr rtlCol="0" anchor="ctr"/>
+          <a:lstStyle/>
+          <a:p>
+            <a:pPr algn="ctr"/>
+            <a:endParaRPr lang="zh-TW" altLang="en-US"/>
+          </a:p>
+        </p:txBody>
+      </p:sp>
+      <p:sp>
+        <p:nvSpPr>
+          <p:cNvPr id="24" name="橢圓 23">
+            <a:extLst>
+              <a:ext uri="{FF2B5EF4-FFF2-40B4-BE49-F238E27FC236}">
+                <a16:creationId xmlns:a16="http://schemas.microsoft.com/office/drawing/2014/main" id="{90441301-5991-4E11-A9C8-1FF1D9B7F9DA}"/>
+              </a:ext>
+            </a:extLst>
+          </p:cNvPr>
+          <p:cNvSpPr/>
+          <p:nvPr/>
+        </p:nvSpPr>
+        <p:spPr>
+          <a:xfrm>
+            <a:off x="10307862" y="3689352"/>
+            <a:ext cx="72000" cy="72000"/>
+          </a:xfrm>
+          <a:prstGeom prst="ellipse">
+            <a:avLst/>
+          </a:prstGeom>
+        </p:spPr>
+        <p:style>
+          <a:lnRef idx="2">
+            <a:schemeClr val="accent1">
+              <a:shade val="50000"/>
+            </a:schemeClr>
+          </a:lnRef>
+          <a:fillRef idx="1">
+            <a:schemeClr val="accent1"/>
+          </a:fillRef>
+          <a:effectRef idx="0">
+            <a:schemeClr val="accent1"/>
+          </a:effectRef>
+          <a:fontRef idx="minor">
+            <a:schemeClr val="lt1"/>
+          </a:fontRef>
+        </p:style>
+        <p:txBody>
+          <a:bodyPr rtlCol="0" anchor="ctr"/>
+          <a:lstStyle/>
+          <a:p>
+            <a:pPr algn="ctr"/>
+            <a:endParaRPr lang="zh-TW" altLang="en-US"/>
+          </a:p>
+        </p:txBody>
+      </p:sp>
+      <p:sp>
+        <p:nvSpPr>
+          <p:cNvPr id="33" name="橢圓 32">
+            <a:extLst>
+              <a:ext uri="{FF2B5EF4-FFF2-40B4-BE49-F238E27FC236}">
+                <a16:creationId xmlns:a16="http://schemas.microsoft.com/office/drawing/2014/main" id="{B194E39F-F5E1-44FB-BB92-5BDDF1483684}"/>
+              </a:ext>
+            </a:extLst>
+          </p:cNvPr>
+          <p:cNvSpPr/>
+          <p:nvPr/>
+        </p:nvSpPr>
+        <p:spPr>
+          <a:xfrm>
+            <a:off x="10490967" y="3689352"/>
+            <a:ext cx="72000" cy="72000"/>
+          </a:xfrm>
+          <a:prstGeom prst="ellipse">
+            <a:avLst/>
+          </a:prstGeom>
+        </p:spPr>
+        <p:style>
+          <a:lnRef idx="2">
+            <a:schemeClr val="accent1">
+              <a:shade val="50000"/>
+            </a:schemeClr>
+          </a:lnRef>
+          <a:fillRef idx="1">
+            <a:schemeClr val="accent1"/>
+          </a:fillRef>
+          <a:effectRef idx="0">
+            <a:schemeClr val="accent1"/>
+          </a:effectRef>
+          <a:fontRef idx="minor">
+            <a:schemeClr val="lt1"/>
+          </a:fontRef>
+        </p:style>
+        <p:txBody>
+          <a:bodyPr rtlCol="0" anchor="ctr"/>
+          <a:lstStyle/>
+          <a:p>
+            <a:pPr algn="ctr"/>
+            <a:endParaRPr lang="zh-TW" altLang="en-US"/>
+          </a:p>
+        </p:txBody>
+      </p:sp>
+      <p:sp>
+        <p:nvSpPr>
+          <p:cNvPr id="34" name="橢圓 33">
+            <a:extLst>
+              <a:ext uri="{FF2B5EF4-FFF2-40B4-BE49-F238E27FC236}">
+                <a16:creationId xmlns:a16="http://schemas.microsoft.com/office/drawing/2014/main" id="{AF3465A1-FC38-42D3-9BBA-BBF939FD9FDD}"/>
+              </a:ext>
+            </a:extLst>
+          </p:cNvPr>
+          <p:cNvSpPr/>
+          <p:nvPr/>
+        </p:nvSpPr>
+        <p:spPr>
+          <a:xfrm>
+            <a:off x="10674072" y="3689352"/>
+            <a:ext cx="72000" cy="72000"/>
+          </a:xfrm>
+          <a:prstGeom prst="ellipse">
+            <a:avLst/>
+          </a:prstGeom>
+        </p:spPr>
+        <p:style>
+          <a:lnRef idx="2">
+            <a:schemeClr val="accent1">
+              <a:shade val="50000"/>
+            </a:schemeClr>
+          </a:lnRef>
+          <a:fillRef idx="1">
+            <a:schemeClr val="accent1"/>
+          </a:fillRef>
+          <a:effectRef idx="0">
+            <a:schemeClr val="accent1"/>
+          </a:effectRef>
+          <a:fontRef idx="minor">
+            <a:schemeClr val="lt1"/>
+          </a:fontRef>
+        </p:style>
+        <p:txBody>
+          <a:bodyPr rtlCol="0" anchor="ctr"/>
+          <a:lstStyle/>
+          <a:p>
+            <a:pPr algn="ctr"/>
+            <a:endParaRPr lang="zh-TW" altLang="en-US"/>
+          </a:p>
+        </p:txBody>
+      </p:sp>
+    </p:spTree>
+    <p:extLst>
+      <p:ext uri="{BB962C8B-B14F-4D97-AF65-F5344CB8AC3E}">
+        <p14:creationId xmlns:p14="http://schemas.microsoft.com/office/powerpoint/2010/main" val="3729033167"/>
       </p:ext>
     </p:extLst>
   </p:cSld>
